--- a/PRESENTASI.pptx
+++ b/PRESENTASI.pptx
@@ -298,7 +298,7 @@
           <a:p>
             <a:fld id="{1BA50D42-C9CD-4801-B293-61D1F53EC57E}" type="datetimeFigureOut">
               <a:rPr lang="de-DE" smtClean="0"/>
-              <a:t>13.08.2015</a:t>
+              <a:t>8/22/15</a:t>
             </a:fld>
             <a:endParaRPr lang="de-DE"/>
           </a:p>
@@ -340,7 +340,7 @@
           <a:p>
             <a:fld id="{6C6AE60A-B69C-4790-82F7-3882EDF23186}" type="slidenum">
               <a:rPr lang="de-DE" smtClean="0"/>
-              <a:t>‹Nr.›</a:t>
+              <a:t>‹#›</a:t>
             </a:fld>
             <a:endParaRPr lang="de-DE"/>
           </a:p>
@@ -463,7 +463,7 @@
           <a:p>
             <a:fld id="{1BA50D42-C9CD-4801-B293-61D1F53EC57E}" type="datetimeFigureOut">
               <a:rPr lang="de-DE" smtClean="0"/>
-              <a:t>13.08.2015</a:t>
+              <a:t>8/22/15</a:t>
             </a:fld>
             <a:endParaRPr lang="de-DE"/>
           </a:p>
@@ -505,7 +505,7 @@
           <a:p>
             <a:fld id="{6C6AE60A-B69C-4790-82F7-3882EDF23186}" type="slidenum">
               <a:rPr lang="de-DE" smtClean="0"/>
-              <a:t>‹Nr.›</a:t>
+              <a:t>‹#›</a:t>
             </a:fld>
             <a:endParaRPr lang="de-DE"/>
           </a:p>
@@ -638,7 +638,7 @@
           <a:p>
             <a:fld id="{1BA50D42-C9CD-4801-B293-61D1F53EC57E}" type="datetimeFigureOut">
               <a:rPr lang="de-DE" smtClean="0"/>
-              <a:t>13.08.2015</a:t>
+              <a:t>8/22/15</a:t>
             </a:fld>
             <a:endParaRPr lang="de-DE"/>
           </a:p>
@@ -680,7 +680,7 @@
           <a:p>
             <a:fld id="{6C6AE60A-B69C-4790-82F7-3882EDF23186}" type="slidenum">
               <a:rPr lang="de-DE" smtClean="0"/>
-              <a:t>‹Nr.›</a:t>
+              <a:t>‹#›</a:t>
             </a:fld>
             <a:endParaRPr lang="de-DE"/>
           </a:p>
@@ -803,7 +803,7 @@
           <a:p>
             <a:fld id="{1BA50D42-C9CD-4801-B293-61D1F53EC57E}" type="datetimeFigureOut">
               <a:rPr lang="de-DE" smtClean="0"/>
-              <a:t>13.08.2015</a:t>
+              <a:t>8/22/15</a:t>
             </a:fld>
             <a:endParaRPr lang="de-DE"/>
           </a:p>
@@ -845,7 +845,7 @@
           <a:p>
             <a:fld id="{6C6AE60A-B69C-4790-82F7-3882EDF23186}" type="slidenum">
               <a:rPr lang="de-DE" smtClean="0"/>
-              <a:t>‹Nr.›</a:t>
+              <a:t>‹#›</a:t>
             </a:fld>
             <a:endParaRPr lang="de-DE"/>
           </a:p>
@@ -1044,7 +1044,7 @@
           <a:p>
             <a:fld id="{1BA50D42-C9CD-4801-B293-61D1F53EC57E}" type="datetimeFigureOut">
               <a:rPr lang="de-DE" smtClean="0"/>
-              <a:t>13.08.2015</a:t>
+              <a:t>8/22/15</a:t>
             </a:fld>
             <a:endParaRPr lang="de-DE"/>
           </a:p>
@@ -1086,7 +1086,7 @@
           <a:p>
             <a:fld id="{6C6AE60A-B69C-4790-82F7-3882EDF23186}" type="slidenum">
               <a:rPr lang="de-DE" smtClean="0"/>
-              <a:t>‹Nr.›</a:t>
+              <a:t>‹#›</a:t>
             </a:fld>
             <a:endParaRPr lang="de-DE"/>
           </a:p>
@@ -1327,7 +1327,7 @@
           <a:p>
             <a:fld id="{1BA50D42-C9CD-4801-B293-61D1F53EC57E}" type="datetimeFigureOut">
               <a:rPr lang="de-DE" smtClean="0"/>
-              <a:t>13.08.2015</a:t>
+              <a:t>8/22/15</a:t>
             </a:fld>
             <a:endParaRPr lang="de-DE"/>
           </a:p>
@@ -1369,7 +1369,7 @@
           <a:p>
             <a:fld id="{6C6AE60A-B69C-4790-82F7-3882EDF23186}" type="slidenum">
               <a:rPr lang="de-DE" smtClean="0"/>
-              <a:t>‹Nr.›</a:t>
+              <a:t>‹#›</a:t>
             </a:fld>
             <a:endParaRPr lang="de-DE"/>
           </a:p>
@@ -1744,7 +1744,7 @@
           <a:p>
             <a:fld id="{1BA50D42-C9CD-4801-B293-61D1F53EC57E}" type="datetimeFigureOut">
               <a:rPr lang="de-DE" smtClean="0"/>
-              <a:t>13.08.2015</a:t>
+              <a:t>8/22/15</a:t>
             </a:fld>
             <a:endParaRPr lang="de-DE"/>
           </a:p>
@@ -1786,7 +1786,7 @@
           <a:p>
             <a:fld id="{6C6AE60A-B69C-4790-82F7-3882EDF23186}" type="slidenum">
               <a:rPr lang="de-DE" smtClean="0"/>
-              <a:t>‹Nr.›</a:t>
+              <a:t>‹#›</a:t>
             </a:fld>
             <a:endParaRPr lang="de-DE"/>
           </a:p>
@@ -1857,7 +1857,7 @@
           <a:p>
             <a:fld id="{1BA50D42-C9CD-4801-B293-61D1F53EC57E}" type="datetimeFigureOut">
               <a:rPr lang="de-DE" smtClean="0"/>
-              <a:t>13.08.2015</a:t>
+              <a:t>8/22/15</a:t>
             </a:fld>
             <a:endParaRPr lang="de-DE"/>
           </a:p>
@@ -1899,7 +1899,7 @@
           <a:p>
             <a:fld id="{6C6AE60A-B69C-4790-82F7-3882EDF23186}" type="slidenum">
               <a:rPr lang="de-DE" smtClean="0"/>
-              <a:t>‹Nr.›</a:t>
+              <a:t>‹#›</a:t>
             </a:fld>
             <a:endParaRPr lang="de-DE"/>
           </a:p>
@@ -1947,7 +1947,7 @@
           <a:p>
             <a:fld id="{1BA50D42-C9CD-4801-B293-61D1F53EC57E}" type="datetimeFigureOut">
               <a:rPr lang="de-DE" smtClean="0"/>
-              <a:t>13.08.2015</a:t>
+              <a:t>8/22/15</a:t>
             </a:fld>
             <a:endParaRPr lang="de-DE"/>
           </a:p>
@@ -1989,7 +1989,7 @@
           <a:p>
             <a:fld id="{6C6AE60A-B69C-4790-82F7-3882EDF23186}" type="slidenum">
               <a:rPr lang="de-DE" smtClean="0"/>
-              <a:t>‹Nr.›</a:t>
+              <a:t>‹#›</a:t>
             </a:fld>
             <a:endParaRPr lang="de-DE"/>
           </a:p>
@@ -2219,7 +2219,7 @@
           <a:p>
             <a:fld id="{1BA50D42-C9CD-4801-B293-61D1F53EC57E}" type="datetimeFigureOut">
               <a:rPr lang="de-DE" smtClean="0"/>
-              <a:t>13.08.2015</a:t>
+              <a:t>8/22/15</a:t>
             </a:fld>
             <a:endParaRPr lang="de-DE"/>
           </a:p>
@@ -2261,7 +2261,7 @@
           <a:p>
             <a:fld id="{6C6AE60A-B69C-4790-82F7-3882EDF23186}" type="slidenum">
               <a:rPr lang="de-DE" smtClean="0"/>
-              <a:t>‹Nr.›</a:t>
+              <a:t>‹#›</a:t>
             </a:fld>
             <a:endParaRPr lang="de-DE"/>
           </a:p>
@@ -2467,7 +2467,7 @@
           <a:p>
             <a:fld id="{1BA50D42-C9CD-4801-B293-61D1F53EC57E}" type="datetimeFigureOut">
               <a:rPr lang="de-DE" smtClean="0"/>
-              <a:t>13.08.2015</a:t>
+              <a:t>8/22/15</a:t>
             </a:fld>
             <a:endParaRPr lang="de-DE"/>
           </a:p>
@@ -2509,7 +2509,7 @@
           <a:p>
             <a:fld id="{6C6AE60A-B69C-4790-82F7-3882EDF23186}" type="slidenum">
               <a:rPr lang="de-DE" smtClean="0"/>
-              <a:t>‹Nr.›</a:t>
+              <a:t>‹#›</a:t>
             </a:fld>
             <a:endParaRPr lang="de-DE"/>
           </a:p>
@@ -2675,7 +2675,7 @@
           <a:p>
             <a:fld id="{1BA50D42-C9CD-4801-B293-61D1F53EC57E}" type="datetimeFigureOut">
               <a:rPr lang="de-DE" smtClean="0"/>
-              <a:t>13.08.2015</a:t>
+              <a:t>8/22/15</a:t>
             </a:fld>
             <a:endParaRPr lang="de-DE"/>
           </a:p>
@@ -2753,7 +2753,7 @@
           <a:p>
             <a:fld id="{6C6AE60A-B69C-4790-82F7-3882EDF23186}" type="slidenum">
               <a:rPr lang="de-DE" smtClean="0"/>
-              <a:t>‹Nr.›</a:t>
+              <a:t>‹#›</a:t>
             </a:fld>
             <a:endParaRPr lang="de-DE"/>
           </a:p>
@@ -3302,7 +3302,7 @@
   <p:timing>
     <p:tnLst>
       <p:par>
-        <p:cTn id="1" dur="indefinite" restart="never" nodeType="tmRoot"/>
+        <p:cTn xmlns:p14="http://schemas.microsoft.com/office/powerpoint/2010/main" id="1" dur="indefinite" restart="never" nodeType="tmRoot"/>
       </p:par>
     </p:tnLst>
   </p:timing>
@@ -3455,7 +3455,7 @@
   <p:timing>
     <p:tnLst>
       <p:par>
-        <p:cTn id="1" dur="indefinite" restart="never" nodeType="tmRoot"/>
+        <p:cTn xmlns:p14="http://schemas.microsoft.com/office/powerpoint/2010/main" id="1" dur="indefinite" restart="never" nodeType="tmRoot"/>
       </p:par>
     </p:tnLst>
   </p:timing>
@@ -3620,7 +3620,7 @@
           </a:prstGeom>
           <a:noFill/>
           <a:extLst>
-            <a:ext uri="{909E8E84-426E-40DD-AFC4-6F175D3DCCD1}">
+            <a:ext uri="{909E8E84-426E-40dd-AFC4-6F175D3DCCD1}">
               <a14:hiddenFill xmlns:a14="http://schemas.microsoft.com/office/drawing/2010/main">
                 <a:solidFill>
                   <a:srgbClr val="FFFFFF"/>
@@ -3661,7 +3661,7 @@
           </a:prstGeom>
           <a:noFill/>
           <a:extLst>
-            <a:ext uri="{909E8E84-426E-40DD-AFC4-6F175D3DCCD1}">
+            <a:ext uri="{909E8E84-426E-40dd-AFC4-6F175D3DCCD1}">
               <a14:hiddenFill xmlns:a14="http://schemas.microsoft.com/office/drawing/2010/main">
                 <a:solidFill>
                   <a:srgbClr val="FFFFFF"/>
@@ -3702,7 +3702,7 @@
           </a:prstGeom>
           <a:noFill/>
           <a:extLst>
-            <a:ext uri="{909E8E84-426E-40DD-AFC4-6F175D3DCCD1}">
+            <a:ext uri="{909E8E84-426E-40dd-AFC4-6F175D3DCCD1}">
               <a14:hiddenFill xmlns:a14="http://schemas.microsoft.com/office/drawing/2010/main">
                 <a:solidFill>
                   <a:srgbClr val="FFFFFF"/>
@@ -3743,7 +3743,7 @@
           </a:prstGeom>
           <a:noFill/>
           <a:extLst>
-            <a:ext uri="{909E8E84-426E-40DD-AFC4-6F175D3DCCD1}">
+            <a:ext uri="{909E8E84-426E-40dd-AFC4-6F175D3DCCD1}">
               <a14:hiddenFill xmlns:a14="http://schemas.microsoft.com/office/drawing/2010/main">
                 <a:solidFill>
                   <a:srgbClr val="FFFFFF"/>
@@ -3914,7 +3914,7 @@
   <p:timing>
     <p:tnLst>
       <p:par>
-        <p:cTn id="1" dur="indefinite" restart="never" nodeType="tmRoot"/>
+        <p:cTn xmlns:p14="http://schemas.microsoft.com/office/powerpoint/2010/main" id="1" dur="indefinite" restart="never" nodeType="tmRoot"/>
       </p:par>
     </p:tnLst>
   </p:timing>
@@ -4207,7 +4207,7 @@
   <p:timing>
     <p:tnLst>
       <p:par>
-        <p:cTn id="1" dur="indefinite" restart="never" nodeType="tmRoot"/>
+        <p:cTn xmlns:p14="http://schemas.microsoft.com/office/powerpoint/2010/main" id="1" dur="indefinite" restart="never" nodeType="tmRoot"/>
       </p:par>
     </p:tnLst>
   </p:timing>
@@ -4626,7 +4626,7 @@
   <p:timing>
     <p:tnLst>
       <p:par>
-        <p:cTn id="1" dur="indefinite" restart="never" nodeType="tmRoot"/>
+        <p:cTn xmlns:p14="http://schemas.microsoft.com/office/powerpoint/2010/main" id="1" dur="indefinite" restart="never" nodeType="tmRoot"/>
       </p:par>
     </p:tnLst>
   </p:timing>
@@ -4961,7 +4961,7 @@
   <p:timing>
     <p:tnLst>
       <p:par>
-        <p:cTn id="1" dur="indefinite" restart="never" nodeType="tmRoot"/>
+        <p:cTn xmlns:p14="http://schemas.microsoft.com/office/powerpoint/2010/main" id="1" dur="indefinite" restart="never" nodeType="tmRoot"/>
       </p:par>
     </p:tnLst>
   </p:timing>
@@ -5356,7 +5356,7 @@
   <p:timing>
     <p:tnLst>
       <p:par>
-        <p:cTn id="1" dur="indefinite" restart="never" nodeType="tmRoot"/>
+        <p:cTn xmlns:p14="http://schemas.microsoft.com/office/powerpoint/2010/main" id="1" dur="indefinite" restart="never" nodeType="tmRoot"/>
       </p:par>
     </p:tnLst>
   </p:timing>
@@ -5571,7 +5571,7 @@
   <p:timing>
     <p:tnLst>
       <p:par>
-        <p:cTn id="1" dur="indefinite" restart="never" nodeType="tmRoot"/>
+        <p:cTn xmlns:p14="http://schemas.microsoft.com/office/powerpoint/2010/main" id="1" dur="indefinite" restart="never" nodeType="tmRoot"/>
       </p:par>
     </p:tnLst>
   </p:timing>
@@ -5726,7 +5726,7 @@
   <p:timing>
     <p:tnLst>
       <p:par>
-        <p:cTn id="1" dur="indefinite" restart="never" nodeType="tmRoot"/>
+        <p:cTn xmlns:p14="http://schemas.microsoft.com/office/powerpoint/2010/main" id="1" dur="indefinite" restart="never" nodeType="tmRoot"/>
       </p:par>
     </p:tnLst>
   </p:timing>
@@ -5881,7 +5881,7 @@
   <p:timing>
     <p:tnLst>
       <p:par>
-        <p:cTn id="1" dur="indefinite" restart="never" nodeType="tmRoot"/>
+        <p:cTn xmlns:p14="http://schemas.microsoft.com/office/powerpoint/2010/main" id="1" dur="indefinite" restart="never" nodeType="tmRoot"/>
       </p:par>
     </p:tnLst>
   </p:timing>
@@ -6044,13 +6044,7 @@
               <a:rPr lang="de-DE" sz="3200" dirty="0" smtClean="0">
                 <a:latin typeface="Rockwell" panose="02060603020205020403" pitchFamily="18" charset="0"/>
               </a:rPr>
-              <a:t>/</a:t>
-            </a:r>
-            <a:r>
-              <a:rPr lang="de-DE" sz="3200" dirty="0" smtClean="0">
-                <a:latin typeface="Rockwell" panose="02060603020205020403" pitchFamily="18" charset="0"/>
-              </a:rPr>
-              <a:t>hai-area</a:t>
+              <a:t>/hai-area</a:t>
             </a:r>
           </a:p>
           <a:p>
@@ -6095,7 +6089,7 @@
               <a:rPr lang="de-DE" sz="3200" dirty="0" err="1" smtClean="0">
                 <a:latin typeface="Rockwell" panose="02060603020205020403" pitchFamily="18" charset="0"/>
               </a:rPr>
-              <a:t>distrib</a:t>
+              <a:t>dms</a:t>
             </a:r>
             <a:endParaRPr lang="de-DE" sz="3200" dirty="0" smtClean="0">
               <a:latin typeface="Rockwell" panose="02060603020205020403" pitchFamily="18" charset="0"/>
@@ -6204,7 +6198,7 @@
   <p:timing>
     <p:tnLst>
       <p:par>
-        <p:cTn id="1" dur="indefinite" restart="never" nodeType="tmRoot"/>
+        <p:cTn xmlns:p14="http://schemas.microsoft.com/office/powerpoint/2010/main" id="1" dur="indefinite" restart="never" nodeType="tmRoot"/>
       </p:par>
     </p:tnLst>
   </p:timing>

--- a/PRESENTASI.pptx
+++ b/PRESENTASI.pptx
@@ -7,15 +7,17 @@
   <p:sldIdLst>
     <p:sldId id="257" r:id="rId2"/>
     <p:sldId id="269" r:id="rId3"/>
-    <p:sldId id="258" r:id="rId4"/>
-    <p:sldId id="260" r:id="rId5"/>
-    <p:sldId id="268" r:id="rId6"/>
-    <p:sldId id="261" r:id="rId7"/>
-    <p:sldId id="263" r:id="rId8"/>
-    <p:sldId id="270" r:id="rId9"/>
-    <p:sldId id="264" r:id="rId10"/>
-    <p:sldId id="266" r:id="rId11"/>
-    <p:sldId id="267" r:id="rId12"/>
+    <p:sldId id="268" r:id="rId4"/>
+    <p:sldId id="271" r:id="rId5"/>
+    <p:sldId id="273" r:id="rId6"/>
+    <p:sldId id="260" r:id="rId7"/>
+    <p:sldId id="261" r:id="rId8"/>
+    <p:sldId id="263" r:id="rId9"/>
+    <p:sldId id="272" r:id="rId10"/>
+    <p:sldId id="270" r:id="rId11"/>
+    <p:sldId id="264" r:id="rId12"/>
+    <p:sldId id="266" r:id="rId13"/>
+    <p:sldId id="267" r:id="rId14"/>
   </p:sldIdLst>
   <p:sldSz cx="9144000" cy="6858000" type="screen4x3"/>
   <p:notesSz cx="6858000" cy="9144000"/>
@@ -298,7 +300,7 @@
           <a:p>
             <a:fld id="{1BA50D42-C9CD-4801-B293-61D1F53EC57E}" type="datetimeFigureOut">
               <a:rPr lang="de-DE" smtClean="0"/>
-              <a:t>8/22/15</a:t>
+              <a:t>8/23/15</a:t>
             </a:fld>
             <a:endParaRPr lang="de-DE"/>
           </a:p>
@@ -463,7 +465,7 @@
           <a:p>
             <a:fld id="{1BA50D42-C9CD-4801-B293-61D1F53EC57E}" type="datetimeFigureOut">
               <a:rPr lang="de-DE" smtClean="0"/>
-              <a:t>8/22/15</a:t>
+              <a:t>8/23/15</a:t>
             </a:fld>
             <a:endParaRPr lang="de-DE"/>
           </a:p>
@@ -638,7 +640,7 @@
           <a:p>
             <a:fld id="{1BA50D42-C9CD-4801-B293-61D1F53EC57E}" type="datetimeFigureOut">
               <a:rPr lang="de-DE" smtClean="0"/>
-              <a:t>8/22/15</a:t>
+              <a:t>8/23/15</a:t>
             </a:fld>
             <a:endParaRPr lang="de-DE"/>
           </a:p>
@@ -803,7 +805,7 @@
           <a:p>
             <a:fld id="{1BA50D42-C9CD-4801-B293-61D1F53EC57E}" type="datetimeFigureOut">
               <a:rPr lang="de-DE" smtClean="0"/>
-              <a:t>8/22/15</a:t>
+              <a:t>8/23/15</a:t>
             </a:fld>
             <a:endParaRPr lang="de-DE"/>
           </a:p>
@@ -1044,7 +1046,7 @@
           <a:p>
             <a:fld id="{1BA50D42-C9CD-4801-B293-61D1F53EC57E}" type="datetimeFigureOut">
               <a:rPr lang="de-DE" smtClean="0"/>
-              <a:t>8/22/15</a:t>
+              <a:t>8/23/15</a:t>
             </a:fld>
             <a:endParaRPr lang="de-DE"/>
           </a:p>
@@ -1327,7 +1329,7 @@
           <a:p>
             <a:fld id="{1BA50D42-C9CD-4801-B293-61D1F53EC57E}" type="datetimeFigureOut">
               <a:rPr lang="de-DE" smtClean="0"/>
-              <a:t>8/22/15</a:t>
+              <a:t>8/23/15</a:t>
             </a:fld>
             <a:endParaRPr lang="de-DE"/>
           </a:p>
@@ -1744,7 +1746,7 @@
           <a:p>
             <a:fld id="{1BA50D42-C9CD-4801-B293-61D1F53EC57E}" type="datetimeFigureOut">
               <a:rPr lang="de-DE" smtClean="0"/>
-              <a:t>8/22/15</a:t>
+              <a:t>8/23/15</a:t>
             </a:fld>
             <a:endParaRPr lang="de-DE"/>
           </a:p>
@@ -1857,7 +1859,7 @@
           <a:p>
             <a:fld id="{1BA50D42-C9CD-4801-B293-61D1F53EC57E}" type="datetimeFigureOut">
               <a:rPr lang="de-DE" smtClean="0"/>
-              <a:t>8/22/15</a:t>
+              <a:t>8/23/15</a:t>
             </a:fld>
             <a:endParaRPr lang="de-DE"/>
           </a:p>
@@ -1947,7 +1949,7 @@
           <a:p>
             <a:fld id="{1BA50D42-C9CD-4801-B293-61D1F53EC57E}" type="datetimeFigureOut">
               <a:rPr lang="de-DE" smtClean="0"/>
-              <a:t>8/22/15</a:t>
+              <a:t>8/23/15</a:t>
             </a:fld>
             <a:endParaRPr lang="de-DE"/>
           </a:p>
@@ -2219,7 +2221,7 @@
           <a:p>
             <a:fld id="{1BA50D42-C9CD-4801-B293-61D1F53EC57E}" type="datetimeFigureOut">
               <a:rPr lang="de-DE" smtClean="0"/>
-              <a:t>8/22/15</a:t>
+              <a:t>8/23/15</a:t>
             </a:fld>
             <a:endParaRPr lang="de-DE"/>
           </a:p>
@@ -2467,7 +2469,7 @@
           <a:p>
             <a:fld id="{1BA50D42-C9CD-4801-B293-61D1F53EC57E}" type="datetimeFigureOut">
               <a:rPr lang="de-DE" smtClean="0"/>
-              <a:t>8/22/15</a:t>
+              <a:t>8/23/15</a:t>
             </a:fld>
             <a:endParaRPr lang="de-DE"/>
           </a:p>
@@ -2675,7 +2677,7 @@
           <a:p>
             <a:fld id="{1BA50D42-C9CD-4801-B293-61D1F53EC57E}" type="datetimeFigureOut">
               <a:rPr lang="de-DE" smtClean="0"/>
-              <a:t>8/22/15</a:t>
+              <a:t>8/23/15</a:t>
             </a:fld>
             <a:endParaRPr lang="de-DE"/>
           </a:p>
@@ -3374,40 +3376,42 @@
       </p:sp>
       <p:sp>
         <p:nvSpPr>
-          <p:cNvPr id="5" name="Rechteck 4"/>
-          <p:cNvSpPr/>
-          <p:nvPr/>
-        </p:nvSpPr>
-        <p:spPr>
-          <a:xfrm>
-            <a:off x="899592" y="2636912"/>
-            <a:ext cx="7272808" cy="584775"/>
-          </a:xfrm>
-          <a:prstGeom prst="rect">
-            <a:avLst/>
-          </a:prstGeom>
-        </p:spPr>
-        <p:txBody>
-          <a:bodyPr wrap="square">
+          <p:cNvPr id="7" name="Textfeld 6"/>
+          <p:cNvSpPr txBox="1"/>
+          <p:nvPr/>
+        </p:nvSpPr>
+        <p:spPr>
+          <a:xfrm>
+            <a:off x="251520" y="231031"/>
+            <a:ext cx="3600400" cy="461665"/>
+          </a:xfrm>
+          <a:prstGeom prst="rect">
+            <a:avLst/>
+          </a:prstGeom>
+          <a:noFill/>
+        </p:spPr>
+        <p:txBody>
+          <a:bodyPr wrap="square" rtlCol="0">
             <a:spAutoFit/>
           </a:bodyPr>
           <a:lstStyle/>
           <a:p>
-            <a:pPr algn="ctr"/>
-            <a:r>
-              <a:rPr lang="de-DE" sz="3200" dirty="0" err="1" smtClean="0">
-                <a:latin typeface="Rockwell" panose="02060603020205020403" pitchFamily="18" charset="0"/>
-              </a:rPr>
-              <a:t>Pertanyaan</a:t>
-            </a:r>
-            <a:r>
-              <a:rPr lang="de-DE" sz="3200" dirty="0" smtClean="0">
-                <a:latin typeface="Rockwell" panose="02060603020205020403" pitchFamily="18" charset="0"/>
-              </a:rPr>
-              <a:t>?</a:t>
-            </a:r>
-            <a:endParaRPr lang="de-DE" sz="3200" dirty="0">
+            <a:r>
+              <a:rPr lang="de-DE" sz="2400" b="1" dirty="0" smtClean="0">
+                <a:solidFill>
+                  <a:schemeClr val="bg1"/>
+                </a:solidFill>
+                <a:latin typeface="Rockwell" panose="02060603020205020403" pitchFamily="18" charset="0"/>
+                <a:ea typeface="Roboto Light" panose="02000000000000000000" pitchFamily="2" charset="0"/>
+              </a:rPr>
+              <a:t>IMPLEMENTASI</a:t>
+            </a:r>
+            <a:endParaRPr lang="de-DE" sz="2400" b="1" dirty="0">
+              <a:solidFill>
+                <a:schemeClr val="bg1"/>
+              </a:solidFill>
               <a:latin typeface="Rockwell" panose="02060603020205020403" pitchFamily="18" charset="0"/>
+              <a:ea typeface="Roboto Light" panose="02000000000000000000" pitchFamily="2" charset="0"/>
             </a:endParaRPr>
           </a:p>
         </p:txBody>
@@ -3442,10 +3446,205 @@
           </a:prstGeom>
         </p:spPr>
       </p:pic>
+      <p:sp>
+        <p:nvSpPr>
+          <p:cNvPr id="5" name="Textfeld 3"/>
+          <p:cNvSpPr txBox="1"/>
+          <p:nvPr/>
+        </p:nvSpPr>
+        <p:spPr>
+          <a:xfrm>
+            <a:off x="611560" y="1412776"/>
+            <a:ext cx="7920880" cy="1200328"/>
+          </a:xfrm>
+          <a:prstGeom prst="rect">
+            <a:avLst/>
+          </a:prstGeom>
+          <a:noFill/>
+        </p:spPr>
+        <p:txBody>
+          <a:bodyPr wrap="square" rtlCol="0">
+            <a:spAutoFit/>
+          </a:bodyPr>
+          <a:lstStyle/>
+          <a:p>
+            <a:pPr marL="285750" indent="-285750">
+              <a:buFont typeface="Arial" panose="020B0604020202020204" pitchFamily="34" charset="0"/>
+              <a:buChar char="•"/>
+            </a:pPr>
+            <a:r>
+              <a:rPr lang="de-DE" sz="2400" dirty="0" err="1" smtClean="0">
+                <a:latin typeface="Rockwell" panose="02060603020205020403" pitchFamily="18" charset="0"/>
+              </a:rPr>
+              <a:t>Ketersiadaan</a:t>
+            </a:r>
+            <a:r>
+              <a:rPr lang="de-DE" sz="2400" dirty="0" smtClean="0">
+                <a:latin typeface="Rockwell" panose="02060603020205020403" pitchFamily="18" charset="0"/>
+              </a:rPr>
+              <a:t> </a:t>
+            </a:r>
+            <a:r>
+              <a:rPr lang="de-DE" sz="2400" dirty="0" err="1" smtClean="0">
+                <a:latin typeface="Rockwell" panose="02060603020205020403" pitchFamily="18" charset="0"/>
+              </a:rPr>
+              <a:t>pangan</a:t>
+            </a:r>
+            <a:r>
+              <a:rPr lang="de-DE" sz="2400" dirty="0" smtClean="0">
+                <a:latin typeface="Rockwell" panose="02060603020205020403" pitchFamily="18" charset="0"/>
+              </a:rPr>
+              <a:t> – terminal </a:t>
+            </a:r>
+            <a:r>
+              <a:rPr lang="de-DE" sz="2400" dirty="0" err="1" smtClean="0">
+                <a:latin typeface="Rockwell" panose="02060603020205020403" pitchFamily="18" charset="0"/>
+              </a:rPr>
+              <a:t>utk</a:t>
+            </a:r>
+            <a:r>
+              <a:rPr lang="de-DE" sz="2400" dirty="0" smtClean="0">
+                <a:latin typeface="Rockwell" panose="02060603020205020403" pitchFamily="18" charset="0"/>
+              </a:rPr>
+              <a:t> web </a:t>
+            </a:r>
+            <a:r>
+              <a:rPr lang="de-DE" sz="2400" dirty="0" err="1" smtClean="0">
+                <a:latin typeface="Rockwell" panose="02060603020205020403" pitchFamily="18" charset="0"/>
+              </a:rPr>
+              <a:t>based</a:t>
+            </a:r>
+            <a:r>
+              <a:rPr lang="de-DE" sz="2400" dirty="0" smtClean="0">
+                <a:latin typeface="Rockwell" panose="02060603020205020403" pitchFamily="18" charset="0"/>
+              </a:rPr>
+              <a:t> </a:t>
+            </a:r>
+            <a:r>
+              <a:rPr lang="de-DE" sz="2400" dirty="0" err="1" smtClean="0">
+                <a:latin typeface="Rockwell" panose="02060603020205020403" pitchFamily="18" charset="0"/>
+              </a:rPr>
+              <a:t>app</a:t>
+            </a:r>
+            <a:endParaRPr lang="de-DE" sz="2400" dirty="0" smtClean="0">
+              <a:latin typeface="Rockwell" panose="02060603020205020403" pitchFamily="18" charset="0"/>
+            </a:endParaRPr>
+          </a:p>
+          <a:p>
+            <a:pPr marL="285750" indent="-285750">
+              <a:buFont typeface="Arial" panose="020B0604020202020204" pitchFamily="34" charset="0"/>
+              <a:buChar char="•"/>
+            </a:pPr>
+            <a:r>
+              <a:rPr lang="de-DE" sz="2400" dirty="0" err="1" smtClean="0">
+                <a:latin typeface="Rockwell" panose="02060603020205020403" pitchFamily="18" charset="0"/>
+              </a:rPr>
+              <a:t>Pelacakan</a:t>
+            </a:r>
+            <a:r>
+              <a:rPr lang="de-DE" sz="2400" dirty="0" smtClean="0">
+                <a:latin typeface="Rockwell" panose="02060603020205020403" pitchFamily="18" charset="0"/>
+              </a:rPr>
+              <a:t> </a:t>
+            </a:r>
+            <a:r>
+              <a:rPr lang="de-DE" sz="2400" dirty="0" err="1" smtClean="0">
+                <a:latin typeface="Rockwell" panose="02060603020205020403" pitchFamily="18" charset="0"/>
+              </a:rPr>
+              <a:t>transportasi</a:t>
+            </a:r>
+            <a:r>
+              <a:rPr lang="de-DE" sz="2400" dirty="0" smtClean="0">
+                <a:latin typeface="Rockwell" panose="02060603020205020403" pitchFamily="18" charset="0"/>
+              </a:rPr>
+              <a:t> – </a:t>
+            </a:r>
+            <a:r>
+              <a:rPr lang="de-DE" sz="2400" dirty="0" err="1" smtClean="0">
+                <a:latin typeface="Rockwell" panose="02060603020205020403" pitchFamily="18" charset="0"/>
+              </a:rPr>
+              <a:t>IoT</a:t>
+            </a:r>
+            <a:r>
+              <a:rPr lang="de-DE" sz="2400" dirty="0" smtClean="0">
+                <a:latin typeface="Rockwell" panose="02060603020205020403" pitchFamily="18" charset="0"/>
+              </a:rPr>
+              <a:t> </a:t>
+            </a:r>
+            <a:r>
+              <a:rPr lang="de-DE" sz="2400" dirty="0" err="1" smtClean="0">
+                <a:latin typeface="Rockwell" panose="02060603020205020403" pitchFamily="18" charset="0"/>
+              </a:rPr>
+              <a:t>Raspberry</a:t>
+            </a:r>
+            <a:r>
+              <a:rPr lang="de-DE" sz="2400" dirty="0" smtClean="0">
+                <a:latin typeface="Rockwell" panose="02060603020205020403" pitchFamily="18" charset="0"/>
+              </a:rPr>
+              <a:t> Pi</a:t>
+            </a:r>
+          </a:p>
+          <a:p>
+            <a:pPr marL="285750" indent="-285750">
+              <a:buFont typeface="Arial" panose="020B0604020202020204" pitchFamily="34" charset="0"/>
+              <a:buChar char="•"/>
+            </a:pPr>
+            <a:r>
+              <a:rPr lang="de-DE" sz="2400" dirty="0" err="1" smtClean="0">
+                <a:latin typeface="Rockwell" panose="02060603020205020403" pitchFamily="18" charset="0"/>
+              </a:rPr>
+              <a:t>Laporan</a:t>
+            </a:r>
+            <a:r>
+              <a:rPr lang="de-DE" sz="2400" dirty="0" smtClean="0">
+                <a:latin typeface="Rockwell" panose="02060603020205020403" pitchFamily="18" charset="0"/>
+              </a:rPr>
+              <a:t> </a:t>
+            </a:r>
+            <a:r>
+              <a:rPr lang="de-DE" sz="2400" dirty="0" err="1" smtClean="0">
+                <a:latin typeface="Rockwell" panose="02060603020205020403" pitchFamily="18" charset="0"/>
+              </a:rPr>
+              <a:t>anomali</a:t>
+            </a:r>
+            <a:r>
+              <a:rPr lang="de-DE" sz="2400" dirty="0" smtClean="0">
+                <a:latin typeface="Rockwell" panose="02060603020205020403" pitchFamily="18" charset="0"/>
+              </a:rPr>
+              <a:t> – </a:t>
+            </a:r>
+            <a:r>
+              <a:rPr lang="de-DE" sz="2400" dirty="0" err="1" smtClean="0">
+                <a:latin typeface="Rockwell" panose="02060603020205020403" pitchFamily="18" charset="0"/>
+              </a:rPr>
+              <a:t>kolaborasi</a:t>
+            </a:r>
+            <a:r>
+              <a:rPr lang="de-DE" sz="2400" dirty="0" smtClean="0">
+                <a:latin typeface="Rockwell" panose="02060603020205020403" pitchFamily="18" charset="0"/>
+              </a:rPr>
+              <a:t> </a:t>
+            </a:r>
+            <a:r>
+              <a:rPr lang="de-DE" sz="2400" dirty="0" err="1" smtClean="0">
+                <a:latin typeface="Rockwell" panose="02060603020205020403" pitchFamily="18" charset="0"/>
+              </a:rPr>
+              <a:t>berbasis</a:t>
+            </a:r>
+            <a:r>
+              <a:rPr lang="de-DE" sz="2400" dirty="0" smtClean="0">
+                <a:latin typeface="Rockwell" panose="02060603020205020403" pitchFamily="18" charset="0"/>
+              </a:rPr>
+              <a:t> SMS</a:t>
+            </a:r>
+            <a:endParaRPr lang="de-DE" sz="1400" dirty="0"/>
+          </a:p>
+        </p:txBody>
+      </p:sp>
     </p:spTree>
     <p:extLst>
       <p:ext uri="{BB962C8B-B14F-4D97-AF65-F5344CB8AC3E}">
-        <p14:creationId xmlns:p14="http://schemas.microsoft.com/office/powerpoint/2010/main" val="4243263512"/>
+        <p14:creationId xmlns:p14="http://schemas.microsoft.com/office/powerpoint/2010/main" val="1450565187"/>
       </p:ext>
     </p:extLst>
   </p:cSld>
@@ -3527,13 +3726,157 @@
       </p:sp>
       <p:sp>
         <p:nvSpPr>
+          <p:cNvPr id="7" name="Textfeld 6"/>
+          <p:cNvSpPr txBox="1"/>
+          <p:nvPr/>
+        </p:nvSpPr>
+        <p:spPr>
+          <a:xfrm>
+            <a:off x="251520" y="231031"/>
+            <a:ext cx="3600400" cy="461665"/>
+          </a:xfrm>
+          <a:prstGeom prst="rect">
+            <a:avLst/>
+          </a:prstGeom>
+          <a:noFill/>
+        </p:spPr>
+        <p:txBody>
+          <a:bodyPr wrap="square" rtlCol="0">
+            <a:spAutoFit/>
+          </a:bodyPr>
+          <a:lstStyle/>
+          <a:p>
+            <a:r>
+              <a:rPr lang="de-DE" sz="2400" b="1" dirty="0" smtClean="0">
+                <a:solidFill>
+                  <a:schemeClr val="bg1"/>
+                </a:solidFill>
+                <a:latin typeface="Rockwell" panose="02060603020205020403" pitchFamily="18" charset="0"/>
+                <a:ea typeface="Roboto Light" panose="02000000000000000000" pitchFamily="2" charset="0"/>
+              </a:rPr>
+              <a:t>REPO</a:t>
+            </a:r>
+            <a:endParaRPr lang="de-DE" sz="2400" b="1" dirty="0">
+              <a:solidFill>
+                <a:schemeClr val="bg1"/>
+              </a:solidFill>
+              <a:latin typeface="Rockwell" panose="02060603020205020403" pitchFamily="18" charset="0"/>
+              <a:ea typeface="Roboto Light" panose="02000000000000000000" pitchFamily="2" charset="0"/>
+            </a:endParaRPr>
+          </a:p>
+        </p:txBody>
+      </p:sp>
+      <p:sp>
+        <p:nvSpPr>
+          <p:cNvPr id="4" name="Textfeld 3"/>
+          <p:cNvSpPr txBox="1"/>
+          <p:nvPr/>
+        </p:nvSpPr>
+        <p:spPr>
+          <a:xfrm>
+            <a:off x="1459850" y="1965608"/>
+            <a:ext cx="6208494" cy="2062103"/>
+          </a:xfrm>
+          <a:prstGeom prst="rect">
+            <a:avLst/>
+          </a:prstGeom>
+          <a:noFill/>
+        </p:spPr>
+        <p:txBody>
+          <a:bodyPr wrap="square" rtlCol="0">
+            <a:spAutoFit/>
+          </a:bodyPr>
+          <a:lstStyle/>
+          <a:p>
+            <a:pPr marL="285750" indent="-285750">
+              <a:buFont typeface="Arial" panose="020B0604020202020204" pitchFamily="34" charset="0"/>
+              <a:buChar char="•"/>
+            </a:pPr>
+            <a:r>
+              <a:rPr lang="de-DE" sz="3200" dirty="0" smtClean="0">
+                <a:latin typeface="Rockwell" panose="02060603020205020403" pitchFamily="18" charset="0"/>
+              </a:rPr>
+              <a:t>/</a:t>
+            </a:r>
+            <a:r>
+              <a:rPr lang="de-DE" sz="3200" dirty="0" err="1" smtClean="0">
+                <a:latin typeface="Rockwell" panose="02060603020205020403" pitchFamily="18" charset="0"/>
+              </a:rPr>
+              <a:t>hai</a:t>
+            </a:r>
+            <a:endParaRPr lang="de-DE" sz="3200" dirty="0" smtClean="0">
+              <a:latin typeface="Rockwell" panose="02060603020205020403" pitchFamily="18" charset="0"/>
+            </a:endParaRPr>
+          </a:p>
+          <a:p>
+            <a:pPr marL="285750" indent="-285750">
+              <a:buFont typeface="Arial" panose="020B0604020202020204" pitchFamily="34" charset="0"/>
+              <a:buChar char="•"/>
+            </a:pPr>
+            <a:r>
+              <a:rPr lang="de-DE" sz="3200" dirty="0" smtClean="0">
+                <a:latin typeface="Rockwell" panose="02060603020205020403" pitchFamily="18" charset="0"/>
+              </a:rPr>
+              <a:t>/hai-area</a:t>
+            </a:r>
+          </a:p>
+          <a:p>
+            <a:pPr marL="285750" indent="-285750">
+              <a:buFont typeface="Arial" panose="020B0604020202020204" pitchFamily="34" charset="0"/>
+              <a:buChar char="•"/>
+            </a:pPr>
+            <a:r>
+              <a:rPr lang="de-DE" sz="3200" dirty="0" smtClean="0">
+                <a:latin typeface="Rockwell" panose="02060603020205020403" pitchFamily="18" charset="0"/>
+              </a:rPr>
+              <a:t>/hai-</a:t>
+            </a:r>
+            <a:r>
+              <a:rPr lang="de-DE" sz="3200" dirty="0" err="1" smtClean="0">
+                <a:latin typeface="Rockwell" panose="02060603020205020403" pitchFamily="18" charset="0"/>
+              </a:rPr>
+              <a:t>civil</a:t>
+            </a:r>
+            <a:endParaRPr lang="de-DE" sz="3200" dirty="0" smtClean="0">
+              <a:latin typeface="Rockwell" panose="02060603020205020403" pitchFamily="18" charset="0"/>
+            </a:endParaRPr>
+          </a:p>
+          <a:p>
+            <a:pPr marL="285750" indent="-285750">
+              <a:buFont typeface="Arial" panose="020B0604020202020204" pitchFamily="34" charset="0"/>
+              <a:buChar char="•"/>
+            </a:pPr>
+            <a:r>
+              <a:rPr lang="de-DE" sz="3200" dirty="0">
+                <a:latin typeface="Rockwell" panose="02060603020205020403" pitchFamily="18" charset="0"/>
+              </a:rPr>
+              <a:t>/</a:t>
+            </a:r>
+            <a:r>
+              <a:rPr lang="de-DE" sz="3200" dirty="0" smtClean="0">
+                <a:latin typeface="Rockwell" panose="02060603020205020403" pitchFamily="18" charset="0"/>
+              </a:rPr>
+              <a:t>hai-</a:t>
+            </a:r>
+            <a:r>
+              <a:rPr lang="de-DE" sz="3200" dirty="0" err="1" smtClean="0">
+                <a:latin typeface="Rockwell" panose="02060603020205020403" pitchFamily="18" charset="0"/>
+              </a:rPr>
+              <a:t>dms</a:t>
+            </a:r>
+            <a:endParaRPr lang="de-DE" dirty="0"/>
+          </a:p>
+        </p:txBody>
+      </p:sp>
+      <p:sp>
+        <p:nvSpPr>
           <p:cNvPr id="5" name="Rechteck 4"/>
           <p:cNvSpPr/>
           <p:nvPr/>
         </p:nvSpPr>
         <p:spPr>
           <a:xfrm>
-            <a:off x="971600" y="1116033"/>
+            <a:off x="899592" y="1116033"/>
             <a:ext cx="7272808" cy="584775"/>
           </a:xfrm>
           <a:prstGeom prst="rect">
@@ -3548,12 +3891,312 @@
           <a:p>
             <a:pPr algn="ctr"/>
             <a:r>
+              <a:rPr lang="de-DE" sz="3200" dirty="0" smtClean="0">
+                <a:latin typeface="Rockwell" panose="02060603020205020403" pitchFamily="18" charset="0"/>
+              </a:rPr>
+              <a:t>http://github.com/aryonp</a:t>
+            </a:r>
+            <a:endParaRPr lang="de-DE" sz="3200" dirty="0">
+              <a:latin typeface="Rockwell" panose="02060603020205020403" pitchFamily="18" charset="0"/>
+            </a:endParaRPr>
+          </a:p>
+        </p:txBody>
+      </p:sp>
+      <p:pic>
+        <p:nvPicPr>
+          <p:cNvPr id="6" name="Grafik 5"/>
+          <p:cNvPicPr>
+            <a:picLocks noChangeAspect="1"/>
+          </p:cNvPicPr>
+          <p:nvPr/>
+        </p:nvPicPr>
+        <p:blipFill>
+          <a:blip r:embed="rId2">
+            <a:extLst>
+              <a:ext uri="{28A0092B-C50C-407E-A947-70E740481C1C}">
+                <a14:useLocalDpi xmlns:a14="http://schemas.microsoft.com/office/drawing/2010/main" val="0"/>
+              </a:ext>
+            </a:extLst>
+          </a:blip>
+          <a:stretch>
+            <a:fillRect/>
+          </a:stretch>
+        </p:blipFill>
+        <p:spPr>
+          <a:xfrm>
+            <a:off x="6433774" y="6237312"/>
+            <a:ext cx="2530714" cy="474509"/>
+          </a:xfrm>
+          <a:prstGeom prst="rect">
+            <a:avLst/>
+          </a:prstGeom>
+        </p:spPr>
+      </p:pic>
+    </p:spTree>
+    <p:extLst>
+      <p:ext uri="{BB962C8B-B14F-4D97-AF65-F5344CB8AC3E}">
+        <p14:creationId xmlns:p14="http://schemas.microsoft.com/office/powerpoint/2010/main" val="1320364062"/>
+      </p:ext>
+    </p:extLst>
+  </p:cSld>
+  <p:clrMapOvr>
+    <a:masterClrMapping/>
+  </p:clrMapOvr>
+  <p:timing>
+    <p:tnLst>
+      <p:par>
+        <p:cTn xmlns:p14="http://schemas.microsoft.com/office/powerpoint/2010/main" id="1" dur="indefinite" restart="never" nodeType="tmRoot"/>
+      </p:par>
+    </p:tnLst>
+  </p:timing>
+</p:sld>
+</file>
+
+<file path=ppt/slides/slide12.xml><?xml version="1.0" encoding="utf-8"?>
+<p:sld xmlns:a="http://schemas.openxmlformats.org/drawingml/2006/main" xmlns:r="http://schemas.openxmlformats.org/officeDocument/2006/relationships" xmlns:p="http://schemas.openxmlformats.org/presentationml/2006/main">
+  <p:cSld>
+    <p:spTree>
+      <p:nvGrpSpPr>
+        <p:cNvPr id="1" name=""/>
+        <p:cNvGrpSpPr/>
+        <p:nvPr/>
+      </p:nvGrpSpPr>
+      <p:grpSpPr>
+        <a:xfrm>
+          <a:off x="0" y="0"/>
+          <a:ext cx="0" cy="0"/>
+          <a:chOff x="0" y="0"/>
+          <a:chExt cx="0" cy="0"/>
+        </a:xfrm>
+      </p:grpSpPr>
+      <p:sp>
+        <p:nvSpPr>
+          <p:cNvPr id="3" name="Rechteck 2"/>
+          <p:cNvSpPr/>
+          <p:nvPr/>
+        </p:nvSpPr>
+        <p:spPr>
+          <a:xfrm>
+            <a:off x="0" y="0"/>
+            <a:ext cx="9144000" cy="958416"/>
+          </a:xfrm>
+          <a:prstGeom prst="rect">
+            <a:avLst/>
+          </a:prstGeom>
+          <a:solidFill>
+            <a:srgbClr val="FF0000"/>
+          </a:solidFill>
+          <a:ln>
+            <a:noFill/>
+          </a:ln>
+        </p:spPr>
+        <p:style>
+          <a:lnRef idx="2">
+            <a:schemeClr val="accent1">
+              <a:shade val="50000"/>
+            </a:schemeClr>
+          </a:lnRef>
+          <a:fillRef idx="1">
+            <a:schemeClr val="accent1"/>
+          </a:fillRef>
+          <a:effectRef idx="0">
+            <a:schemeClr val="accent1"/>
+          </a:effectRef>
+          <a:fontRef idx="minor">
+            <a:schemeClr val="lt1"/>
+          </a:fontRef>
+        </p:style>
+        <p:txBody>
+          <a:bodyPr rtlCol="0" anchor="ctr"/>
+          <a:lstStyle/>
+          <a:p>
+            <a:pPr algn="ctr"/>
+            <a:endParaRPr lang="de-DE"/>
+          </a:p>
+        </p:txBody>
+      </p:sp>
+      <p:sp>
+        <p:nvSpPr>
+          <p:cNvPr id="5" name="Rechteck 4"/>
+          <p:cNvSpPr/>
+          <p:nvPr/>
+        </p:nvSpPr>
+        <p:spPr>
+          <a:xfrm>
+            <a:off x="899592" y="2636912"/>
+            <a:ext cx="7272808" cy="584775"/>
+          </a:xfrm>
+          <a:prstGeom prst="rect">
+            <a:avLst/>
+          </a:prstGeom>
+        </p:spPr>
+        <p:txBody>
+          <a:bodyPr wrap="square">
+            <a:spAutoFit/>
+          </a:bodyPr>
+          <a:lstStyle/>
+          <a:p>
+            <a:pPr algn="ctr"/>
+            <a:r>
               <a:rPr lang="de-DE" sz="3200" dirty="0" err="1" smtClean="0">
                 <a:latin typeface="Rockwell" panose="02060603020205020403" pitchFamily="18" charset="0"/>
               </a:rPr>
+              <a:t>Pertanyaan</a:t>
+            </a:r>
+            <a:r>
+              <a:rPr lang="de-DE" sz="3200" dirty="0" smtClean="0">
+                <a:latin typeface="Rockwell" panose="02060603020205020403" pitchFamily="18" charset="0"/>
+              </a:rPr>
+              <a:t>?</a:t>
+            </a:r>
+            <a:endParaRPr lang="de-DE" sz="3200" dirty="0">
+              <a:latin typeface="Rockwell" panose="02060603020205020403" pitchFamily="18" charset="0"/>
+            </a:endParaRPr>
+          </a:p>
+        </p:txBody>
+      </p:sp>
+      <p:pic>
+        <p:nvPicPr>
+          <p:cNvPr id="6" name="Grafik 5"/>
+          <p:cNvPicPr>
+            <a:picLocks noChangeAspect="1"/>
+          </p:cNvPicPr>
+          <p:nvPr/>
+        </p:nvPicPr>
+        <p:blipFill>
+          <a:blip r:embed="rId2">
+            <a:extLst>
+              <a:ext uri="{28A0092B-C50C-407E-A947-70E740481C1C}">
+                <a14:useLocalDpi xmlns:a14="http://schemas.microsoft.com/office/drawing/2010/main" val="0"/>
+              </a:ext>
+            </a:extLst>
+          </a:blip>
+          <a:stretch>
+            <a:fillRect/>
+          </a:stretch>
+        </p:blipFill>
+        <p:spPr>
+          <a:xfrm>
+            <a:off x="6433774" y="6237312"/>
+            <a:ext cx="2530714" cy="474509"/>
+          </a:xfrm>
+          <a:prstGeom prst="rect">
+            <a:avLst/>
+          </a:prstGeom>
+        </p:spPr>
+      </p:pic>
+    </p:spTree>
+    <p:extLst>
+      <p:ext uri="{BB962C8B-B14F-4D97-AF65-F5344CB8AC3E}">
+        <p14:creationId xmlns:p14="http://schemas.microsoft.com/office/powerpoint/2010/main" val="4243263512"/>
+      </p:ext>
+    </p:extLst>
+  </p:cSld>
+  <p:clrMapOvr>
+    <a:masterClrMapping/>
+  </p:clrMapOvr>
+  <p:timing>
+    <p:tnLst>
+      <p:par>
+        <p:cTn xmlns:p14="http://schemas.microsoft.com/office/powerpoint/2010/main" id="1" dur="indefinite" restart="never" nodeType="tmRoot"/>
+      </p:par>
+    </p:tnLst>
+  </p:timing>
+</p:sld>
+</file>
+
+<file path=ppt/slides/slide13.xml><?xml version="1.0" encoding="utf-8"?>
+<p:sld xmlns:a="http://schemas.openxmlformats.org/drawingml/2006/main" xmlns:r="http://schemas.openxmlformats.org/officeDocument/2006/relationships" xmlns:p="http://schemas.openxmlformats.org/presentationml/2006/main">
+  <p:cSld>
+    <p:spTree>
+      <p:nvGrpSpPr>
+        <p:cNvPr id="1" name=""/>
+        <p:cNvGrpSpPr/>
+        <p:nvPr/>
+      </p:nvGrpSpPr>
+      <p:grpSpPr>
+        <a:xfrm>
+          <a:off x="0" y="0"/>
+          <a:ext cx="0" cy="0"/>
+          <a:chOff x="0" y="0"/>
+          <a:chExt cx="0" cy="0"/>
+        </a:xfrm>
+      </p:grpSpPr>
+      <p:sp>
+        <p:nvSpPr>
+          <p:cNvPr id="3" name="Rechteck 2"/>
+          <p:cNvSpPr/>
+          <p:nvPr/>
+        </p:nvSpPr>
+        <p:spPr>
+          <a:xfrm>
+            <a:off x="0" y="0"/>
+            <a:ext cx="9144000" cy="958416"/>
+          </a:xfrm>
+          <a:prstGeom prst="rect">
+            <a:avLst/>
+          </a:prstGeom>
+          <a:solidFill>
+            <a:srgbClr val="FF0000"/>
+          </a:solidFill>
+          <a:ln>
+            <a:noFill/>
+          </a:ln>
+        </p:spPr>
+        <p:style>
+          <a:lnRef idx="2">
+            <a:schemeClr val="accent1">
+              <a:shade val="50000"/>
+            </a:schemeClr>
+          </a:lnRef>
+          <a:fillRef idx="1">
+            <a:schemeClr val="accent1"/>
+          </a:fillRef>
+          <a:effectRef idx="0">
+            <a:schemeClr val="accent1"/>
+          </a:effectRef>
+          <a:fontRef idx="minor">
+            <a:schemeClr val="lt1"/>
+          </a:fontRef>
+        </p:style>
+        <p:txBody>
+          <a:bodyPr rtlCol="0" anchor="ctr"/>
+          <a:lstStyle/>
+          <a:p>
+            <a:pPr algn="ctr"/>
+            <a:endParaRPr lang="de-DE"/>
+          </a:p>
+        </p:txBody>
+      </p:sp>
+      <p:sp>
+        <p:nvSpPr>
+          <p:cNvPr id="5" name="Rechteck 4"/>
+          <p:cNvSpPr/>
+          <p:nvPr/>
+        </p:nvSpPr>
+        <p:spPr>
+          <a:xfrm>
+            <a:off x="971600" y="1116033"/>
+            <a:ext cx="7272808" cy="523220"/>
+          </a:xfrm>
+          <a:prstGeom prst="rect">
+            <a:avLst/>
+          </a:prstGeom>
+        </p:spPr>
+        <p:txBody>
+          <a:bodyPr wrap="square">
+            <a:spAutoFit/>
+          </a:bodyPr>
+          <a:lstStyle/>
+          <a:p>
+            <a:pPr algn="ctr"/>
+            <a:r>
+              <a:rPr lang="de-DE" sz="2800" dirty="0" err="1" smtClean="0">
+                <a:latin typeface="Rockwell" panose="02060603020205020403" pitchFamily="18" charset="0"/>
+              </a:rPr>
               <a:t>Contact</a:t>
             </a:r>
-            <a:endParaRPr lang="de-DE" sz="3200" dirty="0">
+            <a:endParaRPr lang="de-DE" sz="2800" dirty="0">
               <a:latin typeface="Rockwell" panose="02060603020205020403" pitchFamily="18" charset="0"/>
             </a:endParaRPr>
           </a:p>
@@ -3612,7 +4255,7 @@
         </p:blipFill>
         <p:spPr bwMode="auto">
           <a:xfrm>
-            <a:off x="2195736" y="2852936"/>
+            <a:off x="2195736" y="2889000"/>
             <a:ext cx="540000" cy="540000"/>
           </a:xfrm>
           <a:prstGeom prst="rect">
@@ -3653,7 +4296,7 @@
         </p:blipFill>
         <p:spPr bwMode="auto">
           <a:xfrm>
-            <a:off x="2195736" y="3573016"/>
+            <a:off x="2195736" y="3609080"/>
             <a:ext cx="540000" cy="540000"/>
           </a:xfrm>
           <a:prstGeom prst="rect">
@@ -3694,7 +4337,7 @@
         </p:blipFill>
         <p:spPr bwMode="auto">
           <a:xfrm>
-            <a:off x="2195736" y="4293096"/>
+            <a:off x="2195736" y="4437112"/>
             <a:ext cx="540000" cy="540000"/>
           </a:xfrm>
           <a:prstGeom prst="rect">
@@ -3735,7 +4378,7 @@
         </p:blipFill>
         <p:spPr bwMode="auto">
           <a:xfrm>
-            <a:off x="2195736" y="2132856"/>
+            <a:off x="2195736" y="2168920"/>
             <a:ext cx="540000" cy="540000"/>
           </a:xfrm>
           <a:prstGeom prst="rect">
@@ -3761,8 +4404,8 @@
         </p:nvSpPr>
         <p:spPr>
           <a:xfrm>
-            <a:off x="2843768" y="2132897"/>
-            <a:ext cx="4032488" cy="461665"/>
+            <a:off x="2843768" y="2060889"/>
+            <a:ext cx="4032488" cy="400110"/>
           </a:xfrm>
           <a:prstGeom prst="rect">
             <a:avLst/>
@@ -3776,12 +4419,12 @@
           <a:lstStyle/>
           <a:p>
             <a:r>
-              <a:rPr lang="de-DE" sz="2400" dirty="0" smtClean="0">
+              <a:rPr lang="de-DE" sz="2000" dirty="0" smtClean="0">
                 <a:latin typeface="Rockwell" panose="02060603020205020403" pitchFamily="18" charset="0"/>
               </a:rPr>
               <a:t>aryonp@gmail.com</a:t>
             </a:r>
-            <a:endParaRPr lang="de-DE" sz="2400" dirty="0">
+            <a:endParaRPr lang="de-DE" sz="2000" dirty="0">
               <a:latin typeface="Rockwell" panose="02060603020205020403" pitchFamily="18" charset="0"/>
             </a:endParaRPr>
           </a:p>
@@ -3795,8 +4438,8 @@
         </p:nvSpPr>
         <p:spPr>
           <a:xfrm>
-            <a:off x="2843768" y="2895327"/>
-            <a:ext cx="2448272" cy="461665"/>
+            <a:off x="2843768" y="2780928"/>
+            <a:ext cx="2448272" cy="400110"/>
           </a:xfrm>
           <a:prstGeom prst="rect">
             <a:avLst/>
@@ -3810,18 +4453,18 @@
           <a:lstStyle/>
           <a:p>
             <a:r>
-              <a:rPr lang="de-DE" sz="2400" dirty="0" err="1">
+              <a:rPr lang="de-DE" sz="2000" dirty="0" err="1">
                 <a:latin typeface="Rockwell" panose="02060603020205020403" pitchFamily="18" charset="0"/>
               </a:rPr>
               <a:t>a</a:t>
             </a:r>
             <a:r>
-              <a:rPr lang="de-DE" sz="2400" dirty="0" err="1" smtClean="0">
+              <a:rPr lang="de-DE" sz="2000" dirty="0" err="1" smtClean="0">
                 <a:latin typeface="Rockwell" panose="02060603020205020403" pitchFamily="18" charset="0"/>
               </a:rPr>
               <a:t>ryo.n.pratama</a:t>
             </a:r>
-            <a:endParaRPr lang="de-DE" sz="2400" dirty="0">
+            <a:endParaRPr lang="de-DE" sz="2000" dirty="0">
               <a:latin typeface="Rockwell" panose="02060603020205020403" pitchFamily="18" charset="0"/>
             </a:endParaRPr>
           </a:p>
@@ -3835,8 +4478,8 @@
         </p:nvSpPr>
         <p:spPr>
           <a:xfrm>
-            <a:off x="2843768" y="3573016"/>
-            <a:ext cx="2448272" cy="461665"/>
+            <a:off x="2843768" y="3501008"/>
+            <a:ext cx="2448272" cy="400110"/>
           </a:xfrm>
           <a:prstGeom prst="rect">
             <a:avLst/>
@@ -3850,18 +4493,18 @@
           <a:lstStyle/>
           <a:p>
             <a:r>
-              <a:rPr lang="de-DE" sz="2400" dirty="0" smtClean="0">
+              <a:rPr lang="de-DE" sz="2000" dirty="0" smtClean="0">
                 <a:latin typeface="Rockwell" panose="02060603020205020403" pitchFamily="18" charset="0"/>
               </a:rPr>
               <a:t>@</a:t>
             </a:r>
             <a:r>
-              <a:rPr lang="de-DE" sz="2400" dirty="0" err="1" smtClean="0">
+              <a:rPr lang="de-DE" sz="2000" dirty="0" err="1" smtClean="0">
                 <a:latin typeface="Rockwell" panose="02060603020205020403" pitchFamily="18" charset="0"/>
               </a:rPr>
               <a:t>aryonp</a:t>
             </a:r>
-            <a:endParaRPr lang="de-DE" sz="2400" dirty="0">
+            <a:endParaRPr lang="de-DE" sz="2000" dirty="0">
               <a:latin typeface="Rockwell" panose="02060603020205020403" pitchFamily="18" charset="0"/>
             </a:endParaRPr>
           </a:p>
@@ -3876,7 +4519,7 @@
         <p:spPr>
           <a:xfrm>
             <a:off x="2843768" y="4329160"/>
-            <a:ext cx="5256624" cy="461665"/>
+            <a:ext cx="5256624" cy="400110"/>
           </a:xfrm>
           <a:prstGeom prst="rect">
             <a:avLst/>
@@ -3890,12 +4533,160 @@
           <a:lstStyle/>
           <a:p>
             <a:r>
-              <a:rPr lang="de-DE" sz="2400" dirty="0" smtClean="0">
+              <a:rPr lang="de-DE" sz="2000" dirty="0" smtClean="0">
                 <a:latin typeface="Rockwell" panose="02060603020205020403" pitchFamily="18" charset="0"/>
               </a:rPr>
               <a:t>http://id.linkedin.com/in/aryonp</a:t>
             </a:r>
-            <a:endParaRPr lang="de-DE" sz="2400" dirty="0">
+            <a:endParaRPr lang="de-DE" sz="2000" dirty="0">
+              <a:latin typeface="Rockwell" panose="02060603020205020403" pitchFamily="18" charset="0"/>
+            </a:endParaRPr>
+          </a:p>
+        </p:txBody>
+      </p:sp>
+      <p:sp>
+        <p:nvSpPr>
+          <p:cNvPr id="14" name="Textfeld 1"/>
+          <p:cNvSpPr txBox="1"/>
+          <p:nvPr/>
+        </p:nvSpPr>
+        <p:spPr>
+          <a:xfrm>
+            <a:off x="2843808" y="2348880"/>
+            <a:ext cx="4032488" cy="400110"/>
+          </a:xfrm>
+          <a:prstGeom prst="rect">
+            <a:avLst/>
+          </a:prstGeom>
+          <a:noFill/>
+        </p:spPr>
+        <p:txBody>
+          <a:bodyPr wrap="square" rtlCol="0">
+            <a:spAutoFit/>
+          </a:bodyPr>
+          <a:lstStyle/>
+          <a:p>
+            <a:r>
+              <a:rPr lang="de-DE" sz="2000" dirty="0" err="1" smtClean="0">
+                <a:latin typeface="Rockwell" panose="02060603020205020403" pitchFamily="18" charset="0"/>
+              </a:rPr>
+              <a:t>adi@sagara.asia</a:t>
+            </a:r>
+            <a:endParaRPr lang="de-DE" sz="2000" dirty="0">
+              <a:latin typeface="Rockwell" panose="02060603020205020403" pitchFamily="18" charset="0"/>
+            </a:endParaRPr>
+          </a:p>
+        </p:txBody>
+      </p:sp>
+      <p:sp>
+        <p:nvSpPr>
+          <p:cNvPr id="15" name="Textfeld 10"/>
+          <p:cNvSpPr txBox="1"/>
+          <p:nvPr/>
+        </p:nvSpPr>
+        <p:spPr>
+          <a:xfrm>
+            <a:off x="2843808" y="3068960"/>
+            <a:ext cx="2448272" cy="400110"/>
+          </a:xfrm>
+          <a:prstGeom prst="rect">
+            <a:avLst/>
+          </a:prstGeom>
+          <a:noFill/>
+        </p:spPr>
+        <p:txBody>
+          <a:bodyPr wrap="square" rtlCol="0">
+            <a:spAutoFit/>
+          </a:bodyPr>
+          <a:lstStyle/>
+          <a:p>
+            <a:r>
+              <a:rPr lang="de-DE" sz="2000" dirty="0" err="1" smtClean="0">
+                <a:latin typeface="Rockwell" panose="02060603020205020403" pitchFamily="18" charset="0"/>
+              </a:rPr>
+              <a:t>adiarriansyah</a:t>
+            </a:r>
+            <a:endParaRPr lang="de-DE" sz="2000" dirty="0">
+              <a:latin typeface="Rockwell" panose="02060603020205020403" pitchFamily="18" charset="0"/>
+            </a:endParaRPr>
+          </a:p>
+        </p:txBody>
+      </p:sp>
+      <p:sp>
+        <p:nvSpPr>
+          <p:cNvPr id="17" name="Textfeld 11"/>
+          <p:cNvSpPr txBox="1"/>
+          <p:nvPr/>
+        </p:nvSpPr>
+        <p:spPr>
+          <a:xfrm>
+            <a:off x="2843808" y="3789040"/>
+            <a:ext cx="2448272" cy="400110"/>
+          </a:xfrm>
+          <a:prstGeom prst="rect">
+            <a:avLst/>
+          </a:prstGeom>
+          <a:noFill/>
+        </p:spPr>
+        <p:txBody>
+          <a:bodyPr wrap="square" rtlCol="0">
+            <a:spAutoFit/>
+          </a:bodyPr>
+          <a:lstStyle/>
+          <a:p>
+            <a:r>
+              <a:rPr lang="de-DE" sz="2000" dirty="0" smtClean="0">
+                <a:latin typeface="Rockwell" panose="02060603020205020403" pitchFamily="18" charset="0"/>
+              </a:rPr>
+              <a:t>@</a:t>
+            </a:r>
+            <a:r>
+              <a:rPr lang="de-DE" sz="2000" dirty="0" err="1" smtClean="0">
+                <a:latin typeface="Rockwell" panose="02060603020205020403" pitchFamily="18" charset="0"/>
+              </a:rPr>
+              <a:t>adiarriansyah</a:t>
+            </a:r>
+            <a:endParaRPr lang="de-DE" sz="2000" dirty="0">
+              <a:latin typeface="Rockwell" panose="02060603020205020403" pitchFamily="18" charset="0"/>
+            </a:endParaRPr>
+          </a:p>
+        </p:txBody>
+      </p:sp>
+      <p:sp>
+        <p:nvSpPr>
+          <p:cNvPr id="18" name="Textfeld 12"/>
+          <p:cNvSpPr txBox="1"/>
+          <p:nvPr/>
+        </p:nvSpPr>
+        <p:spPr>
+          <a:xfrm>
+            <a:off x="2843808" y="4613066"/>
+            <a:ext cx="5256624" cy="400110"/>
+          </a:xfrm>
+          <a:prstGeom prst="rect">
+            <a:avLst/>
+          </a:prstGeom>
+          <a:noFill/>
+        </p:spPr>
+        <p:txBody>
+          <a:bodyPr wrap="square" rtlCol="0">
+            <a:spAutoFit/>
+          </a:bodyPr>
+          <a:lstStyle/>
+          <a:p>
+            <a:r>
+              <a:rPr lang="de-DE" sz="2000" dirty="0" smtClean="0">
+                <a:latin typeface="Rockwell" panose="02060603020205020403" pitchFamily="18" charset="0"/>
+              </a:rPr>
+              <a:t>http://id.linkedin.com/in/</a:t>
+            </a:r>
+            <a:r>
+              <a:rPr lang="de-DE" sz="2000" dirty="0" err="1" smtClean="0">
+                <a:latin typeface="Rockwell" panose="02060603020205020403" pitchFamily="18" charset="0"/>
+              </a:rPr>
+              <a:t>adiarriansyah</a:t>
+            </a:r>
+            <a:endParaRPr lang="de-DE" sz="2000" dirty="0">
               <a:latin typeface="Rockwell" panose="02060603020205020403" pitchFamily="18" charset="0"/>
             </a:endParaRPr>
           </a:p>
@@ -4233,40 +5024,6 @@
       </p:grpSpPr>
       <p:sp>
         <p:nvSpPr>
-          <p:cNvPr id="2" name="Rechteck 1"/>
-          <p:cNvSpPr/>
-          <p:nvPr/>
-        </p:nvSpPr>
-        <p:spPr>
-          <a:xfrm>
-            <a:off x="899592" y="2138719"/>
-            <a:ext cx="7272808" cy="584775"/>
-          </a:xfrm>
-          <a:prstGeom prst="rect">
-            <a:avLst/>
-          </a:prstGeom>
-        </p:spPr>
-        <p:txBody>
-          <a:bodyPr wrap="square">
-            <a:spAutoFit/>
-          </a:bodyPr>
-          <a:lstStyle/>
-          <a:p>
-            <a:pPr algn="ctr"/>
-            <a:r>
-              <a:rPr lang="de-DE" sz="3200" dirty="0" smtClean="0">
-                <a:latin typeface="Rockwell" panose="02060603020205020403" pitchFamily="18" charset="0"/>
-              </a:rPr>
-              <a:t>LOGISTIK</a:t>
-            </a:r>
-            <a:endParaRPr lang="de-DE" sz="3200" dirty="0">
-              <a:latin typeface="Rockwell" panose="02060603020205020403" pitchFamily="18" charset="0"/>
-            </a:endParaRPr>
-          </a:p>
-        </p:txBody>
-      </p:sp>
-      <p:sp>
-        <p:nvSpPr>
           <p:cNvPr id="3" name="Rechteck 2"/>
           <p:cNvSpPr/>
           <p:nvPr/>
@@ -4313,7 +5070,7 @@
       </p:sp>
       <p:sp>
         <p:nvSpPr>
-          <p:cNvPr id="6" name="Textfeld 5"/>
+          <p:cNvPr id="7" name="Textfeld 6"/>
           <p:cNvSpPr txBox="1"/>
           <p:nvPr/>
         </p:nvSpPr>
@@ -4341,7 +5098,7 @@
                 <a:latin typeface="Rockwell" panose="02060603020205020403" pitchFamily="18" charset="0"/>
                 <a:ea typeface="Roboto Light" panose="02000000000000000000" pitchFamily="2" charset="0"/>
               </a:rPr>
-              <a:t>IDE</a:t>
+              <a:t>REFERENSI</a:t>
             </a:r>
             <a:endParaRPr lang="de-DE" sz="2400" b="1" dirty="0">
               <a:solidFill>
@@ -4353,81 +5110,9 @@
           </a:p>
         </p:txBody>
       </p:sp>
-      <p:cxnSp>
-        <p:nvCxnSpPr>
-          <p:cNvPr id="8" name="Gerade Verbindung mit Pfeil 7"/>
-          <p:cNvCxnSpPr/>
-          <p:nvPr/>
-        </p:nvCxnSpPr>
-        <p:spPr>
-          <a:xfrm>
-            <a:off x="4883079" y="2780928"/>
-            <a:ext cx="1136432" cy="1259523"/>
-          </a:xfrm>
-          <a:prstGeom prst="straightConnector1">
-            <a:avLst/>
-          </a:prstGeom>
-          <a:ln>
-            <a:solidFill>
-              <a:schemeClr val="tx1"/>
-            </a:solidFill>
-            <a:tailEnd type="arrow"/>
-          </a:ln>
-        </p:spPr>
-        <p:style>
-          <a:lnRef idx="1">
-            <a:schemeClr val="accent1"/>
-          </a:lnRef>
-          <a:fillRef idx="0">
-            <a:schemeClr val="accent1"/>
-          </a:fillRef>
-          <a:effectRef idx="0">
-            <a:schemeClr val="accent1"/>
-          </a:effectRef>
-          <a:fontRef idx="minor">
-            <a:schemeClr val="tx1"/>
-          </a:fontRef>
-        </p:style>
-      </p:cxnSp>
-      <p:cxnSp>
-        <p:nvCxnSpPr>
-          <p:cNvPr id="10" name="Gerade Verbindung mit Pfeil 9"/>
-          <p:cNvCxnSpPr/>
-          <p:nvPr/>
-        </p:nvCxnSpPr>
-        <p:spPr>
-          <a:xfrm flipH="1">
-            <a:off x="3101753" y="2780928"/>
-            <a:ext cx="1008112" cy="1228164"/>
-          </a:xfrm>
-          <a:prstGeom prst="straightConnector1">
-            <a:avLst/>
-          </a:prstGeom>
-          <a:ln>
-            <a:solidFill>
-              <a:schemeClr val="tx1"/>
-            </a:solidFill>
-            <a:tailEnd type="arrow"/>
-          </a:ln>
-        </p:spPr>
-        <p:style>
-          <a:lnRef idx="1">
-            <a:schemeClr val="accent1"/>
-          </a:lnRef>
-          <a:fillRef idx="0">
-            <a:schemeClr val="accent1"/>
-          </a:fillRef>
-          <a:effectRef idx="0">
-            <a:schemeClr val="accent1"/>
-          </a:effectRef>
-          <a:fontRef idx="minor">
-            <a:schemeClr val="tx1"/>
-          </a:fontRef>
-        </p:style>
-      </p:cxnSp>
       <p:pic>
         <p:nvPicPr>
-          <p:cNvPr id="12" name="Grafik 11"/>
+          <p:cNvPr id="8" name="Grafik 7"/>
           <p:cNvPicPr>
             <a:picLocks noChangeAspect="1"/>
           </p:cNvPicPr>
@@ -4457,7 +5142,7 @@
       </p:pic>
       <p:pic>
         <p:nvPicPr>
-          <p:cNvPr id="9" name="Grafik 8"/>
+          <p:cNvPr id="4" name="Grafik 3"/>
           <p:cNvPicPr>
             <a:picLocks noChangeAspect="1"/>
           </p:cNvPicPr>
@@ -4477,51 +5162,17 @@
         </p:blipFill>
         <p:spPr>
           <a:xfrm>
-            <a:off x="5168889" y="3382488"/>
-            <a:ext cx="1701242" cy="1182648"/>
+            <a:off x="6084169" y="3605019"/>
+            <a:ext cx="2016224" cy="832093"/>
           </a:xfrm>
           <a:prstGeom prst="rect">
             <a:avLst/>
           </a:prstGeom>
         </p:spPr>
       </p:pic>
-      <p:sp>
-        <p:nvSpPr>
-          <p:cNvPr id="5" name="Rechteck 4"/>
-          <p:cNvSpPr/>
-          <p:nvPr/>
-        </p:nvSpPr>
-        <p:spPr>
-          <a:xfrm>
-            <a:off x="4523039" y="4021268"/>
-            <a:ext cx="3001289" cy="369332"/>
-          </a:xfrm>
-          <a:prstGeom prst="rect">
-            <a:avLst/>
-          </a:prstGeom>
-        </p:spPr>
-        <p:txBody>
-          <a:bodyPr wrap="square">
-            <a:spAutoFit/>
-          </a:bodyPr>
-          <a:lstStyle/>
-          <a:p>
-            <a:pPr algn="ctr"/>
-            <a:r>
-              <a:rPr lang="de-DE" dirty="0" err="1" smtClean="0">
-                <a:latin typeface="Rockwell" panose="02060603020205020403" pitchFamily="18" charset="0"/>
-              </a:rPr>
-              <a:t>Transportasi</a:t>
-            </a:r>
-            <a:endParaRPr lang="de-DE" dirty="0" smtClean="0">
-              <a:latin typeface="Rockwell" panose="02060603020205020403" pitchFamily="18" charset="0"/>
-            </a:endParaRPr>
-          </a:p>
-        </p:txBody>
-      </p:sp>
       <p:pic>
         <p:nvPicPr>
-          <p:cNvPr id="13" name="Grafik 12"/>
+          <p:cNvPr id="5" name="Grafik 4"/>
           <p:cNvPicPr>
             <a:picLocks noChangeAspect="1"/>
           </p:cNvPicPr>
@@ -4541,51 +5192,17 @@
         </p:blipFill>
         <p:spPr>
           <a:xfrm>
-            <a:off x="2716058" y="2996952"/>
-            <a:ext cx="1188736" cy="1111210"/>
+            <a:off x="3635896" y="1196752"/>
+            <a:ext cx="4063235" cy="934793"/>
           </a:xfrm>
           <a:prstGeom prst="rect">
             <a:avLst/>
           </a:prstGeom>
         </p:spPr>
       </p:pic>
-      <p:sp>
-        <p:nvSpPr>
-          <p:cNvPr id="4" name="Rechteck 3"/>
-          <p:cNvSpPr/>
-          <p:nvPr/>
-        </p:nvSpPr>
-        <p:spPr>
-          <a:xfrm>
-            <a:off x="1809782" y="3990490"/>
-            <a:ext cx="3001289" cy="400110"/>
-          </a:xfrm>
-          <a:prstGeom prst="rect">
-            <a:avLst/>
-          </a:prstGeom>
-        </p:spPr>
-        <p:txBody>
-          <a:bodyPr wrap="square">
-            <a:spAutoFit/>
-          </a:bodyPr>
-          <a:lstStyle/>
-          <a:p>
-            <a:pPr algn="ctr"/>
-            <a:r>
-              <a:rPr lang="de-DE" sz="2000" dirty="0" err="1" smtClean="0">
-                <a:latin typeface="Rockwell" panose="02060603020205020403" pitchFamily="18" charset="0"/>
-              </a:rPr>
-              <a:t>Pergudangan</a:t>
-            </a:r>
-            <a:endParaRPr lang="de-DE" sz="2000" dirty="0" smtClean="0">
-              <a:latin typeface="Rockwell" panose="02060603020205020403" pitchFamily="18" charset="0"/>
-            </a:endParaRPr>
-          </a:p>
-        </p:txBody>
-      </p:sp>
       <p:pic>
         <p:nvPicPr>
-          <p:cNvPr id="14" name="Grafik 13"/>
+          <p:cNvPr id="9" name="Grafik 8"/>
           <p:cNvPicPr>
             <a:picLocks noChangeAspect="1"/>
           </p:cNvPicPr>
@@ -4605,8 +5222,158 @@
         </p:blipFill>
         <p:spPr>
           <a:xfrm>
-            <a:off x="200869" y="1166501"/>
-            <a:ext cx="2949845" cy="792088"/>
+            <a:off x="368919" y="3501008"/>
+            <a:ext cx="5355209" cy="979124"/>
+          </a:xfrm>
+          <a:prstGeom prst="rect">
+            <a:avLst/>
+          </a:prstGeom>
+        </p:spPr>
+      </p:pic>
+      <p:pic>
+        <p:nvPicPr>
+          <p:cNvPr id="10" name="Grafik 9"/>
+          <p:cNvPicPr>
+            <a:picLocks noChangeAspect="1"/>
+          </p:cNvPicPr>
+          <p:nvPr/>
+        </p:nvPicPr>
+        <p:blipFill>
+          <a:blip r:embed="rId6">
+            <a:extLst>
+              <a:ext uri="{28A0092B-C50C-407E-A947-70E740481C1C}">
+                <a14:useLocalDpi xmlns:a14="http://schemas.microsoft.com/office/drawing/2010/main" val="0"/>
+              </a:ext>
+            </a:extLst>
+          </a:blip>
+          <a:stretch>
+            <a:fillRect/>
+          </a:stretch>
+        </p:blipFill>
+        <p:spPr>
+          <a:xfrm>
+            <a:off x="395536" y="2420228"/>
+            <a:ext cx="2903403" cy="889595"/>
+          </a:xfrm>
+          <a:prstGeom prst="rect">
+            <a:avLst/>
+          </a:prstGeom>
+        </p:spPr>
+      </p:pic>
+      <p:pic>
+        <p:nvPicPr>
+          <p:cNvPr id="11" name="Grafik 10"/>
+          <p:cNvPicPr>
+            <a:picLocks noChangeAspect="1"/>
+          </p:cNvPicPr>
+          <p:nvPr/>
+        </p:nvPicPr>
+        <p:blipFill>
+          <a:blip r:embed="rId7">
+            <a:extLst>
+              <a:ext uri="{28A0092B-C50C-407E-A947-70E740481C1C}">
+                <a14:useLocalDpi xmlns:a14="http://schemas.microsoft.com/office/drawing/2010/main" val="0"/>
+              </a:ext>
+            </a:extLst>
+          </a:blip>
+          <a:stretch>
+            <a:fillRect/>
+          </a:stretch>
+        </p:blipFill>
+        <p:spPr>
+          <a:xfrm>
+            <a:off x="323528" y="4809142"/>
+            <a:ext cx="1556336" cy="1644194"/>
+          </a:xfrm>
+          <a:prstGeom prst="rect">
+            <a:avLst/>
+          </a:prstGeom>
+        </p:spPr>
+      </p:pic>
+      <p:pic>
+        <p:nvPicPr>
+          <p:cNvPr id="12" name="Grafik 11"/>
+          <p:cNvPicPr>
+            <a:picLocks noChangeAspect="1"/>
+          </p:cNvPicPr>
+          <p:nvPr/>
+        </p:nvPicPr>
+        <p:blipFill>
+          <a:blip r:embed="rId8">
+            <a:extLst>
+              <a:ext uri="{28A0092B-C50C-407E-A947-70E740481C1C}">
+                <a14:useLocalDpi xmlns:a14="http://schemas.microsoft.com/office/drawing/2010/main" val="0"/>
+              </a:ext>
+            </a:extLst>
+          </a:blip>
+          <a:stretch>
+            <a:fillRect/>
+          </a:stretch>
+        </p:blipFill>
+        <p:spPr>
+          <a:xfrm>
+            <a:off x="4860032" y="2427804"/>
+            <a:ext cx="2952328" cy="1021959"/>
+          </a:xfrm>
+          <a:prstGeom prst="rect">
+            <a:avLst/>
+          </a:prstGeom>
+        </p:spPr>
+      </p:pic>
+      <p:pic>
+        <p:nvPicPr>
+          <p:cNvPr id="13" name="Grafik 12"/>
+          <p:cNvPicPr>
+            <a:picLocks noChangeAspect="1"/>
+          </p:cNvPicPr>
+          <p:nvPr/>
+        </p:nvPicPr>
+        <p:blipFill>
+          <a:blip r:embed="rId9" cstate="print">
+            <a:extLst>
+              <a:ext uri="{28A0092B-C50C-407E-A947-70E740481C1C}">
+                <a14:useLocalDpi xmlns:a14="http://schemas.microsoft.com/office/drawing/2010/main" val="0"/>
+              </a:ext>
+            </a:extLst>
+          </a:blip>
+          <a:stretch>
+            <a:fillRect/>
+          </a:stretch>
+        </p:blipFill>
+        <p:spPr>
+          <a:xfrm>
+            <a:off x="309789" y="1108556"/>
+            <a:ext cx="2606027" cy="1230624"/>
+          </a:xfrm>
+          <a:prstGeom prst="rect">
+            <a:avLst/>
+          </a:prstGeom>
+        </p:spPr>
+      </p:pic>
+      <p:pic>
+        <p:nvPicPr>
+          <p:cNvPr id="14" name="Grafik 13"/>
+          <p:cNvPicPr>
+            <a:picLocks noChangeAspect="1"/>
+          </p:cNvPicPr>
+          <p:nvPr/>
+        </p:nvPicPr>
+        <p:blipFill>
+          <a:blip r:embed="rId10" cstate="print">
+            <a:extLst>
+              <a:ext uri="{28A0092B-C50C-407E-A947-70E740481C1C}">
+                <a14:useLocalDpi xmlns:a14="http://schemas.microsoft.com/office/drawing/2010/main" val="0"/>
+              </a:ext>
+            </a:extLst>
+          </a:blip>
+          <a:stretch>
+            <a:fillRect/>
+          </a:stretch>
+        </p:blipFill>
+        <p:spPr>
+          <a:xfrm>
+            <a:off x="2143651" y="5085184"/>
+            <a:ext cx="3004413" cy="591777"/>
           </a:xfrm>
           <a:prstGeom prst="rect">
             <a:avLst/>
@@ -4616,7 +5383,7 @@
     </p:spTree>
     <p:extLst>
       <p:ext uri="{BB962C8B-B14F-4D97-AF65-F5344CB8AC3E}">
-        <p14:creationId xmlns:p14="http://schemas.microsoft.com/office/powerpoint/2010/main" val="837392035"/>
+        <p14:creationId xmlns:p14="http://schemas.microsoft.com/office/powerpoint/2010/main" val="594241018"/>
       </p:ext>
     </p:extLst>
   </p:cSld>
@@ -4658,8 +5425,8 @@
         </p:nvSpPr>
         <p:spPr>
           <a:xfrm>
-            <a:off x="899592" y="1116033"/>
-            <a:ext cx="7272808" cy="584775"/>
+            <a:off x="899592" y="1284752"/>
+            <a:ext cx="7272808" cy="461665"/>
           </a:xfrm>
           <a:prstGeom prst="rect">
             <a:avLst/>
@@ -4673,12 +5440,12 @@
           <a:p>
             <a:pPr algn="ctr"/>
             <a:r>
-              <a:rPr lang="de-DE" sz="3200" dirty="0" smtClean="0">
-                <a:latin typeface="Rockwell" panose="02060603020205020403" pitchFamily="18" charset="0"/>
-              </a:rPr>
-              <a:t>LOGISTIK</a:t>
-            </a:r>
-            <a:endParaRPr lang="de-DE" sz="3200" dirty="0">
+              <a:rPr lang="de-DE" sz="2400" dirty="0" smtClean="0">
+                <a:latin typeface="Rockwell" panose="02060603020205020403" pitchFamily="18" charset="0"/>
+              </a:rPr>
+              <a:t>LOGISTIK/SUPPLY CHAIN MGMT</a:t>
+            </a:r>
+            <a:endParaRPr lang="de-DE" sz="2400" dirty="0">
               <a:latin typeface="Rockwell" panose="02060603020205020403" pitchFamily="18" charset="0"/>
             </a:endParaRPr>
           </a:p>
@@ -4738,152 +5505,6 @@
         </p:nvSpPr>
         <p:spPr>
           <a:xfrm>
-            <a:off x="1459850" y="1893600"/>
-            <a:ext cx="6208494" cy="2831544"/>
-          </a:xfrm>
-          <a:prstGeom prst="rect">
-            <a:avLst/>
-          </a:prstGeom>
-          <a:noFill/>
-        </p:spPr>
-        <p:txBody>
-          <a:bodyPr wrap="square" rtlCol="0">
-            <a:spAutoFit/>
-          </a:bodyPr>
-          <a:lstStyle/>
-          <a:p>
-            <a:pPr marL="285750" indent="-285750">
-              <a:buFont typeface="Arial" panose="020B0604020202020204" pitchFamily="34" charset="0"/>
-              <a:buChar char="•"/>
-            </a:pPr>
-            <a:r>
-              <a:rPr lang="de-DE" sz="3200" dirty="0" smtClean="0">
-                <a:latin typeface="Rockwell" panose="02060603020205020403" pitchFamily="18" charset="0"/>
-              </a:rPr>
-              <a:t>Area </a:t>
-            </a:r>
-          </a:p>
-          <a:p>
-            <a:pPr marL="285750" indent="-285750">
-              <a:buFont typeface="Arial" panose="020B0604020202020204" pitchFamily="34" charset="0"/>
-              <a:buChar char="•"/>
-            </a:pPr>
-            <a:r>
-              <a:rPr lang="de-DE" sz="3200" dirty="0" err="1" smtClean="0">
-                <a:latin typeface="Rockwell" panose="02060603020205020403" pitchFamily="18" charset="0"/>
-              </a:rPr>
-              <a:t>Jumlah</a:t>
-            </a:r>
-            <a:r>
-              <a:rPr lang="de-DE" sz="3200" dirty="0" smtClean="0">
-                <a:latin typeface="Rockwell" panose="02060603020205020403" pitchFamily="18" charset="0"/>
-              </a:rPr>
-              <a:t> </a:t>
-            </a:r>
-            <a:r>
-              <a:rPr lang="de-DE" sz="3200" dirty="0" err="1" smtClean="0">
-                <a:latin typeface="Rockwell" panose="02060603020205020403" pitchFamily="18" charset="0"/>
-              </a:rPr>
-              <a:t>Penduduk</a:t>
-            </a:r>
-            <a:endParaRPr lang="de-DE" sz="3200" dirty="0" smtClean="0">
-              <a:latin typeface="Rockwell" panose="02060603020205020403" pitchFamily="18" charset="0"/>
-            </a:endParaRPr>
-          </a:p>
-          <a:p>
-            <a:pPr marL="285750" indent="-285750">
-              <a:buFont typeface="Arial" panose="020B0604020202020204" pitchFamily="34" charset="0"/>
-              <a:buChar char="•"/>
-            </a:pPr>
-            <a:r>
-              <a:rPr lang="de-DE" sz="3200" dirty="0" err="1" smtClean="0">
-                <a:latin typeface="Rockwell" panose="02060603020205020403" pitchFamily="18" charset="0"/>
-              </a:rPr>
-              <a:t>Lokasi</a:t>
-            </a:r>
-            <a:r>
-              <a:rPr lang="de-DE" sz="3200" dirty="0" smtClean="0">
-                <a:latin typeface="Rockwell" panose="02060603020205020403" pitchFamily="18" charset="0"/>
-              </a:rPr>
-              <a:t> </a:t>
-            </a:r>
-            <a:r>
-              <a:rPr lang="de-DE" sz="3200" dirty="0" err="1" smtClean="0">
-                <a:latin typeface="Rockwell" panose="02060603020205020403" pitchFamily="18" charset="0"/>
-              </a:rPr>
-              <a:t>Gudang</a:t>
-            </a:r>
-            <a:endParaRPr lang="de-DE" sz="3200" dirty="0" smtClean="0">
-              <a:latin typeface="Rockwell" panose="02060603020205020403" pitchFamily="18" charset="0"/>
-            </a:endParaRPr>
-          </a:p>
-          <a:p>
-            <a:pPr marL="285750" indent="-285750">
-              <a:buFont typeface="Arial" panose="020B0604020202020204" pitchFamily="34" charset="0"/>
-              <a:buChar char="•"/>
-            </a:pPr>
-            <a:r>
-              <a:rPr lang="de-DE" sz="3200" dirty="0" err="1" smtClean="0">
-                <a:latin typeface="Rockwell" panose="02060603020205020403" pitchFamily="18" charset="0"/>
-              </a:rPr>
-              <a:t>Jalur</a:t>
-            </a:r>
-            <a:r>
-              <a:rPr lang="de-DE" sz="3200" dirty="0" smtClean="0">
-                <a:latin typeface="Rockwell" panose="02060603020205020403" pitchFamily="18" charset="0"/>
-              </a:rPr>
-              <a:t> </a:t>
-            </a:r>
-            <a:r>
-              <a:rPr lang="de-DE" sz="3200" dirty="0" err="1" smtClean="0">
-                <a:latin typeface="Rockwell" panose="02060603020205020403" pitchFamily="18" charset="0"/>
-              </a:rPr>
-              <a:t>Transportasi</a:t>
-            </a:r>
-            <a:endParaRPr lang="de-DE" sz="3200" dirty="0" smtClean="0">
-              <a:latin typeface="Rockwell" panose="02060603020205020403" pitchFamily="18" charset="0"/>
-            </a:endParaRPr>
-          </a:p>
-          <a:p>
-            <a:pPr marL="285750" indent="-285750">
-              <a:buFont typeface="Arial" panose="020B0604020202020204" pitchFamily="34" charset="0"/>
-              <a:buChar char="•"/>
-            </a:pPr>
-            <a:r>
-              <a:rPr lang="de-DE" sz="3200" dirty="0" err="1" smtClean="0">
-                <a:latin typeface="Rockwell" panose="02060603020205020403" pitchFamily="18" charset="0"/>
-              </a:rPr>
-              <a:t>Harga</a:t>
-            </a:r>
-            <a:r>
-              <a:rPr lang="de-DE" sz="3200" dirty="0" smtClean="0">
-                <a:latin typeface="Rockwell" panose="02060603020205020403" pitchFamily="18" charset="0"/>
-              </a:rPr>
-              <a:t> </a:t>
-            </a:r>
-            <a:r>
-              <a:rPr lang="de-DE" sz="3200" dirty="0" err="1" smtClean="0">
-                <a:latin typeface="Rockwell" panose="02060603020205020403" pitchFamily="18" charset="0"/>
-              </a:rPr>
-              <a:t>Komoditas</a:t>
-            </a:r>
-            <a:endParaRPr lang="de-DE" dirty="0">
-              <a:latin typeface="Rockwell" panose="02060603020205020403" pitchFamily="18" charset="0"/>
-            </a:endParaRPr>
-          </a:p>
-          <a:p>
-            <a:endParaRPr lang="de-DE" dirty="0"/>
-          </a:p>
-        </p:txBody>
-      </p:sp>
-      <p:sp>
-        <p:nvSpPr>
-          <p:cNvPr id="7" name="Textfeld 6"/>
-          <p:cNvSpPr txBox="1"/>
-          <p:nvPr/>
-        </p:nvSpPr>
-        <p:spPr>
-          <a:xfrm>
             <a:off x="251520" y="231031"/>
             <a:ext cx="2520280" cy="461665"/>
           </a:xfrm>
@@ -4906,7 +5527,7 @@
                 <a:latin typeface="Rockwell" panose="02060603020205020403" pitchFamily="18" charset="0"/>
                 <a:ea typeface="Roboto Light" panose="02000000000000000000" pitchFamily="2" charset="0"/>
               </a:rPr>
-              <a:t>DATA</a:t>
+              <a:t>IDE</a:t>
             </a:r>
             <a:endParaRPr lang="de-DE" sz="2400" b="1" dirty="0">
               <a:solidFill>
@@ -4918,9 +5539,81 @@
           </a:p>
         </p:txBody>
       </p:sp>
+      <p:cxnSp>
+        <p:nvCxnSpPr>
+          <p:cNvPr id="8" name="Gerade Verbindung mit Pfeil 7"/>
+          <p:cNvCxnSpPr/>
+          <p:nvPr/>
+        </p:nvCxnSpPr>
+        <p:spPr>
+          <a:xfrm>
+            <a:off x="4883079" y="2004832"/>
+            <a:ext cx="1136432" cy="1259523"/>
+          </a:xfrm>
+          <a:prstGeom prst="straightConnector1">
+            <a:avLst/>
+          </a:prstGeom>
+          <a:ln>
+            <a:solidFill>
+              <a:schemeClr val="tx1"/>
+            </a:solidFill>
+            <a:tailEnd type="arrow"/>
+          </a:ln>
+        </p:spPr>
+        <p:style>
+          <a:lnRef idx="1">
+            <a:schemeClr val="accent1"/>
+          </a:lnRef>
+          <a:fillRef idx="0">
+            <a:schemeClr val="accent1"/>
+          </a:fillRef>
+          <a:effectRef idx="0">
+            <a:schemeClr val="accent1"/>
+          </a:effectRef>
+          <a:fontRef idx="minor">
+            <a:schemeClr val="tx1"/>
+          </a:fontRef>
+        </p:style>
+      </p:cxnSp>
+      <p:cxnSp>
+        <p:nvCxnSpPr>
+          <p:cNvPr id="10" name="Gerade Verbindung mit Pfeil 9"/>
+          <p:cNvCxnSpPr/>
+          <p:nvPr/>
+        </p:nvCxnSpPr>
+        <p:spPr>
+          <a:xfrm flipH="1">
+            <a:off x="3101753" y="2004832"/>
+            <a:ext cx="1008112" cy="1228164"/>
+          </a:xfrm>
+          <a:prstGeom prst="straightConnector1">
+            <a:avLst/>
+          </a:prstGeom>
+          <a:ln>
+            <a:solidFill>
+              <a:schemeClr val="tx1"/>
+            </a:solidFill>
+            <a:tailEnd type="arrow"/>
+          </a:ln>
+        </p:spPr>
+        <p:style>
+          <a:lnRef idx="1">
+            <a:schemeClr val="accent1"/>
+          </a:lnRef>
+          <a:fillRef idx="0">
+            <a:schemeClr val="accent1"/>
+          </a:fillRef>
+          <a:effectRef idx="0">
+            <a:schemeClr val="accent1"/>
+          </a:effectRef>
+          <a:fontRef idx="minor">
+            <a:schemeClr val="tx1"/>
+          </a:fontRef>
+        </p:style>
+      </p:cxnSp>
       <p:pic>
         <p:nvPicPr>
-          <p:cNvPr id="8" name="Grafik 7"/>
+          <p:cNvPr id="12" name="Grafik 11"/>
           <p:cNvPicPr>
             <a:picLocks noChangeAspect="1"/>
           </p:cNvPicPr>
@@ -4948,10 +5641,219 @@
           </a:prstGeom>
         </p:spPr>
       </p:pic>
+      <p:pic>
+        <p:nvPicPr>
+          <p:cNvPr id="9" name="Grafik 8"/>
+          <p:cNvPicPr>
+            <a:picLocks noChangeAspect="1"/>
+          </p:cNvPicPr>
+          <p:nvPr/>
+        </p:nvPicPr>
+        <p:blipFill>
+          <a:blip r:embed="rId3">
+            <a:extLst>
+              <a:ext uri="{28A0092B-C50C-407E-A947-70E740481C1C}">
+                <a14:useLocalDpi xmlns:a14="http://schemas.microsoft.com/office/drawing/2010/main" val="0"/>
+              </a:ext>
+            </a:extLst>
+          </a:blip>
+          <a:stretch>
+            <a:fillRect/>
+          </a:stretch>
+        </p:blipFill>
+        <p:spPr>
+          <a:xfrm>
+            <a:off x="5168889" y="2606392"/>
+            <a:ext cx="1701242" cy="1182648"/>
+          </a:xfrm>
+          <a:prstGeom prst="rect">
+            <a:avLst/>
+          </a:prstGeom>
+        </p:spPr>
+      </p:pic>
+      <p:sp>
+        <p:nvSpPr>
+          <p:cNvPr id="5" name="Rechteck 4"/>
+          <p:cNvSpPr/>
+          <p:nvPr/>
+        </p:nvSpPr>
+        <p:spPr>
+          <a:xfrm>
+            <a:off x="4523039" y="3301188"/>
+            <a:ext cx="3001289" cy="369332"/>
+          </a:xfrm>
+          <a:prstGeom prst="rect">
+            <a:avLst/>
+          </a:prstGeom>
+        </p:spPr>
+        <p:txBody>
+          <a:bodyPr wrap="square">
+            <a:spAutoFit/>
+          </a:bodyPr>
+          <a:lstStyle/>
+          <a:p>
+            <a:pPr algn="ctr"/>
+            <a:r>
+              <a:rPr lang="de-DE" dirty="0" err="1" smtClean="0">
+                <a:latin typeface="Rockwell" panose="02060603020205020403" pitchFamily="18" charset="0"/>
+              </a:rPr>
+              <a:t>Transportasi</a:t>
+            </a:r>
+            <a:endParaRPr lang="de-DE" dirty="0" smtClean="0">
+              <a:latin typeface="Rockwell" panose="02060603020205020403" pitchFamily="18" charset="0"/>
+            </a:endParaRPr>
+          </a:p>
+        </p:txBody>
+      </p:sp>
+      <p:pic>
+        <p:nvPicPr>
+          <p:cNvPr id="13" name="Grafik 12"/>
+          <p:cNvPicPr>
+            <a:picLocks noChangeAspect="1"/>
+          </p:cNvPicPr>
+          <p:nvPr/>
+        </p:nvPicPr>
+        <p:blipFill>
+          <a:blip r:embed="rId4">
+            <a:extLst>
+              <a:ext uri="{28A0092B-C50C-407E-A947-70E740481C1C}">
+                <a14:useLocalDpi xmlns:a14="http://schemas.microsoft.com/office/drawing/2010/main" val="0"/>
+              </a:ext>
+            </a:extLst>
+          </a:blip>
+          <a:stretch>
+            <a:fillRect/>
+          </a:stretch>
+        </p:blipFill>
+        <p:spPr>
+          <a:xfrm>
+            <a:off x="2716058" y="2220856"/>
+            <a:ext cx="1188736" cy="1111210"/>
+          </a:xfrm>
+          <a:prstGeom prst="rect">
+            <a:avLst/>
+          </a:prstGeom>
+        </p:spPr>
+      </p:pic>
+      <p:sp>
+        <p:nvSpPr>
+          <p:cNvPr id="4" name="Rechteck 3"/>
+          <p:cNvSpPr/>
+          <p:nvPr/>
+        </p:nvSpPr>
+        <p:spPr>
+          <a:xfrm>
+            <a:off x="1809782" y="3270410"/>
+            <a:ext cx="3001289" cy="400110"/>
+          </a:xfrm>
+          <a:prstGeom prst="rect">
+            <a:avLst/>
+          </a:prstGeom>
+        </p:spPr>
+        <p:txBody>
+          <a:bodyPr wrap="square">
+            <a:spAutoFit/>
+          </a:bodyPr>
+          <a:lstStyle/>
+          <a:p>
+            <a:pPr algn="ctr"/>
+            <a:r>
+              <a:rPr lang="de-DE" sz="2000" dirty="0" err="1" smtClean="0">
+                <a:latin typeface="Rockwell" panose="02060603020205020403" pitchFamily="18" charset="0"/>
+              </a:rPr>
+              <a:t>Pergudangan</a:t>
+            </a:r>
+            <a:endParaRPr lang="de-DE" sz="2000" dirty="0" smtClean="0">
+              <a:latin typeface="Rockwell" panose="02060603020205020403" pitchFamily="18" charset="0"/>
+            </a:endParaRPr>
+          </a:p>
+        </p:txBody>
+      </p:sp>
+      <p:sp>
+        <p:nvSpPr>
+          <p:cNvPr id="15" name="Rechteck 1"/>
+          <p:cNvSpPr/>
+          <p:nvPr/>
+        </p:nvSpPr>
+        <p:spPr>
+          <a:xfrm>
+            <a:off x="2195736" y="3861048"/>
+            <a:ext cx="5616624" cy="892552"/>
+          </a:xfrm>
+          <a:prstGeom prst="rect">
+            <a:avLst/>
+          </a:prstGeom>
+        </p:spPr>
+        <p:txBody>
+          <a:bodyPr wrap="square">
+            <a:spAutoFit/>
+          </a:bodyPr>
+          <a:lstStyle/>
+          <a:p>
+            <a:pPr marL="285750" indent="-285750">
+              <a:buFont typeface="Arial"/>
+              <a:buChar char="•"/>
+            </a:pPr>
+            <a:r>
+              <a:rPr lang="de-DE" dirty="0" smtClean="0">
+                <a:latin typeface="Rockwell" panose="02060603020205020403" pitchFamily="18" charset="0"/>
+              </a:rPr>
+              <a:t>Monit</a:t>
+            </a:r>
+            <a:r>
+              <a:rPr lang="de-DE" dirty="0" smtClean="0">
+                <a:latin typeface="Rockwell" panose="02060603020205020403" pitchFamily="18" charset="0"/>
+              </a:rPr>
+              <a:t>or </a:t>
+            </a:r>
+            <a:r>
+              <a:rPr lang="de-DE" dirty="0" err="1" smtClean="0">
+                <a:latin typeface="Rockwell" panose="02060603020205020403" pitchFamily="18" charset="0"/>
+              </a:rPr>
+              <a:t>inventory</a:t>
+            </a:r>
+            <a:endParaRPr lang="de-DE" dirty="0" smtClean="0">
+              <a:latin typeface="Rockwell" panose="02060603020205020403" pitchFamily="18" charset="0"/>
+            </a:endParaRPr>
+          </a:p>
+          <a:p>
+            <a:pPr marL="285750" indent="-285750">
+              <a:buFont typeface="Arial"/>
+              <a:buChar char="•"/>
+            </a:pPr>
+            <a:r>
+              <a:rPr lang="de-DE" dirty="0" err="1" smtClean="0">
+                <a:latin typeface="Rockwell" panose="02060603020205020403" pitchFamily="18" charset="0"/>
+              </a:rPr>
+              <a:t>Pergerakan</a:t>
+            </a:r>
+            <a:r>
+              <a:rPr lang="de-DE" dirty="0" smtClean="0">
+                <a:latin typeface="Rockwell" panose="02060603020205020403" pitchFamily="18" charset="0"/>
+              </a:rPr>
+              <a:t> </a:t>
+            </a:r>
+            <a:r>
+              <a:rPr lang="de-DE" dirty="0" err="1" smtClean="0">
+                <a:latin typeface="Rockwell" panose="02060603020205020403" pitchFamily="18" charset="0"/>
+              </a:rPr>
+              <a:t>kendaraan</a:t>
+            </a:r>
+            <a:endParaRPr lang="de-DE" dirty="0" smtClean="0">
+              <a:latin typeface="Rockwell" panose="02060603020205020403" pitchFamily="18" charset="0"/>
+            </a:endParaRPr>
+          </a:p>
+          <a:p>
+            <a:endParaRPr lang="de-DE" sz="1600" dirty="0">
+              <a:latin typeface="Rockwell" panose="02060603020205020403" pitchFamily="18" charset="0"/>
+            </a:endParaRPr>
+          </a:p>
+        </p:txBody>
+      </p:sp>
     </p:spTree>
     <p:extLst>
       <p:ext uri="{BB962C8B-B14F-4D97-AF65-F5344CB8AC3E}">
-        <p14:creationId xmlns:p14="http://schemas.microsoft.com/office/powerpoint/2010/main" val="1143380732"/>
+        <p14:creationId xmlns:p14="http://schemas.microsoft.com/office/powerpoint/2010/main" val="430511715"/>
       </p:ext>
     </p:extLst>
   </p:cSld>
@@ -4969,7 +5871,7 @@
 </file>
 
 <file path=ppt/slides/slide5.xml><?xml version="1.0" encoding="utf-8"?>
-<p:sld xmlns:a="http://schemas.openxmlformats.org/drawingml/2006/main" xmlns:r="http://schemas.openxmlformats.org/officeDocument/2006/relationships" xmlns:p="http://schemas.openxmlformats.org/presentationml/2006/main">
+<p:sld xmlns:a="http://schemas.openxmlformats.org/drawingml/2006/main" xmlns:r="http://schemas.openxmlformats.org/officeDocument/2006/relationships" xmlns:p="http://schemas.openxmlformats.org/presentationml/2006/main" show="0">
   <p:cSld>
     <p:spTree>
       <p:nvGrpSpPr>
@@ -4985,6 +5887,40 @@
           <a:chExt cx="0" cy="0"/>
         </a:xfrm>
       </p:grpSpPr>
+      <p:sp>
+        <p:nvSpPr>
+          <p:cNvPr id="2" name="Rechteck 1"/>
+          <p:cNvSpPr/>
+          <p:nvPr/>
+        </p:nvSpPr>
+        <p:spPr>
+          <a:xfrm>
+            <a:off x="899592" y="1284752"/>
+            <a:ext cx="7272808" cy="461665"/>
+          </a:xfrm>
+          <a:prstGeom prst="rect">
+            <a:avLst/>
+          </a:prstGeom>
+        </p:spPr>
+        <p:txBody>
+          <a:bodyPr wrap="square">
+            <a:spAutoFit/>
+          </a:bodyPr>
+          <a:lstStyle/>
+          <a:p>
+            <a:pPr algn="ctr"/>
+            <a:r>
+              <a:rPr lang="de-DE" sz="2400" dirty="0" smtClean="0">
+                <a:latin typeface="Rockwell" panose="02060603020205020403" pitchFamily="18" charset="0"/>
+              </a:rPr>
+              <a:t>LOGISTIK/SUPPLY CHAIN MGMT</a:t>
+            </a:r>
+            <a:endParaRPr lang="de-DE" sz="2400" dirty="0">
+              <a:latin typeface="Rockwell" panose="02060603020205020403" pitchFamily="18" charset="0"/>
+            </a:endParaRPr>
+          </a:p>
+        </p:txBody>
+      </p:sp>
       <p:sp>
         <p:nvSpPr>
           <p:cNvPr id="3" name="Rechteck 2"/>
@@ -5033,7 +5969,7 @@
       </p:sp>
       <p:sp>
         <p:nvSpPr>
-          <p:cNvPr id="7" name="Textfeld 6"/>
+          <p:cNvPr id="6" name="Textfeld 5"/>
           <p:cNvSpPr txBox="1"/>
           <p:nvPr/>
         </p:nvSpPr>
@@ -5061,7 +5997,7 @@
                 <a:latin typeface="Rockwell" panose="02060603020205020403" pitchFamily="18" charset="0"/>
                 <a:ea typeface="Roboto Light" panose="02000000000000000000" pitchFamily="2" charset="0"/>
               </a:rPr>
-              <a:t>REFERENSI</a:t>
+              <a:t>IDE</a:t>
             </a:r>
             <a:endParaRPr lang="de-DE" sz="2400" b="1" dirty="0">
               <a:solidFill>
@@ -5073,9 +6009,81 @@
           </a:p>
         </p:txBody>
       </p:sp>
+      <p:cxnSp>
+        <p:nvCxnSpPr>
+          <p:cNvPr id="8" name="Gerade Verbindung mit Pfeil 7"/>
+          <p:cNvCxnSpPr/>
+          <p:nvPr/>
+        </p:nvCxnSpPr>
+        <p:spPr>
+          <a:xfrm>
+            <a:off x="4883079" y="2004832"/>
+            <a:ext cx="1136432" cy="1259523"/>
+          </a:xfrm>
+          <a:prstGeom prst="straightConnector1">
+            <a:avLst/>
+          </a:prstGeom>
+          <a:ln>
+            <a:solidFill>
+              <a:schemeClr val="tx1"/>
+            </a:solidFill>
+            <a:tailEnd type="arrow"/>
+          </a:ln>
+        </p:spPr>
+        <p:style>
+          <a:lnRef idx="1">
+            <a:schemeClr val="accent1"/>
+          </a:lnRef>
+          <a:fillRef idx="0">
+            <a:schemeClr val="accent1"/>
+          </a:fillRef>
+          <a:effectRef idx="0">
+            <a:schemeClr val="accent1"/>
+          </a:effectRef>
+          <a:fontRef idx="minor">
+            <a:schemeClr val="tx1"/>
+          </a:fontRef>
+        </p:style>
+      </p:cxnSp>
+      <p:cxnSp>
+        <p:nvCxnSpPr>
+          <p:cNvPr id="10" name="Gerade Verbindung mit Pfeil 9"/>
+          <p:cNvCxnSpPr/>
+          <p:nvPr/>
+        </p:nvCxnSpPr>
+        <p:spPr>
+          <a:xfrm flipH="1">
+            <a:off x="3101753" y="2004832"/>
+            <a:ext cx="1008112" cy="1228164"/>
+          </a:xfrm>
+          <a:prstGeom prst="straightConnector1">
+            <a:avLst/>
+          </a:prstGeom>
+          <a:ln>
+            <a:solidFill>
+              <a:schemeClr val="tx1"/>
+            </a:solidFill>
+            <a:tailEnd type="arrow"/>
+          </a:ln>
+        </p:spPr>
+        <p:style>
+          <a:lnRef idx="1">
+            <a:schemeClr val="accent1"/>
+          </a:lnRef>
+          <a:fillRef idx="0">
+            <a:schemeClr val="accent1"/>
+          </a:fillRef>
+          <a:effectRef idx="0">
+            <a:schemeClr val="accent1"/>
+          </a:effectRef>
+          <a:fontRef idx="minor">
+            <a:schemeClr val="tx1"/>
+          </a:fontRef>
+        </p:style>
+      </p:cxnSp>
       <p:pic>
         <p:nvPicPr>
-          <p:cNvPr id="8" name="Grafik 7"/>
+          <p:cNvPr id="12" name="Grafik 11"/>
           <p:cNvPicPr>
             <a:picLocks noChangeAspect="1"/>
           </p:cNvPicPr>
@@ -5105,7 +6113,7 @@
       </p:pic>
       <p:pic>
         <p:nvPicPr>
-          <p:cNvPr id="4" name="Grafik 3"/>
+          <p:cNvPr id="9" name="Grafik 8"/>
           <p:cNvPicPr>
             <a:picLocks noChangeAspect="1"/>
           </p:cNvPicPr>
@@ -5125,17 +6133,51 @@
         </p:blipFill>
         <p:spPr>
           <a:xfrm>
-            <a:off x="6084169" y="3605019"/>
-            <a:ext cx="2016224" cy="832093"/>
+            <a:off x="5168889" y="2606392"/>
+            <a:ext cx="1701242" cy="1182648"/>
           </a:xfrm>
           <a:prstGeom prst="rect">
             <a:avLst/>
           </a:prstGeom>
         </p:spPr>
       </p:pic>
+      <p:sp>
+        <p:nvSpPr>
+          <p:cNvPr id="5" name="Rechteck 4"/>
+          <p:cNvSpPr/>
+          <p:nvPr/>
+        </p:nvSpPr>
+        <p:spPr>
+          <a:xfrm>
+            <a:off x="4523039" y="3301188"/>
+            <a:ext cx="3001289" cy="369332"/>
+          </a:xfrm>
+          <a:prstGeom prst="rect">
+            <a:avLst/>
+          </a:prstGeom>
+        </p:spPr>
+        <p:txBody>
+          <a:bodyPr wrap="square">
+            <a:spAutoFit/>
+          </a:bodyPr>
+          <a:lstStyle/>
+          <a:p>
+            <a:pPr algn="ctr"/>
+            <a:r>
+              <a:rPr lang="de-DE" dirty="0" err="1" smtClean="0">
+                <a:latin typeface="Rockwell" panose="02060603020205020403" pitchFamily="18" charset="0"/>
+              </a:rPr>
+              <a:t>Transportasi</a:t>
+            </a:r>
+            <a:endParaRPr lang="de-DE" dirty="0" smtClean="0">
+              <a:latin typeface="Rockwell" panose="02060603020205020403" pitchFamily="18" charset="0"/>
+            </a:endParaRPr>
+          </a:p>
+        </p:txBody>
+      </p:sp>
       <p:pic>
         <p:nvPicPr>
-          <p:cNvPr id="5" name="Grafik 4"/>
+          <p:cNvPr id="13" name="Grafik 12"/>
           <p:cNvPicPr>
             <a:picLocks noChangeAspect="1"/>
           </p:cNvPicPr>
@@ -5155,204 +6197,870 @@
         </p:blipFill>
         <p:spPr>
           <a:xfrm>
-            <a:off x="3635896" y="1196752"/>
-            <a:ext cx="4063235" cy="934793"/>
+            <a:off x="2716058" y="2220856"/>
+            <a:ext cx="1188736" cy="1111210"/>
           </a:xfrm>
           <a:prstGeom prst="rect">
             <a:avLst/>
           </a:prstGeom>
         </p:spPr>
       </p:pic>
-      <p:pic>
-        <p:nvPicPr>
-          <p:cNvPr id="9" name="Grafik 8"/>
-          <p:cNvPicPr>
-            <a:picLocks noChangeAspect="1"/>
-          </p:cNvPicPr>
-          <p:nvPr/>
-        </p:nvPicPr>
-        <p:blipFill>
-          <a:blip r:embed="rId5">
-            <a:extLst>
-              <a:ext uri="{28A0092B-C50C-407E-A947-70E740481C1C}">
-                <a14:useLocalDpi xmlns:a14="http://schemas.microsoft.com/office/drawing/2010/main" val="0"/>
-              </a:ext>
-            </a:extLst>
-          </a:blip>
-          <a:stretch>
-            <a:fillRect/>
-          </a:stretch>
-        </p:blipFill>
-        <p:spPr>
-          <a:xfrm>
-            <a:off x="368919" y="3501008"/>
-            <a:ext cx="5355209" cy="979124"/>
-          </a:xfrm>
-          <a:prstGeom prst="rect">
-            <a:avLst/>
-          </a:prstGeom>
-        </p:spPr>
-      </p:pic>
-      <p:pic>
-        <p:nvPicPr>
-          <p:cNvPr id="10" name="Grafik 9"/>
-          <p:cNvPicPr>
-            <a:picLocks noChangeAspect="1"/>
-          </p:cNvPicPr>
-          <p:nvPr/>
-        </p:nvPicPr>
-        <p:blipFill>
-          <a:blip r:embed="rId6">
-            <a:extLst>
-              <a:ext uri="{28A0092B-C50C-407E-A947-70E740481C1C}">
-                <a14:useLocalDpi xmlns:a14="http://schemas.microsoft.com/office/drawing/2010/main" val="0"/>
-              </a:ext>
-            </a:extLst>
-          </a:blip>
-          <a:stretch>
-            <a:fillRect/>
-          </a:stretch>
-        </p:blipFill>
-        <p:spPr>
-          <a:xfrm>
-            <a:off x="395536" y="2420228"/>
-            <a:ext cx="2903403" cy="889595"/>
-          </a:xfrm>
-          <a:prstGeom prst="rect">
-            <a:avLst/>
-          </a:prstGeom>
-        </p:spPr>
-      </p:pic>
-      <p:pic>
-        <p:nvPicPr>
-          <p:cNvPr id="11" name="Grafik 10"/>
-          <p:cNvPicPr>
-            <a:picLocks noChangeAspect="1"/>
-          </p:cNvPicPr>
-          <p:nvPr/>
-        </p:nvPicPr>
-        <p:blipFill>
-          <a:blip r:embed="rId7">
-            <a:extLst>
-              <a:ext uri="{28A0092B-C50C-407E-A947-70E740481C1C}">
-                <a14:useLocalDpi xmlns:a14="http://schemas.microsoft.com/office/drawing/2010/main" val="0"/>
-              </a:ext>
-            </a:extLst>
-          </a:blip>
-          <a:stretch>
-            <a:fillRect/>
-          </a:stretch>
-        </p:blipFill>
-        <p:spPr>
-          <a:xfrm>
-            <a:off x="323528" y="4809142"/>
-            <a:ext cx="1556336" cy="1644194"/>
-          </a:xfrm>
-          <a:prstGeom prst="rect">
-            <a:avLst/>
-          </a:prstGeom>
-        </p:spPr>
-      </p:pic>
-      <p:pic>
-        <p:nvPicPr>
-          <p:cNvPr id="12" name="Grafik 11"/>
-          <p:cNvPicPr>
-            <a:picLocks noChangeAspect="1"/>
-          </p:cNvPicPr>
-          <p:nvPr/>
-        </p:nvPicPr>
-        <p:blipFill>
-          <a:blip r:embed="rId8">
-            <a:extLst>
-              <a:ext uri="{28A0092B-C50C-407E-A947-70E740481C1C}">
-                <a14:useLocalDpi xmlns:a14="http://schemas.microsoft.com/office/drawing/2010/main" val="0"/>
-              </a:ext>
-            </a:extLst>
-          </a:blip>
-          <a:stretch>
-            <a:fillRect/>
-          </a:stretch>
-        </p:blipFill>
-        <p:spPr>
-          <a:xfrm>
-            <a:off x="4860032" y="2427804"/>
-            <a:ext cx="2952328" cy="1021959"/>
-          </a:xfrm>
-          <a:prstGeom prst="rect">
-            <a:avLst/>
-          </a:prstGeom>
-        </p:spPr>
-      </p:pic>
-      <p:pic>
-        <p:nvPicPr>
-          <p:cNvPr id="13" name="Grafik 12"/>
-          <p:cNvPicPr>
-            <a:picLocks noChangeAspect="1"/>
-          </p:cNvPicPr>
-          <p:nvPr/>
-        </p:nvPicPr>
-        <p:blipFill>
-          <a:blip r:embed="rId9" cstate="print">
-            <a:extLst>
-              <a:ext uri="{28A0092B-C50C-407E-A947-70E740481C1C}">
-                <a14:useLocalDpi xmlns:a14="http://schemas.microsoft.com/office/drawing/2010/main" val="0"/>
-              </a:ext>
-            </a:extLst>
-          </a:blip>
-          <a:stretch>
-            <a:fillRect/>
-          </a:stretch>
-        </p:blipFill>
-        <p:spPr>
-          <a:xfrm>
-            <a:off x="309789" y="1108556"/>
-            <a:ext cx="2606027" cy="1230624"/>
-          </a:xfrm>
-          <a:prstGeom prst="rect">
-            <a:avLst/>
-          </a:prstGeom>
-        </p:spPr>
-      </p:pic>
-      <p:pic>
-        <p:nvPicPr>
-          <p:cNvPr id="14" name="Grafik 13"/>
-          <p:cNvPicPr>
-            <a:picLocks noChangeAspect="1"/>
-          </p:cNvPicPr>
-          <p:nvPr/>
-        </p:nvPicPr>
-        <p:blipFill>
-          <a:blip r:embed="rId10" cstate="print">
-            <a:extLst>
-              <a:ext uri="{28A0092B-C50C-407E-A947-70E740481C1C}">
-                <a14:useLocalDpi xmlns:a14="http://schemas.microsoft.com/office/drawing/2010/main" val="0"/>
-              </a:ext>
-            </a:extLst>
-          </a:blip>
-          <a:stretch>
-            <a:fillRect/>
-          </a:stretch>
-        </p:blipFill>
-        <p:spPr>
-          <a:xfrm>
-            <a:off x="2143651" y="5085184"/>
-            <a:ext cx="3004413" cy="591777"/>
-          </a:xfrm>
-          <a:prstGeom prst="rect">
-            <a:avLst/>
-          </a:prstGeom>
-        </p:spPr>
-      </p:pic>
+      <p:sp>
+        <p:nvSpPr>
+          <p:cNvPr id="4" name="Rechteck 3"/>
+          <p:cNvSpPr/>
+          <p:nvPr/>
+        </p:nvSpPr>
+        <p:spPr>
+          <a:xfrm>
+            <a:off x="1809782" y="3270410"/>
+            <a:ext cx="3001289" cy="400110"/>
+          </a:xfrm>
+          <a:prstGeom prst="rect">
+            <a:avLst/>
+          </a:prstGeom>
+        </p:spPr>
+        <p:txBody>
+          <a:bodyPr wrap="square">
+            <a:spAutoFit/>
+          </a:bodyPr>
+          <a:lstStyle/>
+          <a:p>
+            <a:pPr algn="ctr"/>
+            <a:r>
+              <a:rPr lang="de-DE" sz="2000" dirty="0" err="1" smtClean="0">
+                <a:latin typeface="Rockwell" panose="02060603020205020403" pitchFamily="18" charset="0"/>
+              </a:rPr>
+              <a:t>Pergudangan</a:t>
+            </a:r>
+            <a:endParaRPr lang="de-DE" sz="2000" dirty="0" smtClean="0">
+              <a:latin typeface="Rockwell" panose="02060603020205020403" pitchFamily="18" charset="0"/>
+            </a:endParaRPr>
+          </a:p>
+        </p:txBody>
+      </p:sp>
+      <p:sp>
+        <p:nvSpPr>
+          <p:cNvPr id="15" name="Rechteck 1"/>
+          <p:cNvSpPr/>
+          <p:nvPr/>
+        </p:nvSpPr>
+        <p:spPr>
+          <a:xfrm>
+            <a:off x="827584" y="3789040"/>
+            <a:ext cx="7704856" cy="2062103"/>
+          </a:xfrm>
+          <a:prstGeom prst="rect">
+            <a:avLst/>
+          </a:prstGeom>
+        </p:spPr>
+        <p:txBody>
+          <a:bodyPr wrap="square">
+            <a:spAutoFit/>
+          </a:bodyPr>
+          <a:lstStyle/>
+          <a:p>
+            <a:r>
+              <a:rPr lang="de-DE" sz="1600" dirty="0" err="1">
+                <a:latin typeface="Rockwell" panose="02060603020205020403" pitchFamily="18" charset="0"/>
+              </a:rPr>
+              <a:t>Setelah</a:t>
+            </a:r>
+            <a:r>
+              <a:rPr lang="de-DE" sz="1600" dirty="0">
+                <a:latin typeface="Rockwell" panose="02060603020205020403" pitchFamily="18" charset="0"/>
+              </a:rPr>
+              <a:t> </a:t>
+            </a:r>
+            <a:r>
+              <a:rPr lang="de-DE" sz="1600" dirty="0" err="1">
+                <a:latin typeface="Rockwell" panose="02060603020205020403" pitchFamily="18" charset="0"/>
+              </a:rPr>
+              <a:t>mendapat</a:t>
+            </a:r>
+            <a:r>
+              <a:rPr lang="de-DE" sz="1600" dirty="0">
+                <a:latin typeface="Rockwell" panose="02060603020205020403" pitchFamily="18" charset="0"/>
+              </a:rPr>
+              <a:t> </a:t>
+            </a:r>
+            <a:r>
+              <a:rPr lang="de-DE" sz="1600" dirty="0" err="1">
+                <a:latin typeface="Rockwell" panose="02060603020205020403" pitchFamily="18" charset="0"/>
+              </a:rPr>
+              <a:t>tambahan</a:t>
+            </a:r>
+            <a:r>
+              <a:rPr lang="de-DE" sz="1600" dirty="0">
+                <a:latin typeface="Rockwell" panose="02060603020205020403" pitchFamily="18" charset="0"/>
+              </a:rPr>
+              <a:t> </a:t>
+            </a:r>
+            <a:r>
+              <a:rPr lang="de-DE" sz="1600" dirty="0" err="1">
+                <a:latin typeface="Rockwell" panose="02060603020205020403" pitchFamily="18" charset="0"/>
+              </a:rPr>
+              <a:t>informasi</a:t>
+            </a:r>
+            <a:r>
+              <a:rPr lang="de-DE" sz="1600" dirty="0">
+                <a:latin typeface="Rockwell" panose="02060603020205020403" pitchFamily="18" charset="0"/>
+              </a:rPr>
+              <a:t> </a:t>
+            </a:r>
+            <a:r>
+              <a:rPr lang="de-DE" sz="1600" dirty="0" err="1">
+                <a:latin typeface="Rockwell" panose="02060603020205020403" pitchFamily="18" charset="0"/>
+              </a:rPr>
+              <a:t>pagi</a:t>
+            </a:r>
+            <a:r>
+              <a:rPr lang="de-DE" sz="1600" dirty="0">
+                <a:latin typeface="Rockwell" panose="02060603020205020403" pitchFamily="18" charset="0"/>
+              </a:rPr>
+              <a:t> </a:t>
+            </a:r>
+            <a:r>
+              <a:rPr lang="de-DE" sz="1600" dirty="0" err="1">
+                <a:latin typeface="Rockwell" panose="02060603020205020403" pitchFamily="18" charset="0"/>
+              </a:rPr>
+              <a:t>dan</a:t>
+            </a:r>
+            <a:r>
+              <a:rPr lang="de-DE" sz="1600" dirty="0">
+                <a:latin typeface="Rockwell" panose="02060603020205020403" pitchFamily="18" charset="0"/>
+              </a:rPr>
+              <a:t> </a:t>
+            </a:r>
+            <a:r>
+              <a:rPr lang="de-DE" sz="1600" dirty="0" err="1">
+                <a:latin typeface="Rockwell" panose="02060603020205020403" pitchFamily="18" charset="0"/>
+              </a:rPr>
+              <a:t>siang</a:t>
+            </a:r>
+            <a:r>
+              <a:rPr lang="de-DE" sz="1600" dirty="0">
+                <a:latin typeface="Rockwell" panose="02060603020205020403" pitchFamily="18" charset="0"/>
+              </a:rPr>
+              <a:t> </a:t>
+            </a:r>
+            <a:r>
+              <a:rPr lang="de-DE" sz="1600" dirty="0" err="1">
+                <a:latin typeface="Rockwell" panose="02060603020205020403" pitchFamily="18" charset="0"/>
+              </a:rPr>
+              <a:t>ini</a:t>
+            </a:r>
+            <a:r>
+              <a:rPr lang="de-DE" sz="1600" dirty="0">
+                <a:latin typeface="Rockwell" panose="02060603020205020403" pitchFamily="18" charset="0"/>
+              </a:rPr>
+              <a:t> </a:t>
+            </a:r>
+            <a:r>
+              <a:rPr lang="de-DE" sz="1600" dirty="0" err="1">
+                <a:latin typeface="Rockwell" panose="02060603020205020403" pitchFamily="18" charset="0"/>
+              </a:rPr>
+              <a:t>kami</a:t>
+            </a:r>
+            <a:r>
+              <a:rPr lang="de-DE" sz="1600" dirty="0">
+                <a:latin typeface="Rockwell" panose="02060603020205020403" pitchFamily="18" charset="0"/>
+              </a:rPr>
+              <a:t> </a:t>
+            </a:r>
+            <a:r>
+              <a:rPr lang="de-DE" sz="1600" dirty="0" err="1">
+                <a:latin typeface="Rockwell" panose="02060603020205020403" pitchFamily="18" charset="0"/>
+              </a:rPr>
+              <a:t>semakin</a:t>
+            </a:r>
+            <a:r>
+              <a:rPr lang="de-DE" sz="1600" dirty="0">
+                <a:latin typeface="Rockwell" panose="02060603020205020403" pitchFamily="18" charset="0"/>
+              </a:rPr>
+              <a:t> </a:t>
+            </a:r>
+            <a:r>
+              <a:rPr lang="de-DE" sz="1600" dirty="0" err="1">
+                <a:latin typeface="Rockwell" panose="02060603020205020403" pitchFamily="18" charset="0"/>
+              </a:rPr>
+              <a:t>yakin</a:t>
+            </a:r>
+            <a:r>
+              <a:rPr lang="de-DE" sz="1600" dirty="0">
+                <a:latin typeface="Rockwell" panose="02060603020205020403" pitchFamily="18" charset="0"/>
+              </a:rPr>
+              <a:t> </a:t>
+            </a:r>
+            <a:r>
+              <a:rPr lang="de-DE" sz="1600" dirty="0" err="1">
+                <a:latin typeface="Rockwell" panose="02060603020205020403" pitchFamily="18" charset="0"/>
+              </a:rPr>
+              <a:t>untuk</a:t>
+            </a:r>
+            <a:r>
+              <a:rPr lang="de-DE" sz="1600" dirty="0">
+                <a:latin typeface="Rockwell" panose="02060603020205020403" pitchFamily="18" charset="0"/>
+              </a:rPr>
+              <a:t> </a:t>
+            </a:r>
+            <a:r>
+              <a:rPr lang="de-DE" sz="1600" dirty="0" err="1">
+                <a:latin typeface="Rockwell" panose="02060603020205020403" pitchFamily="18" charset="0"/>
+              </a:rPr>
+              <a:t>mendefinisikan</a:t>
+            </a:r>
+            <a:r>
+              <a:rPr lang="de-DE" sz="1600" dirty="0">
+                <a:latin typeface="Rockwell" panose="02060603020205020403" pitchFamily="18" charset="0"/>
+              </a:rPr>
+              <a:t> </a:t>
+            </a:r>
+            <a:r>
+              <a:rPr lang="de-DE" sz="1600" dirty="0" err="1">
+                <a:latin typeface="Rockwell" panose="02060603020205020403" pitchFamily="18" charset="0"/>
+              </a:rPr>
+              <a:t>ulang</a:t>
+            </a:r>
+            <a:r>
+              <a:rPr lang="de-DE" sz="1600" dirty="0">
+                <a:latin typeface="Rockwell" panose="02060603020205020403" pitchFamily="18" charset="0"/>
+              </a:rPr>
+              <a:t> </a:t>
+            </a:r>
+            <a:r>
+              <a:rPr lang="de-DE" sz="1600" dirty="0" err="1">
+                <a:latin typeface="Rockwell" panose="02060603020205020403" pitchFamily="18" charset="0"/>
+              </a:rPr>
+              <a:t>proses</a:t>
+            </a:r>
+            <a:r>
+              <a:rPr lang="de-DE" sz="1600" dirty="0">
+                <a:latin typeface="Rockwell" panose="02060603020205020403" pitchFamily="18" charset="0"/>
+              </a:rPr>
+              <a:t> </a:t>
+            </a:r>
+            <a:r>
+              <a:rPr lang="de-DE" sz="1600" dirty="0" err="1">
+                <a:latin typeface="Rockwell" panose="02060603020205020403" pitchFamily="18" charset="0"/>
+              </a:rPr>
+              <a:t>bisnis</a:t>
+            </a:r>
+            <a:r>
+              <a:rPr lang="de-DE" sz="1600" dirty="0">
+                <a:latin typeface="Rockwell" panose="02060603020205020403" pitchFamily="18" charset="0"/>
+              </a:rPr>
+              <a:t> </a:t>
+            </a:r>
+            <a:r>
+              <a:rPr lang="de-DE" sz="1600" dirty="0" err="1">
+                <a:latin typeface="Rockwell" panose="02060603020205020403" pitchFamily="18" charset="0"/>
+              </a:rPr>
+              <a:t>manajemen</a:t>
+            </a:r>
+            <a:r>
+              <a:rPr lang="de-DE" sz="1600" dirty="0">
+                <a:latin typeface="Rockwell" panose="02060603020205020403" pitchFamily="18" charset="0"/>
+              </a:rPr>
+              <a:t> </a:t>
+            </a:r>
+            <a:r>
+              <a:rPr lang="de-DE" sz="1600" dirty="0" err="1">
+                <a:latin typeface="Rockwell" panose="02060603020205020403" pitchFamily="18" charset="0"/>
+              </a:rPr>
+              <a:t>supply-chain</a:t>
+            </a:r>
+            <a:r>
+              <a:rPr lang="de-DE" sz="1600" dirty="0">
+                <a:latin typeface="Rockwell" panose="02060603020205020403" pitchFamily="18" charset="0"/>
+              </a:rPr>
+              <a:t> </a:t>
+            </a:r>
+            <a:r>
+              <a:rPr lang="de-DE" sz="1600" dirty="0" err="1">
+                <a:latin typeface="Rockwell" panose="02060603020205020403" pitchFamily="18" charset="0"/>
+              </a:rPr>
+              <a:t>nasional</a:t>
+            </a:r>
+            <a:r>
+              <a:rPr lang="de-DE" sz="1600" dirty="0">
+                <a:latin typeface="Rockwell" panose="02060603020205020403" pitchFamily="18" charset="0"/>
+              </a:rPr>
+              <a:t> </a:t>
+            </a:r>
+            <a:r>
+              <a:rPr lang="de-DE" sz="1600" dirty="0" err="1">
+                <a:latin typeface="Rockwell" panose="02060603020205020403" pitchFamily="18" charset="0"/>
+              </a:rPr>
+              <a:t>dimana</a:t>
+            </a:r>
+            <a:r>
+              <a:rPr lang="de-DE" sz="1600" dirty="0">
+                <a:latin typeface="Rockwell" panose="02060603020205020403" pitchFamily="18" charset="0"/>
+              </a:rPr>
+              <a:t> </a:t>
+            </a:r>
+            <a:r>
+              <a:rPr lang="de-DE" sz="1600" dirty="0" err="1">
+                <a:latin typeface="Rockwell" panose="02060603020205020403" pitchFamily="18" charset="0"/>
+              </a:rPr>
+              <a:t>sistem</a:t>
+            </a:r>
+            <a:r>
+              <a:rPr lang="de-DE" sz="1600" dirty="0">
+                <a:latin typeface="Rockwell" panose="02060603020205020403" pitchFamily="18" charset="0"/>
+              </a:rPr>
+              <a:t> </a:t>
+            </a:r>
+            <a:r>
+              <a:rPr lang="de-DE" sz="1600" dirty="0" err="1">
+                <a:latin typeface="Rockwell" panose="02060603020205020403" pitchFamily="18" charset="0"/>
+              </a:rPr>
+              <a:t>yang</a:t>
+            </a:r>
+            <a:r>
+              <a:rPr lang="de-DE" sz="1600" dirty="0">
+                <a:latin typeface="Rockwell" panose="02060603020205020403" pitchFamily="18" charset="0"/>
+              </a:rPr>
+              <a:t> </a:t>
+            </a:r>
+            <a:r>
+              <a:rPr lang="de-DE" sz="1600" dirty="0" err="1">
+                <a:latin typeface="Rockwell" panose="02060603020205020403" pitchFamily="18" charset="0"/>
+              </a:rPr>
+              <a:t>dihasilkan</a:t>
+            </a:r>
+            <a:r>
+              <a:rPr lang="de-DE" sz="1600" dirty="0">
+                <a:latin typeface="Rockwell" panose="02060603020205020403" pitchFamily="18" charset="0"/>
+              </a:rPr>
+              <a:t> </a:t>
+            </a:r>
+            <a:r>
+              <a:rPr lang="de-DE" sz="1600" dirty="0" err="1">
+                <a:latin typeface="Rockwell" panose="02060603020205020403" pitchFamily="18" charset="0"/>
+              </a:rPr>
+              <a:t>akan</a:t>
+            </a:r>
+            <a:r>
+              <a:rPr lang="de-DE" sz="1600" dirty="0">
+                <a:latin typeface="Rockwell" panose="02060603020205020403" pitchFamily="18" charset="0"/>
+              </a:rPr>
+              <a:t> </a:t>
+            </a:r>
+            <a:r>
+              <a:rPr lang="de-DE" sz="1600" dirty="0" err="1">
+                <a:latin typeface="Rockwell" panose="02060603020205020403" pitchFamily="18" charset="0"/>
+              </a:rPr>
+              <a:t>membantu</a:t>
+            </a:r>
+            <a:r>
+              <a:rPr lang="de-DE" sz="1600" dirty="0">
+                <a:latin typeface="Rockwell" panose="02060603020205020403" pitchFamily="18" charset="0"/>
+              </a:rPr>
+              <a:t> </a:t>
+            </a:r>
+            <a:r>
+              <a:rPr lang="de-DE" sz="1600" dirty="0" err="1">
+                <a:latin typeface="Rockwell" panose="02060603020205020403" pitchFamily="18" charset="0"/>
+              </a:rPr>
+              <a:t>memonitor</a:t>
+            </a:r>
+            <a:r>
+              <a:rPr lang="de-DE" sz="1600" dirty="0">
+                <a:latin typeface="Rockwell" panose="02060603020205020403" pitchFamily="18" charset="0"/>
+              </a:rPr>
+              <a:t> stock </a:t>
+            </a:r>
+            <a:r>
+              <a:rPr lang="de-DE" sz="1600" dirty="0" err="1">
+                <a:latin typeface="Rockwell" panose="02060603020205020403" pitchFamily="18" charset="0"/>
+              </a:rPr>
+              <a:t>inventory</a:t>
+            </a:r>
+            <a:r>
+              <a:rPr lang="de-DE" sz="1600" dirty="0">
+                <a:latin typeface="Rockwell" panose="02060603020205020403" pitchFamily="18" charset="0"/>
+              </a:rPr>
+              <a:t> </a:t>
+            </a:r>
+            <a:r>
+              <a:rPr lang="de-DE" sz="1600" dirty="0" err="1">
+                <a:latin typeface="Rockwell" panose="02060603020205020403" pitchFamily="18" charset="0"/>
+              </a:rPr>
+              <a:t>pada</a:t>
+            </a:r>
+            <a:r>
+              <a:rPr lang="de-DE" sz="1600" dirty="0">
+                <a:latin typeface="Rockwell" panose="02060603020205020403" pitchFamily="18" charset="0"/>
+              </a:rPr>
+              <a:t> </a:t>
+            </a:r>
+            <a:r>
+              <a:rPr lang="de-DE" sz="1600" dirty="0" err="1">
+                <a:latin typeface="Rockwell" panose="02060603020205020403" pitchFamily="18" charset="0"/>
+              </a:rPr>
+              <a:t>tiap</a:t>
+            </a:r>
+            <a:r>
+              <a:rPr lang="de-DE" sz="1600" dirty="0">
+                <a:latin typeface="Rockwell" panose="02060603020205020403" pitchFamily="18" charset="0"/>
+              </a:rPr>
+              <a:t> </a:t>
+            </a:r>
+            <a:r>
+              <a:rPr lang="de-DE" sz="1600" dirty="0" err="1">
+                <a:latin typeface="Rockwell" panose="02060603020205020403" pitchFamily="18" charset="0"/>
+              </a:rPr>
+              <a:t>titik</a:t>
+            </a:r>
+            <a:r>
+              <a:rPr lang="de-DE" sz="1600" dirty="0">
+                <a:latin typeface="Rockwell" panose="02060603020205020403" pitchFamily="18" charset="0"/>
+              </a:rPr>
+              <a:t> </a:t>
+            </a:r>
+            <a:r>
+              <a:rPr lang="de-DE" sz="1600" dirty="0" err="1">
+                <a:latin typeface="Rockwell" panose="02060603020205020403" pitchFamily="18" charset="0"/>
+              </a:rPr>
+              <a:t>distribusi</a:t>
+            </a:r>
+            <a:r>
+              <a:rPr lang="de-DE" sz="1600" dirty="0">
+                <a:latin typeface="Rockwell" panose="02060603020205020403" pitchFamily="18" charset="0"/>
+              </a:rPr>
+              <a:t> </a:t>
+            </a:r>
+            <a:r>
+              <a:rPr lang="de-DE" sz="1600" dirty="0" err="1">
+                <a:latin typeface="Rockwell" panose="02060603020205020403" pitchFamily="18" charset="0"/>
+              </a:rPr>
+              <a:t>dan</a:t>
+            </a:r>
+            <a:r>
+              <a:rPr lang="de-DE" sz="1600" dirty="0">
+                <a:latin typeface="Rockwell" panose="02060603020205020403" pitchFamily="18" charset="0"/>
+              </a:rPr>
+              <a:t> </a:t>
+            </a:r>
+            <a:r>
+              <a:rPr lang="de-DE" sz="1600" dirty="0" err="1">
+                <a:latin typeface="Rockwell" panose="02060603020205020403" pitchFamily="18" charset="0"/>
+              </a:rPr>
+              <a:t>mengatur</a:t>
+            </a:r>
+            <a:r>
+              <a:rPr lang="de-DE" sz="1600" dirty="0">
+                <a:latin typeface="Rockwell" panose="02060603020205020403" pitchFamily="18" charset="0"/>
+              </a:rPr>
+              <a:t> </a:t>
+            </a:r>
+            <a:r>
+              <a:rPr lang="de-DE" sz="1600" dirty="0" err="1">
+                <a:latin typeface="Rockwell" panose="02060603020205020403" pitchFamily="18" charset="0"/>
+              </a:rPr>
+              <a:t>manajemen</a:t>
+            </a:r>
+            <a:r>
+              <a:rPr lang="de-DE" sz="1600" dirty="0">
+                <a:latin typeface="Rockwell" panose="02060603020205020403" pitchFamily="18" charset="0"/>
+              </a:rPr>
+              <a:t> </a:t>
+            </a:r>
+            <a:r>
+              <a:rPr lang="de-DE" sz="1600" dirty="0" err="1">
+                <a:latin typeface="Rockwell" panose="02060603020205020403" pitchFamily="18" charset="0"/>
+              </a:rPr>
+              <a:t>transportasi</a:t>
+            </a:r>
+            <a:r>
+              <a:rPr lang="de-DE" sz="1600" dirty="0">
+                <a:latin typeface="Rockwell" panose="02060603020205020403" pitchFamily="18" charset="0"/>
+              </a:rPr>
+              <a:t> </a:t>
+            </a:r>
+            <a:r>
+              <a:rPr lang="de-DE" sz="1600" dirty="0" err="1">
+                <a:latin typeface="Rockwell" panose="02060603020205020403" pitchFamily="18" charset="0"/>
+              </a:rPr>
+              <a:t>yang</a:t>
+            </a:r>
+            <a:r>
+              <a:rPr lang="de-DE" sz="1600" dirty="0">
+                <a:latin typeface="Rockwell" panose="02060603020205020403" pitchFamily="18" charset="0"/>
+              </a:rPr>
+              <a:t> </a:t>
+            </a:r>
+            <a:r>
+              <a:rPr lang="de-DE" sz="1600" dirty="0" err="1">
+                <a:latin typeface="Rockwell" panose="02060603020205020403" pitchFamily="18" charset="0"/>
+              </a:rPr>
+              <a:t>menghubungkan</a:t>
+            </a:r>
+            <a:r>
+              <a:rPr lang="de-DE" sz="1600" dirty="0">
+                <a:latin typeface="Rockwell" panose="02060603020205020403" pitchFamily="18" charset="0"/>
+              </a:rPr>
+              <a:t> </a:t>
+            </a:r>
+            <a:r>
+              <a:rPr lang="de-DE" sz="1600" dirty="0" err="1">
+                <a:latin typeface="Rockwell" panose="02060603020205020403" pitchFamily="18" charset="0"/>
+              </a:rPr>
+              <a:t>tiap</a:t>
+            </a:r>
+            <a:r>
+              <a:rPr lang="de-DE" sz="1600" dirty="0">
+                <a:latin typeface="Rockwell" panose="02060603020205020403" pitchFamily="18" charset="0"/>
+              </a:rPr>
+              <a:t> </a:t>
+            </a:r>
+            <a:r>
+              <a:rPr lang="de-DE" sz="1600" dirty="0" err="1">
+                <a:latin typeface="Rockwell" panose="02060603020205020403" pitchFamily="18" charset="0"/>
+              </a:rPr>
+              <a:t>titik</a:t>
+            </a:r>
+            <a:r>
+              <a:rPr lang="de-DE" sz="1600" dirty="0">
+                <a:latin typeface="Rockwell" panose="02060603020205020403" pitchFamily="18" charset="0"/>
+              </a:rPr>
+              <a:t> </a:t>
+            </a:r>
+            <a:r>
+              <a:rPr lang="de-DE" sz="1600" dirty="0" err="1">
+                <a:latin typeface="Rockwell" panose="02060603020205020403" pitchFamily="18" charset="0"/>
+              </a:rPr>
+              <a:t>distribusi</a:t>
+            </a:r>
+            <a:r>
+              <a:rPr lang="de-DE" sz="1600" dirty="0">
+                <a:latin typeface="Rockwell" panose="02060603020205020403" pitchFamily="18" charset="0"/>
+              </a:rPr>
+              <a:t> &amp; </a:t>
+            </a:r>
+            <a:r>
+              <a:rPr lang="de-DE" sz="1600" dirty="0" err="1">
+                <a:latin typeface="Rockwell" panose="02060603020205020403" pitchFamily="18" charset="0"/>
+              </a:rPr>
+              <a:t>bagaimana</a:t>
+            </a:r>
+            <a:r>
+              <a:rPr lang="de-DE" sz="1600" dirty="0">
+                <a:latin typeface="Rockwell" panose="02060603020205020403" pitchFamily="18" charset="0"/>
+              </a:rPr>
+              <a:t> </a:t>
+            </a:r>
+            <a:r>
+              <a:rPr lang="de-DE" sz="1600" dirty="0" err="1">
+                <a:latin typeface="Rockwell" panose="02060603020205020403" pitchFamily="18" charset="0"/>
+              </a:rPr>
+              <a:t>dampaknya</a:t>
+            </a:r>
+            <a:r>
+              <a:rPr lang="de-DE" sz="1600" dirty="0">
+                <a:latin typeface="Rockwell" panose="02060603020205020403" pitchFamily="18" charset="0"/>
+              </a:rPr>
+              <a:t> </a:t>
+            </a:r>
+            <a:r>
+              <a:rPr lang="de-DE" sz="1600" dirty="0" err="1">
+                <a:latin typeface="Rockwell" panose="02060603020205020403" pitchFamily="18" charset="0"/>
+              </a:rPr>
+              <a:t>terhadap</a:t>
+            </a:r>
+            <a:r>
+              <a:rPr lang="de-DE" sz="1600" dirty="0">
+                <a:latin typeface="Rockwell" panose="02060603020205020403" pitchFamily="18" charset="0"/>
+              </a:rPr>
+              <a:t> </a:t>
+            </a:r>
+            <a:r>
+              <a:rPr lang="de-DE" sz="1600" dirty="0" err="1">
+                <a:latin typeface="Rockwell" panose="02060603020205020403" pitchFamily="18" charset="0"/>
+              </a:rPr>
+              <a:t>fluktuasi</a:t>
+            </a:r>
+            <a:r>
+              <a:rPr lang="de-DE" sz="1600" dirty="0">
+                <a:latin typeface="Rockwell" panose="02060603020205020403" pitchFamily="18" charset="0"/>
+              </a:rPr>
+              <a:t> </a:t>
+            </a:r>
+            <a:r>
+              <a:rPr lang="de-DE" sz="1600" dirty="0" err="1">
+                <a:latin typeface="Rockwell" panose="02060603020205020403" pitchFamily="18" charset="0"/>
+              </a:rPr>
+              <a:t>harga</a:t>
+            </a:r>
+            <a:r>
+              <a:rPr lang="de-DE" sz="1600" dirty="0">
+                <a:latin typeface="Rockwell" panose="02060603020205020403" pitchFamily="18" charset="0"/>
+              </a:rPr>
+              <a:t> </a:t>
+            </a:r>
+            <a:r>
+              <a:rPr lang="de-DE" sz="1600" dirty="0" err="1">
+                <a:latin typeface="Rockwell" panose="02060603020205020403" pitchFamily="18" charset="0"/>
+              </a:rPr>
+              <a:t>komoditas</a:t>
+            </a:r>
+            <a:r>
+              <a:rPr lang="de-DE" sz="1600" dirty="0">
+                <a:latin typeface="Rockwell" panose="02060603020205020403" pitchFamily="18" charset="0"/>
+              </a:rPr>
+              <a:t> </a:t>
+            </a:r>
+            <a:r>
+              <a:rPr lang="de-DE" sz="1600" dirty="0" err="1">
+                <a:latin typeface="Rockwell" panose="02060603020205020403" pitchFamily="18" charset="0"/>
+              </a:rPr>
+              <a:t>utama</a:t>
+            </a:r>
+            <a:r>
+              <a:rPr lang="de-DE" sz="1600" dirty="0">
+                <a:latin typeface="Rockwell" panose="02060603020205020403" pitchFamily="18" charset="0"/>
+              </a:rPr>
+              <a:t> </a:t>
+            </a:r>
+            <a:r>
+              <a:rPr lang="de-DE" sz="1600" dirty="0" err="1">
+                <a:latin typeface="Rockwell" panose="02060603020205020403" pitchFamily="18" charset="0"/>
+              </a:rPr>
+              <a:t>nasional</a:t>
+            </a:r>
+            <a:r>
+              <a:rPr lang="de-DE" sz="1600" dirty="0">
+                <a:latin typeface="Rockwell" panose="02060603020205020403" pitchFamily="18" charset="0"/>
+              </a:rPr>
+              <a:t>. </a:t>
+            </a:r>
+            <a:r>
+              <a:rPr lang="de-DE" sz="1600" dirty="0" err="1">
+                <a:latin typeface="Rockwell" panose="02060603020205020403" pitchFamily="18" charset="0"/>
+              </a:rPr>
+              <a:t>Bbrp</a:t>
+            </a:r>
+            <a:r>
+              <a:rPr lang="de-DE" sz="1600" dirty="0">
+                <a:latin typeface="Rockwell" panose="02060603020205020403" pitchFamily="18" charset="0"/>
+              </a:rPr>
+              <a:t> </a:t>
+            </a:r>
+            <a:r>
+              <a:rPr lang="de-DE" sz="1600" dirty="0" err="1">
+                <a:latin typeface="Rockwell" panose="02060603020205020403" pitchFamily="18" charset="0"/>
+              </a:rPr>
+              <a:t>dimensi</a:t>
+            </a:r>
+            <a:r>
+              <a:rPr lang="de-DE" sz="1600" dirty="0">
+                <a:latin typeface="Rockwell" panose="02060603020205020403" pitchFamily="18" charset="0"/>
+              </a:rPr>
+              <a:t> </a:t>
+            </a:r>
+            <a:r>
+              <a:rPr lang="de-DE" sz="1600" dirty="0" err="1">
+                <a:latin typeface="Rockwell" panose="02060603020205020403" pitchFamily="18" charset="0"/>
+              </a:rPr>
+              <a:t>pengukuran</a:t>
+            </a:r>
+            <a:r>
+              <a:rPr lang="de-DE" sz="1600" dirty="0">
+                <a:latin typeface="Rockwell" panose="02060603020205020403" pitchFamily="18" charset="0"/>
+              </a:rPr>
+              <a:t> </a:t>
+            </a:r>
+            <a:r>
+              <a:rPr lang="de-DE" sz="1600" dirty="0" err="1">
+                <a:latin typeface="Rockwell" panose="02060603020205020403" pitchFamily="18" charset="0"/>
+              </a:rPr>
+              <a:t>tambahan</a:t>
+            </a:r>
+            <a:r>
+              <a:rPr lang="de-DE" sz="1600" dirty="0">
+                <a:latin typeface="Rockwell" panose="02060603020205020403" pitchFamily="18" charset="0"/>
+              </a:rPr>
+              <a:t> </a:t>
+            </a:r>
+            <a:r>
+              <a:rPr lang="de-DE" sz="1600" dirty="0" err="1">
+                <a:latin typeface="Rockwell" panose="02060603020205020403" pitchFamily="18" charset="0"/>
+              </a:rPr>
+              <a:t>seperti</a:t>
+            </a:r>
+            <a:r>
+              <a:rPr lang="de-DE" sz="1600" dirty="0">
+                <a:latin typeface="Rockwell" panose="02060603020205020403" pitchFamily="18" charset="0"/>
+              </a:rPr>
+              <a:t> sub-</a:t>
+            </a:r>
+            <a:r>
+              <a:rPr lang="de-DE" sz="1600" dirty="0" err="1">
+                <a:latin typeface="Rockwell" panose="02060603020205020403" pitchFamily="18" charset="0"/>
+              </a:rPr>
+              <a:t>kategori</a:t>
+            </a:r>
+            <a:r>
+              <a:rPr lang="de-DE" sz="1600" dirty="0">
+                <a:latin typeface="Rockwell" panose="02060603020205020403" pitchFamily="18" charset="0"/>
+              </a:rPr>
+              <a:t>, </a:t>
+            </a:r>
+            <a:r>
+              <a:rPr lang="de-DE" sz="1600" dirty="0" err="1">
+                <a:latin typeface="Rockwell" panose="02060603020205020403" pitchFamily="18" charset="0"/>
+              </a:rPr>
+              <a:t>harga</a:t>
+            </a:r>
+            <a:r>
+              <a:rPr lang="de-DE" sz="1600" dirty="0">
+                <a:latin typeface="Rockwell" panose="02060603020205020403" pitchFamily="18" charset="0"/>
+              </a:rPr>
+              <a:t>, </a:t>
+            </a:r>
+            <a:r>
+              <a:rPr lang="de-DE" sz="1600" dirty="0" err="1">
+                <a:latin typeface="Rockwell" panose="02060603020205020403" pitchFamily="18" charset="0"/>
+              </a:rPr>
+              <a:t>dan</a:t>
+            </a:r>
+            <a:r>
+              <a:rPr lang="de-DE" sz="1600" dirty="0">
+                <a:latin typeface="Rockwell" panose="02060603020205020403" pitchFamily="18" charset="0"/>
+              </a:rPr>
+              <a:t> </a:t>
+            </a:r>
+            <a:r>
+              <a:rPr lang="de-DE" sz="1600" dirty="0" err="1">
+                <a:latin typeface="Rockwell" panose="02060603020205020403" pitchFamily="18" charset="0"/>
+              </a:rPr>
+              <a:t>waktu</a:t>
+            </a:r>
+            <a:r>
+              <a:rPr lang="de-DE" sz="1600" dirty="0">
+                <a:latin typeface="Rockwell" panose="02060603020205020403" pitchFamily="18" charset="0"/>
+              </a:rPr>
+              <a:t> </a:t>
+            </a:r>
+            <a:r>
+              <a:rPr lang="de-DE" sz="1600" dirty="0" err="1">
+                <a:latin typeface="Rockwell" panose="02060603020205020403" pitchFamily="18" charset="0"/>
+              </a:rPr>
+              <a:t>pakai</a:t>
+            </a:r>
+            <a:r>
+              <a:rPr lang="de-DE" sz="1600" dirty="0">
+                <a:latin typeface="Rockwell" panose="02060603020205020403" pitchFamily="18" charset="0"/>
+              </a:rPr>
+              <a:t> (</a:t>
+            </a:r>
+            <a:r>
+              <a:rPr lang="de-DE" sz="1600" dirty="0" err="1">
+                <a:latin typeface="Rockwell" panose="02060603020205020403" pitchFamily="18" charset="0"/>
+              </a:rPr>
+              <a:t>expiry</a:t>
+            </a:r>
+            <a:r>
+              <a:rPr lang="de-DE" sz="1600" dirty="0">
+                <a:latin typeface="Rockwell" panose="02060603020205020403" pitchFamily="18" charset="0"/>
+              </a:rPr>
+              <a:t>) </a:t>
+            </a:r>
+            <a:r>
+              <a:rPr lang="de-DE" sz="1600" dirty="0" err="1">
+                <a:latin typeface="Rockwell" panose="02060603020205020403" pitchFamily="18" charset="0"/>
+              </a:rPr>
+              <a:t>akan</a:t>
+            </a:r>
+            <a:r>
+              <a:rPr lang="de-DE" sz="1600" dirty="0">
+                <a:latin typeface="Rockwell" panose="02060603020205020403" pitchFamily="18" charset="0"/>
+              </a:rPr>
+              <a:t> </a:t>
+            </a:r>
+            <a:r>
+              <a:rPr lang="de-DE" sz="1600" dirty="0" err="1">
+                <a:latin typeface="Rockwell" panose="02060603020205020403" pitchFamily="18" charset="0"/>
+              </a:rPr>
+              <a:t>menambah</a:t>
+            </a:r>
+            <a:r>
+              <a:rPr lang="de-DE" sz="1600" dirty="0">
+                <a:latin typeface="Rockwell" panose="02060603020205020403" pitchFamily="18" charset="0"/>
+              </a:rPr>
+              <a:t> </a:t>
+            </a:r>
+            <a:r>
+              <a:rPr lang="de-DE" sz="1600" dirty="0" err="1">
+                <a:latin typeface="Rockwell" panose="02060603020205020403" pitchFamily="18" charset="0"/>
+              </a:rPr>
+              <a:t>akurasi</a:t>
+            </a:r>
+            <a:r>
+              <a:rPr lang="de-DE" sz="1600" dirty="0">
+                <a:latin typeface="Rockwell" panose="02060603020205020403" pitchFamily="18" charset="0"/>
+              </a:rPr>
+              <a:t> </a:t>
+            </a:r>
+            <a:r>
+              <a:rPr lang="de-DE" sz="1600" dirty="0" err="1">
+                <a:latin typeface="Rockwell" panose="02060603020205020403" pitchFamily="18" charset="0"/>
+              </a:rPr>
+              <a:t>informasi</a:t>
+            </a:r>
+            <a:r>
+              <a:rPr lang="de-DE" sz="1600" dirty="0">
+                <a:latin typeface="Rockwell" panose="02060603020205020403" pitchFamily="18" charset="0"/>
+              </a:rPr>
+              <a:t> </a:t>
+            </a:r>
+            <a:r>
+              <a:rPr lang="de-DE" sz="1600" dirty="0" err="1">
+                <a:latin typeface="Rockwell" panose="02060603020205020403" pitchFamily="18" charset="0"/>
+              </a:rPr>
+              <a:t>yang</a:t>
+            </a:r>
+            <a:r>
+              <a:rPr lang="de-DE" sz="1600" dirty="0">
+                <a:latin typeface="Rockwell" panose="02060603020205020403" pitchFamily="18" charset="0"/>
+              </a:rPr>
+              <a:t> </a:t>
+            </a:r>
+            <a:r>
+              <a:rPr lang="de-DE" sz="1600" dirty="0" err="1">
+                <a:latin typeface="Rockwell" panose="02060603020205020403" pitchFamily="18" charset="0"/>
+              </a:rPr>
+              <a:t>ditampilkan</a:t>
+            </a:r>
+            <a:r>
+              <a:rPr lang="de-DE" sz="1600" dirty="0">
+                <a:latin typeface="Rockwell" panose="02060603020205020403" pitchFamily="18" charset="0"/>
+              </a:rPr>
+              <a:t>.</a:t>
+            </a:r>
+          </a:p>
+        </p:txBody>
+      </p:sp>
     </p:spTree>
     <p:extLst>
       <p:ext uri="{BB962C8B-B14F-4D97-AF65-F5344CB8AC3E}">
-        <p14:creationId xmlns:p14="http://schemas.microsoft.com/office/powerpoint/2010/main" val="594241018"/>
+        <p14:creationId xmlns:p14="http://schemas.microsoft.com/office/powerpoint/2010/main" val="288298625"/>
       </p:ext>
     </p:extLst>
   </p:cSld>
   <p:clrMapOvr>
     <a:masterClrMapping/>
   </p:clrMapOvr>
+  <mc:AlternateContent xmlns:mc="http://schemas.openxmlformats.org/markup-compatibility/2006">
+    <mc:Choice xmlns:p14="http://schemas.microsoft.com/office/powerpoint/2010/main" Requires="p14">
+      <p:transition spd="slow" p14:dur="2000"/>
+    </mc:Choice>
+    <mc:Fallback>
+      <p:transition xmlns:p14="http://schemas.microsoft.com/office/powerpoint/2010/main" spd="slow"/>
+    </mc:Fallback>
+  </mc:AlternateContent>
   <p:timing>
     <p:tnLst>
       <p:par>
@@ -5382,6 +7090,40 @@
       </p:grpSpPr>
       <p:sp>
         <p:nvSpPr>
+          <p:cNvPr id="2" name="Rechteck 1"/>
+          <p:cNvSpPr/>
+          <p:nvPr/>
+        </p:nvSpPr>
+        <p:spPr>
+          <a:xfrm>
+            <a:off x="899592" y="1116033"/>
+            <a:ext cx="7272808" cy="584775"/>
+          </a:xfrm>
+          <a:prstGeom prst="rect">
+            <a:avLst/>
+          </a:prstGeom>
+        </p:spPr>
+        <p:txBody>
+          <a:bodyPr wrap="square">
+            <a:spAutoFit/>
+          </a:bodyPr>
+          <a:lstStyle/>
+          <a:p>
+            <a:pPr algn="ctr"/>
+            <a:r>
+              <a:rPr lang="de-DE" sz="3200" dirty="0" smtClean="0">
+                <a:latin typeface="Rockwell" panose="02060603020205020403" pitchFamily="18" charset="0"/>
+              </a:rPr>
+              <a:t>LOGISTIK</a:t>
+            </a:r>
+            <a:endParaRPr lang="de-DE" sz="3200" dirty="0">
+              <a:latin typeface="Rockwell" panose="02060603020205020403" pitchFamily="18" charset="0"/>
+            </a:endParaRPr>
+          </a:p>
+        </p:txBody>
+      </p:sp>
+      <p:sp>
+        <p:nvSpPr>
           <p:cNvPr id="3" name="Rechteck 2"/>
           <p:cNvSpPr/>
           <p:nvPr/>
@@ -5426,16 +7168,204 @@
           </a:p>
         </p:txBody>
       </p:sp>
+      <p:sp>
+        <p:nvSpPr>
+          <p:cNvPr id="6" name="Textfeld 5"/>
+          <p:cNvSpPr txBox="1"/>
+          <p:nvPr/>
+        </p:nvSpPr>
+        <p:spPr>
+          <a:xfrm>
+            <a:off x="1459850" y="1893600"/>
+            <a:ext cx="6208494" cy="2831544"/>
+          </a:xfrm>
+          <a:prstGeom prst="rect">
+            <a:avLst/>
+          </a:prstGeom>
+          <a:noFill/>
+        </p:spPr>
+        <p:txBody>
+          <a:bodyPr wrap="square" rtlCol="0">
+            <a:spAutoFit/>
+          </a:bodyPr>
+          <a:lstStyle/>
+          <a:p>
+            <a:pPr marL="285750" indent="-285750">
+              <a:buFont typeface="Arial" panose="020B0604020202020204" pitchFamily="34" charset="0"/>
+              <a:buChar char="•"/>
+            </a:pPr>
+            <a:r>
+              <a:rPr lang="de-DE" sz="3200" dirty="0" smtClean="0">
+                <a:latin typeface="Rockwell" panose="02060603020205020403" pitchFamily="18" charset="0"/>
+              </a:rPr>
+              <a:t>Area </a:t>
+            </a:r>
+          </a:p>
+          <a:p>
+            <a:pPr marL="285750" indent="-285750">
+              <a:buFont typeface="Arial" panose="020B0604020202020204" pitchFamily="34" charset="0"/>
+              <a:buChar char="•"/>
+            </a:pPr>
+            <a:r>
+              <a:rPr lang="de-DE" sz="3200" dirty="0" err="1" smtClean="0">
+                <a:latin typeface="Rockwell" panose="02060603020205020403" pitchFamily="18" charset="0"/>
+              </a:rPr>
+              <a:t>Jumlah</a:t>
+            </a:r>
+            <a:r>
+              <a:rPr lang="de-DE" sz="3200" dirty="0" smtClean="0">
+                <a:latin typeface="Rockwell" panose="02060603020205020403" pitchFamily="18" charset="0"/>
+              </a:rPr>
+              <a:t> </a:t>
+            </a:r>
+            <a:r>
+              <a:rPr lang="de-DE" sz="3200" dirty="0" err="1" smtClean="0">
+                <a:latin typeface="Rockwell" panose="02060603020205020403" pitchFamily="18" charset="0"/>
+              </a:rPr>
+              <a:t>Penduduk</a:t>
+            </a:r>
+            <a:endParaRPr lang="de-DE" sz="3200" dirty="0" smtClean="0">
+              <a:latin typeface="Rockwell" panose="02060603020205020403" pitchFamily="18" charset="0"/>
+            </a:endParaRPr>
+          </a:p>
+          <a:p>
+            <a:pPr marL="285750" indent="-285750">
+              <a:buFont typeface="Arial" panose="020B0604020202020204" pitchFamily="34" charset="0"/>
+              <a:buChar char="•"/>
+            </a:pPr>
+            <a:r>
+              <a:rPr lang="de-DE" sz="3200" dirty="0" err="1" smtClean="0">
+                <a:latin typeface="Rockwell" panose="02060603020205020403" pitchFamily="18" charset="0"/>
+              </a:rPr>
+              <a:t>Lokasi</a:t>
+            </a:r>
+            <a:r>
+              <a:rPr lang="de-DE" sz="3200" dirty="0" smtClean="0">
+                <a:latin typeface="Rockwell" panose="02060603020205020403" pitchFamily="18" charset="0"/>
+              </a:rPr>
+              <a:t> </a:t>
+            </a:r>
+            <a:r>
+              <a:rPr lang="de-DE" sz="3200" dirty="0" err="1" smtClean="0">
+                <a:latin typeface="Rockwell" panose="02060603020205020403" pitchFamily="18" charset="0"/>
+              </a:rPr>
+              <a:t>Gudang</a:t>
+            </a:r>
+            <a:endParaRPr lang="de-DE" sz="3200" dirty="0" smtClean="0">
+              <a:latin typeface="Rockwell" panose="02060603020205020403" pitchFamily="18" charset="0"/>
+            </a:endParaRPr>
+          </a:p>
+          <a:p>
+            <a:pPr marL="285750" indent="-285750">
+              <a:buFont typeface="Arial" panose="020B0604020202020204" pitchFamily="34" charset="0"/>
+              <a:buChar char="•"/>
+            </a:pPr>
+            <a:r>
+              <a:rPr lang="de-DE" sz="3200" dirty="0" err="1" smtClean="0">
+                <a:latin typeface="Rockwell" panose="02060603020205020403" pitchFamily="18" charset="0"/>
+              </a:rPr>
+              <a:t>Jalur</a:t>
+            </a:r>
+            <a:r>
+              <a:rPr lang="de-DE" sz="3200" dirty="0" smtClean="0">
+                <a:latin typeface="Rockwell" panose="02060603020205020403" pitchFamily="18" charset="0"/>
+              </a:rPr>
+              <a:t> </a:t>
+            </a:r>
+            <a:r>
+              <a:rPr lang="de-DE" sz="3200" dirty="0" err="1" smtClean="0">
+                <a:latin typeface="Rockwell" panose="02060603020205020403" pitchFamily="18" charset="0"/>
+              </a:rPr>
+              <a:t>Transportasi</a:t>
+            </a:r>
+            <a:endParaRPr lang="de-DE" sz="3200" dirty="0" smtClean="0">
+              <a:latin typeface="Rockwell" panose="02060603020205020403" pitchFamily="18" charset="0"/>
+            </a:endParaRPr>
+          </a:p>
+          <a:p>
+            <a:pPr marL="285750" indent="-285750">
+              <a:buFont typeface="Arial" panose="020B0604020202020204" pitchFamily="34" charset="0"/>
+              <a:buChar char="•"/>
+            </a:pPr>
+            <a:r>
+              <a:rPr lang="de-DE" sz="3200" dirty="0" err="1" smtClean="0">
+                <a:latin typeface="Rockwell" panose="02060603020205020403" pitchFamily="18" charset="0"/>
+              </a:rPr>
+              <a:t>Harga</a:t>
+            </a:r>
+            <a:r>
+              <a:rPr lang="de-DE" sz="3200" dirty="0" smtClean="0">
+                <a:latin typeface="Rockwell" panose="02060603020205020403" pitchFamily="18" charset="0"/>
+              </a:rPr>
+              <a:t> </a:t>
+            </a:r>
+            <a:r>
+              <a:rPr lang="de-DE" sz="3200" dirty="0" err="1" smtClean="0">
+                <a:latin typeface="Rockwell" panose="02060603020205020403" pitchFamily="18" charset="0"/>
+              </a:rPr>
+              <a:t>Komoditas</a:t>
+            </a:r>
+            <a:endParaRPr lang="de-DE" dirty="0">
+              <a:latin typeface="Rockwell" panose="02060603020205020403" pitchFamily="18" charset="0"/>
+            </a:endParaRPr>
+          </a:p>
+          <a:p>
+            <a:endParaRPr lang="de-DE" dirty="0"/>
+          </a:p>
+        </p:txBody>
+      </p:sp>
+      <p:sp>
+        <p:nvSpPr>
+          <p:cNvPr id="7" name="Textfeld 6"/>
+          <p:cNvSpPr txBox="1"/>
+          <p:nvPr/>
+        </p:nvSpPr>
+        <p:spPr>
+          <a:xfrm>
+            <a:off x="251520" y="231031"/>
+            <a:ext cx="2520280" cy="461665"/>
+          </a:xfrm>
+          <a:prstGeom prst="rect">
+            <a:avLst/>
+          </a:prstGeom>
+          <a:noFill/>
+        </p:spPr>
+        <p:txBody>
+          <a:bodyPr wrap="square" rtlCol="0">
+            <a:spAutoFit/>
+          </a:bodyPr>
+          <a:lstStyle/>
+          <a:p>
+            <a:r>
+              <a:rPr lang="de-DE" sz="2400" b="1" dirty="0" smtClean="0">
+                <a:solidFill>
+                  <a:schemeClr val="bg1"/>
+                </a:solidFill>
+                <a:latin typeface="Rockwell" panose="02060603020205020403" pitchFamily="18" charset="0"/>
+                <a:ea typeface="Roboto Light" panose="02000000000000000000" pitchFamily="2" charset="0"/>
+              </a:rPr>
+              <a:t>DATA</a:t>
+            </a:r>
+            <a:endParaRPr lang="de-DE" sz="2400" b="1" dirty="0">
+              <a:solidFill>
+                <a:schemeClr val="bg1"/>
+              </a:solidFill>
+              <a:latin typeface="Rockwell" panose="02060603020205020403" pitchFamily="18" charset="0"/>
+              <a:ea typeface="Roboto Light" panose="02000000000000000000" pitchFamily="2" charset="0"/>
+            </a:endParaRPr>
+          </a:p>
+        </p:txBody>
+      </p:sp>
       <p:pic>
         <p:nvPicPr>
-          <p:cNvPr id="5" name="Grafik 4"/>
+          <p:cNvPr id="8" name="Grafik 7"/>
           <p:cNvPicPr>
             <a:picLocks noChangeAspect="1"/>
           </p:cNvPicPr>
           <p:nvPr/>
         </p:nvPicPr>
         <p:blipFill>
-          <a:blip r:embed="rId2" cstate="print">
+          <a:blip r:embed="rId2">
             <a:extLst>
               <a:ext uri="{28A0092B-C50C-407E-A947-70E740481C1C}">
                 <a14:useLocalDpi xmlns:a14="http://schemas.microsoft.com/office/drawing/2010/main" val="0"/>
@@ -5448,110 +7378,8 @@
         </p:blipFill>
         <p:spPr>
           <a:xfrm>
-            <a:off x="282564" y="1206208"/>
-            <a:ext cx="4001404" cy="2942872"/>
-          </a:xfrm>
-          <a:prstGeom prst="rect">
-            <a:avLst/>
-          </a:prstGeom>
-        </p:spPr>
-      </p:pic>
-      <p:sp>
-        <p:nvSpPr>
-          <p:cNvPr id="7" name="Textfeld 6"/>
-          <p:cNvSpPr txBox="1"/>
-          <p:nvPr/>
-        </p:nvSpPr>
-        <p:spPr>
-          <a:xfrm>
-            <a:off x="251520" y="231031"/>
-            <a:ext cx="4320480" cy="461665"/>
-          </a:xfrm>
-          <a:prstGeom prst="rect">
-            <a:avLst/>
-          </a:prstGeom>
-          <a:noFill/>
-        </p:spPr>
-        <p:txBody>
-          <a:bodyPr wrap="square" rtlCol="0">
-            <a:spAutoFit/>
-          </a:bodyPr>
-          <a:lstStyle/>
-          <a:p>
-            <a:r>
-              <a:rPr lang="de-DE" sz="2400" b="1" dirty="0" smtClean="0">
-                <a:solidFill>
-                  <a:schemeClr val="bg1"/>
-                </a:solidFill>
-                <a:latin typeface="Rockwell" panose="02060603020205020403" pitchFamily="18" charset="0"/>
-                <a:ea typeface="Roboto Light" panose="02000000000000000000" pitchFamily="2" charset="0"/>
-              </a:rPr>
-              <a:t>APA YANG KITA PUNYA</a:t>
-            </a:r>
-            <a:endParaRPr lang="de-DE" sz="2400" b="1" dirty="0">
-              <a:solidFill>
-                <a:schemeClr val="bg1"/>
-              </a:solidFill>
-              <a:latin typeface="Rockwell" panose="02060603020205020403" pitchFamily="18" charset="0"/>
-              <a:ea typeface="Roboto Light" panose="02000000000000000000" pitchFamily="2" charset="0"/>
-            </a:endParaRPr>
-          </a:p>
-        </p:txBody>
-      </p:sp>
-      <p:pic>
-        <p:nvPicPr>
-          <p:cNvPr id="8" name="Grafik 7"/>
-          <p:cNvPicPr>
-            <a:picLocks noChangeAspect="1"/>
-          </p:cNvPicPr>
-          <p:nvPr/>
-        </p:nvPicPr>
-        <p:blipFill>
-          <a:blip r:embed="rId3">
-            <a:extLst>
-              <a:ext uri="{28A0092B-C50C-407E-A947-70E740481C1C}">
-                <a14:useLocalDpi xmlns:a14="http://schemas.microsoft.com/office/drawing/2010/main" val="0"/>
-              </a:ext>
-            </a:extLst>
-          </a:blip>
-          <a:stretch>
-            <a:fillRect/>
-          </a:stretch>
-        </p:blipFill>
-        <p:spPr>
-          <a:xfrm>
             <a:off x="6433774" y="6237312"/>
             <a:ext cx="2530714" cy="474509"/>
-          </a:xfrm>
-          <a:prstGeom prst="rect">
-            <a:avLst/>
-          </a:prstGeom>
-        </p:spPr>
-      </p:pic>
-      <p:pic>
-        <p:nvPicPr>
-          <p:cNvPr id="6" name="Grafik 5"/>
-          <p:cNvPicPr>
-            <a:picLocks noChangeAspect="1"/>
-          </p:cNvPicPr>
-          <p:nvPr/>
-        </p:nvPicPr>
-        <p:blipFill>
-          <a:blip r:embed="rId4" cstate="print">
-            <a:extLst>
-              <a:ext uri="{28A0092B-C50C-407E-A947-70E740481C1C}">
-                <a14:useLocalDpi xmlns:a14="http://schemas.microsoft.com/office/drawing/2010/main" val="0"/>
-              </a:ext>
-            </a:extLst>
-          </a:blip>
-          <a:stretch>
-            <a:fillRect/>
-          </a:stretch>
-        </p:blipFill>
-        <p:spPr>
-          <a:xfrm>
-            <a:off x="4139952" y="3374994"/>
-            <a:ext cx="4608512" cy="2880319"/>
           </a:xfrm>
           <a:prstGeom prst="rect">
             <a:avLst/>
@@ -5561,7 +7389,7 @@
     </p:spTree>
     <p:extLst>
       <p:ext uri="{BB962C8B-B14F-4D97-AF65-F5344CB8AC3E}">
-        <p14:creationId xmlns:p14="http://schemas.microsoft.com/office/powerpoint/2010/main" val="2805793616"/>
+        <p14:creationId xmlns:p14="http://schemas.microsoft.com/office/powerpoint/2010/main" val="1143380732"/>
       </p:ext>
     </p:extLst>
   </p:cSld>
@@ -5641,58 +7469,16 @@
           </a:p>
         </p:txBody>
       </p:sp>
-      <p:sp>
-        <p:nvSpPr>
-          <p:cNvPr id="7" name="Textfeld 6"/>
-          <p:cNvSpPr txBox="1"/>
-          <p:nvPr/>
-        </p:nvSpPr>
-        <p:spPr>
-          <a:xfrm>
-            <a:off x="251520" y="231031"/>
-            <a:ext cx="3600400" cy="461665"/>
-          </a:xfrm>
-          <a:prstGeom prst="rect">
-            <a:avLst/>
-          </a:prstGeom>
-          <a:noFill/>
-        </p:spPr>
-        <p:txBody>
-          <a:bodyPr wrap="square" rtlCol="0">
-            <a:spAutoFit/>
-          </a:bodyPr>
-          <a:lstStyle/>
-          <a:p>
-            <a:r>
-              <a:rPr lang="de-DE" sz="2400" b="1" dirty="0" smtClean="0">
-                <a:solidFill>
-                  <a:schemeClr val="bg1"/>
-                </a:solidFill>
-                <a:latin typeface="Rockwell" panose="02060603020205020403" pitchFamily="18" charset="0"/>
-                <a:ea typeface="Roboto Light" panose="02000000000000000000" pitchFamily="2" charset="0"/>
-              </a:rPr>
-              <a:t>KEKURANGAN</a:t>
-            </a:r>
-            <a:endParaRPr lang="de-DE" sz="2400" b="1" dirty="0">
-              <a:solidFill>
-                <a:schemeClr val="bg1"/>
-              </a:solidFill>
-              <a:latin typeface="Rockwell" panose="02060603020205020403" pitchFamily="18" charset="0"/>
-              <a:ea typeface="Roboto Light" panose="02000000000000000000" pitchFamily="2" charset="0"/>
-            </a:endParaRPr>
-          </a:p>
-        </p:txBody>
-      </p:sp>
       <p:pic>
         <p:nvPicPr>
-          <p:cNvPr id="6" name="Grafik 5"/>
+          <p:cNvPr id="5" name="Grafik 4"/>
           <p:cNvPicPr>
             <a:picLocks noChangeAspect="1"/>
           </p:cNvPicPr>
           <p:nvPr/>
         </p:nvPicPr>
         <p:blipFill>
-          <a:blip r:embed="rId2">
+          <a:blip r:embed="rId2" cstate="print">
             <a:extLst>
               <a:ext uri="{28A0092B-C50C-407E-A947-70E740481C1C}">
                 <a14:useLocalDpi xmlns:a14="http://schemas.microsoft.com/office/drawing/2010/main" val="0"/>
@@ -5705,8 +7491,110 @@
         </p:blipFill>
         <p:spPr>
           <a:xfrm>
+            <a:off x="282564" y="1206208"/>
+            <a:ext cx="4001404" cy="2942872"/>
+          </a:xfrm>
+          <a:prstGeom prst="rect">
+            <a:avLst/>
+          </a:prstGeom>
+        </p:spPr>
+      </p:pic>
+      <p:sp>
+        <p:nvSpPr>
+          <p:cNvPr id="7" name="Textfeld 6"/>
+          <p:cNvSpPr txBox="1"/>
+          <p:nvPr/>
+        </p:nvSpPr>
+        <p:spPr>
+          <a:xfrm>
+            <a:off x="251520" y="231031"/>
+            <a:ext cx="4320480" cy="461665"/>
+          </a:xfrm>
+          <a:prstGeom prst="rect">
+            <a:avLst/>
+          </a:prstGeom>
+          <a:noFill/>
+        </p:spPr>
+        <p:txBody>
+          <a:bodyPr wrap="square" rtlCol="0">
+            <a:spAutoFit/>
+          </a:bodyPr>
+          <a:lstStyle/>
+          <a:p>
+            <a:r>
+              <a:rPr lang="de-DE" sz="2400" b="1" dirty="0" smtClean="0">
+                <a:solidFill>
+                  <a:schemeClr val="bg1"/>
+                </a:solidFill>
+                <a:latin typeface="Rockwell" panose="02060603020205020403" pitchFamily="18" charset="0"/>
+                <a:ea typeface="Roboto Light" panose="02000000000000000000" pitchFamily="2" charset="0"/>
+              </a:rPr>
+              <a:t>APA YANG KITA PUNYA</a:t>
+            </a:r>
+            <a:endParaRPr lang="de-DE" sz="2400" b="1" dirty="0">
+              <a:solidFill>
+                <a:schemeClr val="bg1"/>
+              </a:solidFill>
+              <a:latin typeface="Rockwell" panose="02060603020205020403" pitchFamily="18" charset="0"/>
+              <a:ea typeface="Roboto Light" panose="02000000000000000000" pitchFamily="2" charset="0"/>
+            </a:endParaRPr>
+          </a:p>
+        </p:txBody>
+      </p:sp>
+      <p:pic>
+        <p:nvPicPr>
+          <p:cNvPr id="8" name="Grafik 7"/>
+          <p:cNvPicPr>
+            <a:picLocks noChangeAspect="1"/>
+          </p:cNvPicPr>
+          <p:nvPr/>
+        </p:nvPicPr>
+        <p:blipFill>
+          <a:blip r:embed="rId3">
+            <a:extLst>
+              <a:ext uri="{28A0092B-C50C-407E-A947-70E740481C1C}">
+                <a14:useLocalDpi xmlns:a14="http://schemas.microsoft.com/office/drawing/2010/main" val="0"/>
+              </a:ext>
+            </a:extLst>
+          </a:blip>
+          <a:stretch>
+            <a:fillRect/>
+          </a:stretch>
+        </p:blipFill>
+        <p:spPr>
+          <a:xfrm>
             <a:off x="6433774" y="6237312"/>
             <a:ext cx="2530714" cy="474509"/>
+          </a:xfrm>
+          <a:prstGeom prst="rect">
+            <a:avLst/>
+          </a:prstGeom>
+        </p:spPr>
+      </p:pic>
+      <p:pic>
+        <p:nvPicPr>
+          <p:cNvPr id="6" name="Grafik 5"/>
+          <p:cNvPicPr>
+            <a:picLocks noChangeAspect="1"/>
+          </p:cNvPicPr>
+          <p:nvPr/>
+        </p:nvPicPr>
+        <p:blipFill>
+          <a:blip r:embed="rId4" cstate="print">
+            <a:extLst>
+              <a:ext uri="{28A0092B-C50C-407E-A947-70E740481C1C}">
+                <a14:useLocalDpi xmlns:a14="http://schemas.microsoft.com/office/drawing/2010/main" val="0"/>
+              </a:ext>
+            </a:extLst>
+          </a:blip>
+          <a:stretch>
+            <a:fillRect/>
+          </a:stretch>
+        </p:blipFill>
+        <p:spPr>
+          <a:xfrm>
+            <a:off x="4139952" y="3374994"/>
+            <a:ext cx="4608512" cy="2880319"/>
           </a:xfrm>
           <a:prstGeom prst="rect">
             <a:avLst/>
@@ -5716,7 +7604,7 @@
     </p:spTree>
     <p:extLst>
       <p:ext uri="{BB962C8B-B14F-4D97-AF65-F5344CB8AC3E}">
-        <p14:creationId xmlns:p14="http://schemas.microsoft.com/office/powerpoint/2010/main" val="436836040"/>
+        <p14:creationId xmlns:p14="http://schemas.microsoft.com/office/powerpoint/2010/main" val="2805793616"/>
       </p:ext>
     </p:extLst>
   </p:cSld>
@@ -5826,7 +7714,7 @@
                 <a:latin typeface="Rockwell" panose="02060603020205020403" pitchFamily="18" charset="0"/>
                 <a:ea typeface="Roboto Light" panose="02000000000000000000" pitchFamily="2" charset="0"/>
               </a:rPr>
-              <a:t>PERBAIKAN/SARAN</a:t>
+              <a:t>KEKURANGAN</a:t>
             </a:r>
             <a:endParaRPr lang="de-DE" sz="2400" b="1" dirty="0">
               <a:solidFill>
@@ -5868,10 +7756,99 @@
           </a:prstGeom>
         </p:spPr>
       </p:pic>
+      <p:sp>
+        <p:nvSpPr>
+          <p:cNvPr id="5" name="Textfeld 5"/>
+          <p:cNvSpPr txBox="1"/>
+          <p:nvPr/>
+        </p:nvSpPr>
+        <p:spPr>
+          <a:xfrm>
+            <a:off x="1531858" y="1628800"/>
+            <a:ext cx="6208494" cy="2339102"/>
+          </a:xfrm>
+          <a:prstGeom prst="rect">
+            <a:avLst/>
+          </a:prstGeom>
+          <a:noFill/>
+        </p:spPr>
+        <p:txBody>
+          <a:bodyPr wrap="square" rtlCol="0">
+            <a:spAutoFit/>
+          </a:bodyPr>
+          <a:lstStyle/>
+          <a:p>
+            <a:pPr marL="285750" indent="-285750">
+              <a:buFont typeface="Arial" panose="020B0604020202020204" pitchFamily="34" charset="0"/>
+              <a:buChar char="•"/>
+            </a:pPr>
+            <a:r>
+              <a:rPr lang="de-DE" sz="3200" dirty="0" smtClean="0">
+                <a:latin typeface="Rockwell" panose="02060603020205020403" pitchFamily="18" charset="0"/>
+              </a:rPr>
+              <a:t>Standard </a:t>
+            </a:r>
+            <a:r>
+              <a:rPr lang="de-DE" sz="3200" dirty="0" err="1" smtClean="0">
+                <a:latin typeface="Rockwell" panose="02060603020205020403" pitchFamily="18" charset="0"/>
+              </a:rPr>
+              <a:t>penamaan</a:t>
+            </a:r>
+            <a:endParaRPr lang="de-DE" sz="3200" dirty="0" smtClean="0">
+              <a:latin typeface="Rockwell" panose="02060603020205020403" pitchFamily="18" charset="0"/>
+            </a:endParaRPr>
+          </a:p>
+          <a:p>
+            <a:pPr marL="285750" indent="-285750">
+              <a:buFont typeface="Arial" panose="020B0604020202020204" pitchFamily="34" charset="0"/>
+              <a:buChar char="•"/>
+            </a:pPr>
+            <a:r>
+              <a:rPr lang="de-DE" sz="3200" dirty="0" err="1" smtClean="0">
+                <a:latin typeface="Rockwell" panose="02060603020205020403" pitchFamily="18" charset="0"/>
+              </a:rPr>
+              <a:t>Aktualisasi</a:t>
+            </a:r>
+            <a:endParaRPr lang="de-DE" sz="3200" dirty="0" smtClean="0">
+              <a:latin typeface="Rockwell" panose="02060603020205020403" pitchFamily="18" charset="0"/>
+            </a:endParaRPr>
+          </a:p>
+          <a:p>
+            <a:pPr marL="285750" indent="-285750">
+              <a:buFont typeface="Arial" panose="020B0604020202020204" pitchFamily="34" charset="0"/>
+              <a:buChar char="•"/>
+            </a:pPr>
+            <a:r>
+              <a:rPr lang="de-DE" sz="3200" dirty="0" smtClean="0">
+                <a:latin typeface="Rockwell" panose="02060603020205020403" pitchFamily="18" charset="0"/>
+              </a:rPr>
+              <a:t>Parameter</a:t>
+            </a:r>
+          </a:p>
+          <a:p>
+            <a:pPr marL="285750" indent="-285750">
+              <a:buFont typeface="Arial" panose="020B0604020202020204" pitchFamily="34" charset="0"/>
+              <a:buChar char="•"/>
+            </a:pPr>
+            <a:r>
+              <a:rPr lang="de-DE" sz="3200" dirty="0" err="1" smtClean="0">
+                <a:latin typeface="Rockwell" panose="02060603020205020403" pitchFamily="18" charset="0"/>
+              </a:rPr>
+              <a:t>etc</a:t>
+            </a:r>
+            <a:endParaRPr lang="de-DE" dirty="0">
+              <a:latin typeface="Rockwell" panose="02060603020205020403" pitchFamily="18" charset="0"/>
+            </a:endParaRPr>
+          </a:p>
+          <a:p>
+            <a:endParaRPr lang="de-DE" dirty="0"/>
+          </a:p>
+        </p:txBody>
+      </p:sp>
     </p:spTree>
     <p:extLst>
       <p:ext uri="{BB962C8B-B14F-4D97-AF65-F5344CB8AC3E}">
-        <p14:creationId xmlns:p14="http://schemas.microsoft.com/office/powerpoint/2010/main" val="1450565187"/>
+        <p14:creationId xmlns:p14="http://schemas.microsoft.com/office/powerpoint/2010/main" val="436836040"/>
       </p:ext>
     </p:extLst>
   </p:cSld>
@@ -5981,7 +7958,7 @@
                 <a:latin typeface="Rockwell" panose="02060603020205020403" pitchFamily="18" charset="0"/>
                 <a:ea typeface="Roboto Light" panose="02000000000000000000" pitchFamily="2" charset="0"/>
               </a:rPr>
-              <a:t>REPO</a:t>
+              <a:t>MOCK-UP</a:t>
             </a:r>
             <a:endParaRPr lang="de-DE" sz="2400" b="1" dirty="0">
               <a:solidFill>
@@ -5989,168 +7966,6 @@
               </a:solidFill>
               <a:latin typeface="Rockwell" panose="02060603020205020403" pitchFamily="18" charset="0"/>
               <a:ea typeface="Roboto Light" panose="02000000000000000000" pitchFamily="2" charset="0"/>
-            </a:endParaRPr>
-          </a:p>
-        </p:txBody>
-      </p:sp>
-      <p:sp>
-        <p:nvSpPr>
-          <p:cNvPr id="4" name="Textfeld 3"/>
-          <p:cNvSpPr txBox="1"/>
-          <p:nvPr/>
-        </p:nvSpPr>
-        <p:spPr>
-          <a:xfrm>
-            <a:off x="1459850" y="1965608"/>
-            <a:ext cx="6208494" cy="2831544"/>
-          </a:xfrm>
-          <a:prstGeom prst="rect">
-            <a:avLst/>
-          </a:prstGeom>
-          <a:noFill/>
-        </p:spPr>
-        <p:txBody>
-          <a:bodyPr wrap="square" rtlCol="0">
-            <a:spAutoFit/>
-          </a:bodyPr>
-          <a:lstStyle/>
-          <a:p>
-            <a:pPr marL="285750" indent="-285750">
-              <a:buFont typeface="Arial" panose="020B0604020202020204" pitchFamily="34" charset="0"/>
-              <a:buChar char="•"/>
-            </a:pPr>
-            <a:r>
-              <a:rPr lang="de-DE" sz="3200" dirty="0" smtClean="0">
-                <a:latin typeface="Rockwell" panose="02060603020205020403" pitchFamily="18" charset="0"/>
-              </a:rPr>
-              <a:t>/</a:t>
-            </a:r>
-            <a:r>
-              <a:rPr lang="de-DE" sz="3200" dirty="0" err="1" smtClean="0">
-                <a:latin typeface="Rockwell" panose="02060603020205020403" pitchFamily="18" charset="0"/>
-              </a:rPr>
-              <a:t>hai</a:t>
-            </a:r>
-            <a:endParaRPr lang="de-DE" sz="3200" dirty="0" smtClean="0">
-              <a:latin typeface="Rockwell" panose="02060603020205020403" pitchFamily="18" charset="0"/>
-            </a:endParaRPr>
-          </a:p>
-          <a:p>
-            <a:pPr marL="285750" indent="-285750">
-              <a:buFont typeface="Arial" panose="020B0604020202020204" pitchFamily="34" charset="0"/>
-              <a:buChar char="•"/>
-            </a:pPr>
-            <a:r>
-              <a:rPr lang="de-DE" sz="3200" dirty="0" smtClean="0">
-                <a:latin typeface="Rockwell" panose="02060603020205020403" pitchFamily="18" charset="0"/>
-              </a:rPr>
-              <a:t>/hai-area</a:t>
-            </a:r>
-          </a:p>
-          <a:p>
-            <a:pPr marL="285750" indent="-285750">
-              <a:buFont typeface="Arial" panose="020B0604020202020204" pitchFamily="34" charset="0"/>
-              <a:buChar char="•"/>
-            </a:pPr>
-            <a:r>
-              <a:rPr lang="de-DE" sz="3200" dirty="0" smtClean="0">
-                <a:latin typeface="Rockwell" panose="02060603020205020403" pitchFamily="18" charset="0"/>
-              </a:rPr>
-              <a:t>/hai-</a:t>
-            </a:r>
-            <a:r>
-              <a:rPr lang="de-DE" sz="3200" dirty="0" err="1" smtClean="0">
-                <a:latin typeface="Rockwell" panose="02060603020205020403" pitchFamily="18" charset="0"/>
-              </a:rPr>
-              <a:t>civil</a:t>
-            </a:r>
-            <a:endParaRPr lang="de-DE" sz="3200" dirty="0" smtClean="0">
-              <a:latin typeface="Rockwell" panose="02060603020205020403" pitchFamily="18" charset="0"/>
-            </a:endParaRPr>
-          </a:p>
-          <a:p>
-            <a:pPr marL="285750" indent="-285750">
-              <a:buFont typeface="Arial" panose="020B0604020202020204" pitchFamily="34" charset="0"/>
-              <a:buChar char="•"/>
-            </a:pPr>
-            <a:r>
-              <a:rPr lang="de-DE" sz="3200" dirty="0">
-                <a:latin typeface="Rockwell" panose="02060603020205020403" pitchFamily="18" charset="0"/>
-              </a:rPr>
-              <a:t>/</a:t>
-            </a:r>
-            <a:r>
-              <a:rPr lang="de-DE" sz="3200" dirty="0" smtClean="0">
-                <a:latin typeface="Rockwell" panose="02060603020205020403" pitchFamily="18" charset="0"/>
-              </a:rPr>
-              <a:t>hai-</a:t>
-            </a:r>
-            <a:r>
-              <a:rPr lang="de-DE" sz="3200" dirty="0" err="1" smtClean="0">
-                <a:latin typeface="Rockwell" panose="02060603020205020403" pitchFamily="18" charset="0"/>
-              </a:rPr>
-              <a:t>dms</a:t>
-            </a:r>
-            <a:endParaRPr lang="de-DE" sz="3200" dirty="0" smtClean="0">
-              <a:latin typeface="Rockwell" panose="02060603020205020403" pitchFamily="18" charset="0"/>
-            </a:endParaRPr>
-          </a:p>
-          <a:p>
-            <a:pPr marL="285750" indent="-285750">
-              <a:buFont typeface="Arial" panose="020B0604020202020204" pitchFamily="34" charset="0"/>
-              <a:buChar char="•"/>
-            </a:pPr>
-            <a:r>
-              <a:rPr lang="de-DE" sz="3200" dirty="0" smtClean="0">
-                <a:latin typeface="Rockwell" panose="02060603020205020403" pitchFamily="18" charset="0"/>
-              </a:rPr>
-              <a:t>/hai-</a:t>
-            </a:r>
-            <a:r>
-              <a:rPr lang="de-DE" sz="3200" dirty="0" err="1" smtClean="0">
-                <a:latin typeface="Rockwell" panose="02060603020205020403" pitchFamily="18" charset="0"/>
-              </a:rPr>
-              <a:t>pcomm</a:t>
-            </a:r>
-            <a:endParaRPr lang="de-DE" dirty="0">
-              <a:latin typeface="Rockwell" panose="02060603020205020403" pitchFamily="18" charset="0"/>
-            </a:endParaRPr>
-          </a:p>
-          <a:p>
-            <a:endParaRPr lang="de-DE" dirty="0"/>
-          </a:p>
-        </p:txBody>
-      </p:sp>
-      <p:sp>
-        <p:nvSpPr>
-          <p:cNvPr id="5" name="Rechteck 4"/>
-          <p:cNvSpPr/>
-          <p:nvPr/>
-        </p:nvSpPr>
-        <p:spPr>
-          <a:xfrm>
-            <a:off x="899592" y="1116033"/>
-            <a:ext cx="7272808" cy="584775"/>
-          </a:xfrm>
-          <a:prstGeom prst="rect">
-            <a:avLst/>
-          </a:prstGeom>
-        </p:spPr>
-        <p:txBody>
-          <a:bodyPr wrap="square">
-            <a:spAutoFit/>
-          </a:bodyPr>
-          <a:lstStyle/>
-          <a:p>
-            <a:pPr algn="ctr"/>
-            <a:r>
-              <a:rPr lang="de-DE" sz="3200" dirty="0" smtClean="0">
-                <a:latin typeface="Rockwell" panose="02060603020205020403" pitchFamily="18" charset="0"/>
-              </a:rPr>
-              <a:t>http://github.com/aryonp</a:t>
-            </a:r>
-            <a:endParaRPr lang="de-DE" sz="3200" dirty="0">
-              <a:latin typeface="Rockwell" panose="02060603020205020403" pitchFamily="18" charset="0"/>
             </a:endParaRPr>
           </a:p>
         </p:txBody>
@@ -6185,10 +8000,185 @@
           </a:prstGeom>
         </p:spPr>
       </p:pic>
+      <p:sp>
+        <p:nvSpPr>
+          <p:cNvPr id="5" name="Textfeld 5"/>
+          <p:cNvSpPr txBox="1"/>
+          <p:nvPr/>
+        </p:nvSpPr>
+        <p:spPr>
+          <a:xfrm>
+            <a:off x="1115616" y="1196752"/>
+            <a:ext cx="6208494" cy="2800767"/>
+          </a:xfrm>
+          <a:prstGeom prst="rect">
+            <a:avLst/>
+          </a:prstGeom>
+          <a:noFill/>
+        </p:spPr>
+        <p:txBody>
+          <a:bodyPr wrap="square" rtlCol="0">
+            <a:spAutoFit/>
+          </a:bodyPr>
+          <a:lstStyle/>
+          <a:p>
+            <a:r>
+              <a:rPr lang="de-DE" sz="2800" dirty="0" smtClean="0">
+                <a:latin typeface="Rockwell" panose="02060603020205020403" pitchFamily="18" charset="0"/>
+              </a:rPr>
+              <a:t>Warehouse</a:t>
+            </a:r>
+          </a:p>
+          <a:p>
+            <a:pPr marL="285750" indent="-285750">
+              <a:buFont typeface="Arial" panose="020B0604020202020204" pitchFamily="34" charset="0"/>
+              <a:buChar char="•"/>
+            </a:pPr>
+            <a:r>
+              <a:rPr lang="de-DE" sz="2800" dirty="0" err="1" smtClean="0">
+                <a:latin typeface="Rockwell" panose="02060603020205020403" pitchFamily="18" charset="0"/>
+              </a:rPr>
+              <a:t>Inbound</a:t>
+            </a:r>
+            <a:r>
+              <a:rPr lang="de-DE" sz="2800" dirty="0" smtClean="0">
+                <a:latin typeface="Rockwell" panose="02060603020205020403" pitchFamily="18" charset="0"/>
+              </a:rPr>
+              <a:t>    -&gt; </a:t>
+            </a:r>
+            <a:r>
+              <a:rPr lang="de-DE" sz="2800" dirty="0" err="1" smtClean="0">
+                <a:latin typeface="Rockwell" panose="02060603020205020403" pitchFamily="18" charset="0"/>
+              </a:rPr>
+              <a:t>Packing</a:t>
+            </a:r>
+            <a:r>
+              <a:rPr lang="de-DE" sz="2800" dirty="0" smtClean="0">
+                <a:latin typeface="Rockwell" panose="02060603020205020403" pitchFamily="18" charset="0"/>
+              </a:rPr>
+              <a:t> List</a:t>
+            </a:r>
+          </a:p>
+          <a:p>
+            <a:pPr marL="285750" indent="-285750">
+              <a:buFont typeface="Arial" panose="020B0604020202020204" pitchFamily="34" charset="0"/>
+              <a:buChar char="•"/>
+            </a:pPr>
+            <a:r>
+              <a:rPr lang="de-DE" sz="2800" dirty="0" err="1" smtClean="0">
+                <a:latin typeface="Rockwell" panose="02060603020205020403" pitchFamily="18" charset="0"/>
+              </a:rPr>
+              <a:t>Outbound</a:t>
+            </a:r>
+            <a:r>
+              <a:rPr lang="de-DE" sz="2800" dirty="0" smtClean="0">
+                <a:latin typeface="Rockwell" panose="02060603020205020403" pitchFamily="18" charset="0"/>
+              </a:rPr>
+              <a:t> -&gt; </a:t>
+            </a:r>
+            <a:r>
+              <a:rPr lang="de-DE" sz="2800" dirty="0" err="1" smtClean="0">
+                <a:latin typeface="Rockwell" panose="02060603020205020403" pitchFamily="18" charset="0"/>
+              </a:rPr>
+              <a:t>Delivery</a:t>
+            </a:r>
+            <a:r>
+              <a:rPr lang="de-DE" sz="2800" dirty="0" smtClean="0">
+                <a:latin typeface="Rockwell" panose="02060603020205020403" pitchFamily="18" charset="0"/>
+              </a:rPr>
+              <a:t> Note</a:t>
+            </a:r>
+            <a:endParaRPr lang="de-DE" sz="2800" dirty="0" smtClean="0">
+              <a:latin typeface="Rockwell" panose="02060603020205020403" pitchFamily="18" charset="0"/>
+            </a:endParaRPr>
+          </a:p>
+          <a:p>
+            <a:pPr marL="285750" indent="-285750">
+              <a:buFont typeface="Arial" panose="020B0604020202020204" pitchFamily="34" charset="0"/>
+              <a:buChar char="•"/>
+            </a:pPr>
+            <a:r>
+              <a:rPr lang="de-DE" sz="2800" dirty="0" smtClean="0">
+                <a:latin typeface="Rockwell" panose="02060603020205020403" pitchFamily="18" charset="0"/>
+              </a:rPr>
+              <a:t>Stock Take</a:t>
+            </a:r>
+          </a:p>
+          <a:p>
+            <a:pPr marL="285750" indent="-285750">
+              <a:buFont typeface="Arial" panose="020B0604020202020204" pitchFamily="34" charset="0"/>
+              <a:buChar char="•"/>
+            </a:pPr>
+            <a:r>
+              <a:rPr lang="de-DE" sz="2800" dirty="0" smtClean="0">
+                <a:latin typeface="Rockwell" panose="02060603020205020403" pitchFamily="18" charset="0"/>
+              </a:rPr>
+              <a:t>Area -&gt; Bin Location</a:t>
+            </a:r>
+          </a:p>
+          <a:p>
+            <a:endParaRPr lang="de-DE" sz="1600" dirty="0" smtClean="0">
+              <a:latin typeface="Rockwell" panose="02060603020205020403" pitchFamily="18" charset="0"/>
+            </a:endParaRPr>
+          </a:p>
+          <a:p>
+            <a:endParaRPr lang="de-DE" sz="1600" dirty="0"/>
+          </a:p>
+        </p:txBody>
+      </p:sp>
+      <p:sp>
+        <p:nvSpPr>
+          <p:cNvPr id="8" name="Textfeld 5"/>
+          <p:cNvSpPr txBox="1"/>
+          <p:nvPr/>
+        </p:nvSpPr>
+        <p:spPr>
+          <a:xfrm>
+            <a:off x="1115616" y="3861048"/>
+            <a:ext cx="6624736" cy="1231106"/>
+          </a:xfrm>
+          <a:prstGeom prst="rect">
+            <a:avLst/>
+          </a:prstGeom>
+          <a:noFill/>
+        </p:spPr>
+        <p:txBody>
+          <a:bodyPr wrap="square" rtlCol="0">
+            <a:spAutoFit/>
+          </a:bodyPr>
+          <a:lstStyle/>
+          <a:p>
+            <a:r>
+              <a:rPr lang="de-DE" sz="2800" dirty="0" smtClean="0">
+                <a:latin typeface="Rockwell" panose="02060603020205020403" pitchFamily="18" charset="0"/>
+              </a:rPr>
+              <a:t>Transportation</a:t>
+            </a:r>
+          </a:p>
+          <a:p>
+            <a:pPr marL="285750" indent="-285750">
+              <a:buFont typeface="Arial" panose="020B0604020202020204" pitchFamily="34" charset="0"/>
+              <a:buChar char="•"/>
+            </a:pPr>
+            <a:r>
+              <a:rPr lang="de-DE" sz="2800" dirty="0" smtClean="0">
+                <a:latin typeface="Rockwell" panose="02060603020205020403" pitchFamily="18" charset="0"/>
+              </a:rPr>
+              <a:t>Movement -&gt; Armada/3rd Party</a:t>
+            </a:r>
+            <a:endParaRPr lang="de-DE" sz="1600" dirty="0" smtClean="0">
+              <a:latin typeface="Rockwell" panose="02060603020205020403" pitchFamily="18" charset="0"/>
+            </a:endParaRPr>
+          </a:p>
+          <a:p>
+            <a:endParaRPr lang="de-DE" sz="1600" dirty="0"/>
+          </a:p>
+        </p:txBody>
+      </p:sp>
     </p:spTree>
     <p:extLst>
       <p:ext uri="{BB962C8B-B14F-4D97-AF65-F5344CB8AC3E}">
-        <p14:creationId xmlns:p14="http://schemas.microsoft.com/office/powerpoint/2010/main" val="1320364062"/>
+        <p14:creationId xmlns:p14="http://schemas.microsoft.com/office/powerpoint/2010/main" val="4252694950"/>
       </p:ext>
     </p:extLst>
   </p:cSld>

--- a/PRESENTASI.pptx
+++ b/PRESENTASI.pptx
@@ -5798,13 +5798,7 @@
               <a:rPr lang="de-DE" dirty="0" smtClean="0">
                 <a:latin typeface="Rockwell" panose="02060603020205020403" pitchFamily="18" charset="0"/>
               </a:rPr>
-              <a:t>Monit</a:t>
-            </a:r>
-            <a:r>
-              <a:rPr lang="de-DE" dirty="0" smtClean="0">
-                <a:latin typeface="Rockwell" panose="02060603020205020403" pitchFamily="18" charset="0"/>
-              </a:rPr>
-              <a:t>or </a:t>
+              <a:t>Monitor </a:t>
             </a:r>
             <a:r>
               <a:rPr lang="de-DE" dirty="0" err="1" smtClean="0">
@@ -8023,7 +8017,7 @@
           <a:lstStyle/>
           <a:p>
             <a:r>
-              <a:rPr lang="de-DE" sz="2800" dirty="0" smtClean="0">
+              <a:rPr lang="de-DE" sz="2400" dirty="0" smtClean="0">
                 <a:latin typeface="Rockwell" panose="02060603020205020403" pitchFamily="18" charset="0"/>
               </a:rPr>
               <a:t>Warehouse</a:t>
@@ -8035,25 +8029,25 @@
               <a:buChar char="•"/>
             </a:pPr>
             <a:r>
-              <a:rPr lang="de-DE" sz="2800" dirty="0" err="1" smtClean="0">
+              <a:rPr lang="de-DE" sz="2400" dirty="0" err="1" smtClean="0">
                 <a:latin typeface="Rockwell" panose="02060603020205020403" pitchFamily="18" charset="0"/>
               </a:rPr>
               <a:t>Inbound</a:t>
             </a:r>
             <a:r>
-              <a:rPr lang="de-DE" sz="2800" dirty="0" smtClean="0">
+              <a:rPr lang="de-DE" sz="2400" dirty="0" smtClean="0">
                 <a:latin typeface="Rockwell" panose="02060603020205020403" pitchFamily="18" charset="0"/>
               </a:rPr>
               <a:t>    -&gt; </a:t>
             </a:r>
             <a:r>
-              <a:rPr lang="de-DE" sz="2800" dirty="0" err="1" smtClean="0">
+              <a:rPr lang="de-DE" sz="2400" dirty="0" err="1" smtClean="0">
                 <a:latin typeface="Rockwell" panose="02060603020205020403" pitchFamily="18" charset="0"/>
               </a:rPr>
               <a:t>Packing</a:t>
             </a:r>
             <a:r>
-              <a:rPr lang="de-DE" sz="2800" dirty="0" smtClean="0">
+              <a:rPr lang="de-DE" sz="2400" dirty="0" smtClean="0">
                 <a:latin typeface="Rockwell" panose="02060603020205020403" pitchFamily="18" charset="0"/>
               </a:rPr>
               <a:t> List</a:t>
@@ -8065,32 +8059,29 @@
               <a:buChar char="•"/>
             </a:pPr>
             <a:r>
-              <a:rPr lang="de-DE" sz="2800" dirty="0" err="1" smtClean="0">
+              <a:rPr lang="de-DE" sz="2400" dirty="0" err="1" smtClean="0">
                 <a:latin typeface="Rockwell" panose="02060603020205020403" pitchFamily="18" charset="0"/>
               </a:rPr>
               <a:t>Outbound</a:t>
             </a:r>
             <a:r>
-              <a:rPr lang="de-DE" sz="2800" dirty="0" smtClean="0">
+              <a:rPr lang="de-DE" sz="2400" dirty="0" smtClean="0">
                 <a:latin typeface="Rockwell" panose="02060603020205020403" pitchFamily="18" charset="0"/>
               </a:rPr>
               <a:t> -&gt; </a:t>
             </a:r>
             <a:r>
-              <a:rPr lang="de-DE" sz="2800" dirty="0" err="1" smtClean="0">
+              <a:rPr lang="de-DE" sz="2400" dirty="0" err="1" smtClean="0">
                 <a:latin typeface="Rockwell" panose="02060603020205020403" pitchFamily="18" charset="0"/>
               </a:rPr>
               <a:t>Delivery</a:t>
             </a:r>
             <a:r>
-              <a:rPr lang="de-DE" sz="2800" dirty="0" smtClean="0">
+              <a:rPr lang="de-DE" sz="2400" dirty="0" smtClean="0">
                 <a:latin typeface="Rockwell" panose="02060603020205020403" pitchFamily="18" charset="0"/>
               </a:rPr>
               <a:t> Note</a:t>
             </a:r>
-            <a:endParaRPr lang="de-DE" sz="2800" dirty="0" smtClean="0">
-              <a:latin typeface="Rockwell" panose="02060603020205020403" pitchFamily="18" charset="0"/>
-            </a:endParaRPr>
           </a:p>
           <a:p>
             <a:pPr marL="285750" indent="-285750">
@@ -8098,7 +8089,7 @@
               <a:buChar char="•"/>
             </a:pPr>
             <a:r>
-              <a:rPr lang="de-DE" sz="2800" dirty="0" smtClean="0">
+              <a:rPr lang="de-DE" sz="2400" dirty="0" smtClean="0">
                 <a:latin typeface="Rockwell" panose="02060603020205020403" pitchFamily="18" charset="0"/>
               </a:rPr>
               <a:t>Stock Take</a:t>
@@ -8110,49 +8101,16 @@
               <a:buChar char="•"/>
             </a:pPr>
             <a:r>
-              <a:rPr lang="de-DE" sz="2800" dirty="0" smtClean="0">
-                <a:latin typeface="Rockwell" panose="02060603020205020403" pitchFamily="18" charset="0"/>
-              </a:rPr>
-              <a:t>Area -&gt; Bin Location</a:t>
-            </a:r>
-          </a:p>
-          <a:p>
-            <a:endParaRPr lang="de-DE" sz="1600" dirty="0" smtClean="0">
-              <a:latin typeface="Rockwell" panose="02060603020205020403" pitchFamily="18" charset="0"/>
-            </a:endParaRPr>
-          </a:p>
-          <a:p>
-            <a:endParaRPr lang="de-DE" sz="1600" dirty="0"/>
-          </a:p>
-        </p:txBody>
-      </p:sp>
-      <p:sp>
-        <p:nvSpPr>
-          <p:cNvPr id="8" name="Textfeld 5"/>
-          <p:cNvSpPr txBox="1"/>
-          <p:nvPr/>
-        </p:nvSpPr>
-        <p:spPr>
-          <a:xfrm>
-            <a:off x="1115616" y="3861048"/>
-            <a:ext cx="6624736" cy="1231106"/>
-          </a:xfrm>
-          <a:prstGeom prst="rect">
-            <a:avLst/>
-          </a:prstGeom>
-          <a:noFill/>
-        </p:spPr>
-        <p:txBody>
-          <a:bodyPr wrap="square" rtlCol="0">
-            <a:spAutoFit/>
-          </a:bodyPr>
-          <a:lstStyle/>
-          <a:p>
-            <a:r>
-              <a:rPr lang="de-DE" sz="2800" dirty="0" smtClean="0">
-                <a:latin typeface="Rockwell" panose="02060603020205020403" pitchFamily="18" charset="0"/>
-              </a:rPr>
-              <a:t>Transportation</a:t>
+              <a:rPr lang="de-DE" sz="2400" dirty="0" smtClean="0">
+                <a:latin typeface="Rockwell" panose="02060603020205020403" pitchFamily="18" charset="0"/>
+              </a:rPr>
+              <a:t>Area -&gt; Bin </a:t>
+            </a:r>
+            <a:r>
+              <a:rPr lang="de-DE" sz="2400" dirty="0" smtClean="0">
+                <a:latin typeface="Rockwell" panose="02060603020205020403" pitchFamily="18" charset="0"/>
+              </a:rPr>
+              <a:t>Location</a:t>
             </a:r>
           </a:p>
           <a:p>
@@ -8161,17 +8119,77 @@
               <a:buChar char="•"/>
             </a:pPr>
             <a:r>
-              <a:rPr lang="de-DE" sz="2800" dirty="0" smtClean="0">
-                <a:latin typeface="Rockwell" panose="02060603020205020403" pitchFamily="18" charset="0"/>
-              </a:rPr>
-              <a:t>Movement -&gt; Armada/3rd Party</a:t>
-            </a:r>
-            <a:endParaRPr lang="de-DE" sz="1600" dirty="0" smtClean="0">
+              <a:rPr lang="de-DE" sz="2400" dirty="0" err="1" smtClean="0">
+                <a:latin typeface="Rockwell" panose="02060603020205020403" pitchFamily="18" charset="0"/>
+              </a:rPr>
+              <a:t>Conversion</a:t>
+            </a:r>
+            <a:r>
+              <a:rPr lang="de-DE" sz="2400" dirty="0" smtClean="0">
+                <a:latin typeface="Rockwell" panose="02060603020205020403" pitchFamily="18" charset="0"/>
+              </a:rPr>
+              <a:t> Tools</a:t>
+            </a:r>
+            <a:endParaRPr lang="de-DE" sz="2400" dirty="0" smtClean="0">
               <a:latin typeface="Rockwell" panose="02060603020205020403" pitchFamily="18" charset="0"/>
             </a:endParaRPr>
           </a:p>
           <a:p>
-            <a:endParaRPr lang="de-DE" sz="1600" dirty="0"/>
+            <a:endParaRPr lang="de-DE" sz="1400" dirty="0" smtClean="0">
+              <a:latin typeface="Rockwell" panose="02060603020205020403" pitchFamily="18" charset="0"/>
+            </a:endParaRPr>
+          </a:p>
+          <a:p>
+            <a:endParaRPr lang="de-DE" sz="1400" dirty="0"/>
+          </a:p>
+        </p:txBody>
+      </p:sp>
+      <p:sp>
+        <p:nvSpPr>
+          <p:cNvPr id="8" name="Textfeld 5"/>
+          <p:cNvSpPr txBox="1"/>
+          <p:nvPr/>
+        </p:nvSpPr>
+        <p:spPr>
+          <a:xfrm>
+            <a:off x="1115616" y="3861048"/>
+            <a:ext cx="6624736" cy="1077218"/>
+          </a:xfrm>
+          <a:prstGeom prst="rect">
+            <a:avLst/>
+          </a:prstGeom>
+          <a:noFill/>
+        </p:spPr>
+        <p:txBody>
+          <a:bodyPr wrap="square" rtlCol="0">
+            <a:spAutoFit/>
+          </a:bodyPr>
+          <a:lstStyle/>
+          <a:p>
+            <a:r>
+              <a:rPr lang="de-DE" sz="2400" dirty="0" smtClean="0">
+                <a:latin typeface="Rockwell" panose="02060603020205020403" pitchFamily="18" charset="0"/>
+              </a:rPr>
+              <a:t>Transportation</a:t>
+            </a:r>
+          </a:p>
+          <a:p>
+            <a:pPr marL="285750" indent="-285750">
+              <a:buFont typeface="Arial" panose="020B0604020202020204" pitchFamily="34" charset="0"/>
+              <a:buChar char="•"/>
+            </a:pPr>
+            <a:r>
+              <a:rPr lang="de-DE" sz="2400" dirty="0" smtClean="0">
+                <a:latin typeface="Rockwell" panose="02060603020205020403" pitchFamily="18" charset="0"/>
+              </a:rPr>
+              <a:t>Movement -&gt; Armada/3rd Party</a:t>
+            </a:r>
+            <a:endParaRPr lang="de-DE" sz="1400" dirty="0" smtClean="0">
+              <a:latin typeface="Rockwell" panose="02060603020205020403" pitchFamily="18" charset="0"/>
+            </a:endParaRPr>
+          </a:p>
+          <a:p>
+            <a:endParaRPr lang="de-DE" sz="1400" dirty="0"/>
           </a:p>
         </p:txBody>
       </p:sp>

--- a/PRESENTASI.pptx
+++ b/PRESENTASI.pptx
@@ -3291,6 +3291,36 @@
           </a:prstGeom>
         </p:spPr>
       </p:pic>
+      <p:pic>
+        <p:nvPicPr>
+          <p:cNvPr id="9" name="Picture 8" descr="logo.png"/>
+          <p:cNvPicPr>
+            <a:picLocks noChangeAspect="1"/>
+          </p:cNvPicPr>
+          <p:nvPr/>
+        </p:nvPicPr>
+        <p:blipFill>
+          <a:blip r:embed="rId4" cstate="print">
+            <a:extLst>
+              <a:ext uri="{28A0092B-C50C-407E-A947-70E740481C1C}">
+                <a14:useLocalDpi xmlns:a14="http://schemas.microsoft.com/office/drawing/2010/main" val="0"/>
+              </a:ext>
+            </a:extLst>
+          </a:blip>
+          <a:stretch>
+            <a:fillRect/>
+          </a:stretch>
+        </p:blipFill>
+        <p:spPr>
+          <a:xfrm>
+            <a:off x="72008" y="5985646"/>
+            <a:ext cx="2411760" cy="971746"/>
+          </a:xfrm>
+          <a:prstGeom prst="rect">
+            <a:avLst/>
+          </a:prstGeom>
+        </p:spPr>
+      </p:pic>
     </p:spTree>
     <p:extLst>
       <p:ext uri="{BB962C8B-B14F-4D97-AF65-F5344CB8AC3E}">
@@ -3641,6 +3671,36 @@
           </a:p>
         </p:txBody>
       </p:sp>
+      <p:pic>
+        <p:nvPicPr>
+          <p:cNvPr id="8" name="Picture 7" descr="logo.png"/>
+          <p:cNvPicPr>
+            <a:picLocks noChangeAspect="1"/>
+          </p:cNvPicPr>
+          <p:nvPr/>
+        </p:nvPicPr>
+        <p:blipFill>
+          <a:blip r:embed="rId3" cstate="print">
+            <a:extLst>
+              <a:ext uri="{28A0092B-C50C-407E-A947-70E740481C1C}">
+                <a14:useLocalDpi xmlns:a14="http://schemas.microsoft.com/office/drawing/2010/main" val="0"/>
+              </a:ext>
+            </a:extLst>
+          </a:blip>
+          <a:stretch>
+            <a:fillRect/>
+          </a:stretch>
+        </p:blipFill>
+        <p:spPr>
+          <a:xfrm>
+            <a:off x="72008" y="5985646"/>
+            <a:ext cx="2411760" cy="971746"/>
+          </a:xfrm>
+          <a:prstGeom prst="rect">
+            <a:avLst/>
+          </a:prstGeom>
+        </p:spPr>
+      </p:pic>
     </p:spTree>
     <p:extLst>
       <p:ext uri="{BB962C8B-B14F-4D97-AF65-F5344CB8AC3E}">
@@ -3926,6 +3986,36 @@
           <a:xfrm>
             <a:off x="6433774" y="6237312"/>
             <a:ext cx="2530714" cy="474509"/>
+          </a:xfrm>
+          <a:prstGeom prst="rect">
+            <a:avLst/>
+          </a:prstGeom>
+        </p:spPr>
+      </p:pic>
+      <p:pic>
+        <p:nvPicPr>
+          <p:cNvPr id="8" name="Picture 7" descr="logo.png"/>
+          <p:cNvPicPr>
+            <a:picLocks noChangeAspect="1"/>
+          </p:cNvPicPr>
+          <p:nvPr/>
+        </p:nvPicPr>
+        <p:blipFill>
+          <a:blip r:embed="rId3" cstate="print">
+            <a:extLst>
+              <a:ext uri="{28A0092B-C50C-407E-A947-70E740481C1C}">
+                <a14:useLocalDpi xmlns:a14="http://schemas.microsoft.com/office/drawing/2010/main" val="0"/>
+              </a:ext>
+            </a:extLst>
+          </a:blip>
+          <a:stretch>
+            <a:fillRect/>
+          </a:stretch>
+        </p:blipFill>
+        <p:spPr>
+          <a:xfrm>
+            <a:off x="72008" y="5985646"/>
+            <a:ext cx="2411760" cy="971746"/>
           </a:xfrm>
           <a:prstGeom prst="rect">
             <a:avLst/>
@@ -4085,6 +4175,36 @@
           </a:prstGeom>
         </p:spPr>
       </p:pic>
+      <p:pic>
+        <p:nvPicPr>
+          <p:cNvPr id="7" name="Picture 6" descr="logo.png"/>
+          <p:cNvPicPr>
+            <a:picLocks noChangeAspect="1"/>
+          </p:cNvPicPr>
+          <p:nvPr/>
+        </p:nvPicPr>
+        <p:blipFill>
+          <a:blip r:embed="rId3" cstate="print">
+            <a:extLst>
+              <a:ext uri="{28A0092B-C50C-407E-A947-70E740481C1C}">
+                <a14:useLocalDpi xmlns:a14="http://schemas.microsoft.com/office/drawing/2010/main" val="0"/>
+              </a:ext>
+            </a:extLst>
+          </a:blip>
+          <a:stretch>
+            <a:fillRect/>
+          </a:stretch>
+        </p:blipFill>
+        <p:spPr>
+          <a:xfrm>
+            <a:off x="72008" y="5985646"/>
+            <a:ext cx="2411760" cy="971746"/>
+          </a:xfrm>
+          <a:prstGeom prst="rect">
+            <a:avLst/>
+          </a:prstGeom>
+        </p:spPr>
+      </p:pic>
     </p:spTree>
     <p:extLst>
       <p:ext uri="{BB962C8B-B14F-4D97-AF65-F5344CB8AC3E}">
@@ -4692,6 +4812,36 @@
           </a:p>
         </p:txBody>
       </p:sp>
+      <p:pic>
+        <p:nvPicPr>
+          <p:cNvPr id="19" name="Picture 18" descr="logo.png"/>
+          <p:cNvPicPr>
+            <a:picLocks noChangeAspect="1"/>
+          </p:cNvPicPr>
+          <p:nvPr/>
+        </p:nvPicPr>
+        <p:blipFill>
+          <a:blip r:embed="rId7" cstate="print">
+            <a:extLst>
+              <a:ext uri="{28A0092B-C50C-407E-A947-70E740481C1C}">
+                <a14:useLocalDpi xmlns:a14="http://schemas.microsoft.com/office/drawing/2010/main" val="0"/>
+              </a:ext>
+            </a:extLst>
+          </a:blip>
+          <a:stretch>
+            <a:fillRect/>
+          </a:stretch>
+        </p:blipFill>
+        <p:spPr>
+          <a:xfrm>
+            <a:off x="72008" y="5985646"/>
+            <a:ext cx="2411760" cy="971746"/>
+          </a:xfrm>
+          <a:prstGeom prst="rect">
+            <a:avLst/>
+          </a:prstGeom>
+        </p:spPr>
+      </p:pic>
     </p:spTree>
     <p:extLst>
       <p:ext uri="{BB962C8B-B14F-4D97-AF65-F5344CB8AC3E}">
@@ -4979,6 +5129,36 @@
           <a:xfrm>
             <a:off x="6433774" y="6237312"/>
             <a:ext cx="2530714" cy="474509"/>
+          </a:xfrm>
+          <a:prstGeom prst="rect">
+            <a:avLst/>
+          </a:prstGeom>
+        </p:spPr>
+      </p:pic>
+      <p:pic>
+        <p:nvPicPr>
+          <p:cNvPr id="6" name="Picture 5" descr="logo.png"/>
+          <p:cNvPicPr>
+            <a:picLocks noChangeAspect="1"/>
+          </p:cNvPicPr>
+          <p:nvPr/>
+        </p:nvPicPr>
+        <p:blipFill>
+          <a:blip r:embed="rId3" cstate="print">
+            <a:extLst>
+              <a:ext uri="{28A0092B-C50C-407E-A947-70E740481C1C}">
+                <a14:useLocalDpi xmlns:a14="http://schemas.microsoft.com/office/drawing/2010/main" val="0"/>
+              </a:ext>
+            </a:extLst>
+          </a:blip>
+          <a:stretch>
+            <a:fillRect/>
+          </a:stretch>
+        </p:blipFill>
+        <p:spPr>
+          <a:xfrm>
+            <a:off x="72008" y="5985646"/>
+            <a:ext cx="2411760" cy="971746"/>
           </a:xfrm>
           <a:prstGeom prst="rect">
             <a:avLst/>
@@ -5283,7 +5463,7 @@
         <p:spPr>
           <a:xfrm>
             <a:off x="323528" y="4809142"/>
-            <a:ext cx="1556336" cy="1644194"/>
+            <a:ext cx="1080120" cy="1141095"/>
           </a:xfrm>
           <a:prstGeom prst="rect">
             <a:avLst/>
@@ -5372,8 +5552,38 @@
         </p:blipFill>
         <p:spPr>
           <a:xfrm>
-            <a:off x="2143651" y="5085184"/>
+            <a:off x="1763688" y="4941168"/>
             <a:ext cx="3004413" cy="591777"/>
+          </a:xfrm>
+          <a:prstGeom prst="rect">
+            <a:avLst/>
+          </a:prstGeom>
+        </p:spPr>
+      </p:pic>
+      <p:pic>
+        <p:nvPicPr>
+          <p:cNvPr id="15" name="Picture 14" descr="logo.png"/>
+          <p:cNvPicPr>
+            <a:picLocks noChangeAspect="1"/>
+          </p:cNvPicPr>
+          <p:nvPr/>
+        </p:nvPicPr>
+        <p:blipFill>
+          <a:blip r:embed="rId11" cstate="print">
+            <a:extLst>
+              <a:ext uri="{28A0092B-C50C-407E-A947-70E740481C1C}">
+                <a14:useLocalDpi xmlns:a14="http://schemas.microsoft.com/office/drawing/2010/main" val="0"/>
+              </a:ext>
+            </a:extLst>
+          </a:blip>
+          <a:stretch>
+            <a:fillRect/>
+          </a:stretch>
+        </p:blipFill>
+        <p:spPr>
+          <a:xfrm>
+            <a:off x="72008" y="5985646"/>
+            <a:ext cx="2411760" cy="971746"/>
           </a:xfrm>
           <a:prstGeom prst="rect">
             <a:avLst/>
@@ -5844,6 +6054,36 @@
           </a:p>
         </p:txBody>
       </p:sp>
+      <p:pic>
+        <p:nvPicPr>
+          <p:cNvPr id="14" name="Picture 13" descr="logo.png"/>
+          <p:cNvPicPr>
+            <a:picLocks noChangeAspect="1"/>
+          </p:cNvPicPr>
+          <p:nvPr/>
+        </p:nvPicPr>
+        <p:blipFill>
+          <a:blip r:embed="rId5" cstate="print">
+            <a:extLst>
+              <a:ext uri="{28A0092B-C50C-407E-A947-70E740481C1C}">
+                <a14:useLocalDpi xmlns:a14="http://schemas.microsoft.com/office/drawing/2010/main" val="0"/>
+              </a:ext>
+            </a:extLst>
+          </a:blip>
+          <a:stretch>
+            <a:fillRect/>
+          </a:stretch>
+        </p:blipFill>
+        <p:spPr>
+          <a:xfrm>
+            <a:off x="72008" y="5985646"/>
+            <a:ext cx="2411760" cy="971746"/>
+          </a:xfrm>
+          <a:prstGeom prst="rect">
+            <a:avLst/>
+          </a:prstGeom>
+        </p:spPr>
+      </p:pic>
     </p:spTree>
     <p:extLst>
       <p:ext uri="{BB962C8B-B14F-4D97-AF65-F5344CB8AC3E}">
@@ -7037,6 +7277,36 @@
           </a:p>
         </p:txBody>
       </p:sp>
+      <p:pic>
+        <p:nvPicPr>
+          <p:cNvPr id="14" name="Picture 13" descr="logo.png"/>
+          <p:cNvPicPr>
+            <a:picLocks noChangeAspect="1"/>
+          </p:cNvPicPr>
+          <p:nvPr/>
+        </p:nvPicPr>
+        <p:blipFill>
+          <a:blip r:embed="rId5" cstate="print">
+            <a:extLst>
+              <a:ext uri="{28A0092B-C50C-407E-A947-70E740481C1C}">
+                <a14:useLocalDpi xmlns:a14="http://schemas.microsoft.com/office/drawing/2010/main" val="0"/>
+              </a:ext>
+            </a:extLst>
+          </a:blip>
+          <a:stretch>
+            <a:fillRect/>
+          </a:stretch>
+        </p:blipFill>
+        <p:spPr>
+          <a:xfrm>
+            <a:off x="72008" y="5985646"/>
+            <a:ext cx="2411760" cy="971746"/>
+          </a:xfrm>
+          <a:prstGeom prst="rect">
+            <a:avLst/>
+          </a:prstGeom>
+        </p:spPr>
+      </p:pic>
     </p:spTree>
     <p:extLst>
       <p:ext uri="{BB962C8B-B14F-4D97-AF65-F5344CB8AC3E}">
@@ -7380,6 +7650,36 @@
           </a:prstGeom>
         </p:spPr>
       </p:pic>
+      <p:pic>
+        <p:nvPicPr>
+          <p:cNvPr id="9" name="Picture 8" descr="logo.png"/>
+          <p:cNvPicPr>
+            <a:picLocks noChangeAspect="1"/>
+          </p:cNvPicPr>
+          <p:nvPr/>
+        </p:nvPicPr>
+        <p:blipFill>
+          <a:blip r:embed="rId3" cstate="print">
+            <a:extLst>
+              <a:ext uri="{28A0092B-C50C-407E-A947-70E740481C1C}">
+                <a14:useLocalDpi xmlns:a14="http://schemas.microsoft.com/office/drawing/2010/main" val="0"/>
+              </a:ext>
+            </a:extLst>
+          </a:blip>
+          <a:stretch>
+            <a:fillRect/>
+          </a:stretch>
+        </p:blipFill>
+        <p:spPr>
+          <a:xfrm>
+            <a:off x="72008" y="5985646"/>
+            <a:ext cx="2411760" cy="971746"/>
+          </a:xfrm>
+          <a:prstGeom prst="rect">
+            <a:avLst/>
+          </a:prstGeom>
+        </p:spPr>
+      </p:pic>
     </p:spTree>
     <p:extLst>
       <p:ext uri="{BB962C8B-B14F-4D97-AF65-F5344CB8AC3E}">
@@ -7589,6 +7889,36 @@
           <a:xfrm>
             <a:off x="4139952" y="3374994"/>
             <a:ext cx="4608512" cy="2880319"/>
+          </a:xfrm>
+          <a:prstGeom prst="rect">
+            <a:avLst/>
+          </a:prstGeom>
+        </p:spPr>
+      </p:pic>
+      <p:pic>
+        <p:nvPicPr>
+          <p:cNvPr id="9" name="Picture 8" descr="logo.png"/>
+          <p:cNvPicPr>
+            <a:picLocks noChangeAspect="1"/>
+          </p:cNvPicPr>
+          <p:nvPr/>
+        </p:nvPicPr>
+        <p:blipFill>
+          <a:blip r:embed="rId5" cstate="print">
+            <a:extLst>
+              <a:ext uri="{28A0092B-C50C-407E-A947-70E740481C1C}">
+                <a14:useLocalDpi xmlns:a14="http://schemas.microsoft.com/office/drawing/2010/main" val="0"/>
+              </a:ext>
+            </a:extLst>
+          </a:blip>
+          <a:stretch>
+            <a:fillRect/>
+          </a:stretch>
+        </p:blipFill>
+        <p:spPr>
+          <a:xfrm>
+            <a:off x="72008" y="5985646"/>
+            <a:ext cx="2411760" cy="971746"/>
           </a:xfrm>
           <a:prstGeom prst="rect">
             <a:avLst/>
@@ -7839,6 +8169,36 @@
           </a:p>
         </p:txBody>
       </p:sp>
+      <p:pic>
+        <p:nvPicPr>
+          <p:cNvPr id="8" name="Picture 7" descr="logo.png"/>
+          <p:cNvPicPr>
+            <a:picLocks noChangeAspect="1"/>
+          </p:cNvPicPr>
+          <p:nvPr/>
+        </p:nvPicPr>
+        <p:blipFill>
+          <a:blip r:embed="rId3" cstate="print">
+            <a:extLst>
+              <a:ext uri="{28A0092B-C50C-407E-A947-70E740481C1C}">
+                <a14:useLocalDpi xmlns:a14="http://schemas.microsoft.com/office/drawing/2010/main" val="0"/>
+              </a:ext>
+            </a:extLst>
+          </a:blip>
+          <a:stretch>
+            <a:fillRect/>
+          </a:stretch>
+        </p:blipFill>
+        <p:spPr>
+          <a:xfrm>
+            <a:off x="72008" y="5985646"/>
+            <a:ext cx="2411760" cy="971746"/>
+          </a:xfrm>
+          <a:prstGeom prst="rect">
+            <a:avLst/>
+          </a:prstGeom>
+        </p:spPr>
+      </p:pic>
     </p:spTree>
     <p:extLst>
       <p:ext uri="{BB962C8B-B14F-4D97-AF65-F5344CB8AC3E}">
@@ -8104,13 +8464,7 @@
               <a:rPr lang="de-DE" sz="2400" dirty="0" smtClean="0">
                 <a:latin typeface="Rockwell" panose="02060603020205020403" pitchFamily="18" charset="0"/>
               </a:rPr>
-              <a:t>Area -&gt; Bin </a:t>
-            </a:r>
-            <a:r>
-              <a:rPr lang="de-DE" sz="2400" dirty="0" smtClean="0">
-                <a:latin typeface="Rockwell" panose="02060603020205020403" pitchFamily="18" charset="0"/>
-              </a:rPr>
-              <a:t>Location</a:t>
+              <a:t>Area -&gt; Bin Location</a:t>
             </a:r>
           </a:p>
           <a:p>
@@ -8130,9 +8484,6 @@
               </a:rPr>
               <a:t> Tools</a:t>
             </a:r>
-            <a:endParaRPr lang="de-DE" sz="2400" dirty="0" smtClean="0">
-              <a:latin typeface="Rockwell" panose="02060603020205020403" pitchFamily="18" charset="0"/>
-            </a:endParaRPr>
           </a:p>
           <a:p>
             <a:endParaRPr lang="de-DE" sz="1400" dirty="0" smtClean="0">
@@ -8193,6 +8544,36 @@
           </a:p>
         </p:txBody>
       </p:sp>
+      <p:pic>
+        <p:nvPicPr>
+          <p:cNvPr id="9" name="Picture 8" descr="logo.png"/>
+          <p:cNvPicPr>
+            <a:picLocks noChangeAspect="1"/>
+          </p:cNvPicPr>
+          <p:nvPr/>
+        </p:nvPicPr>
+        <p:blipFill>
+          <a:blip r:embed="rId3" cstate="print">
+            <a:extLst>
+              <a:ext uri="{28A0092B-C50C-407E-A947-70E740481C1C}">
+                <a14:useLocalDpi xmlns:a14="http://schemas.microsoft.com/office/drawing/2010/main" val="0"/>
+              </a:ext>
+            </a:extLst>
+          </a:blip>
+          <a:stretch>
+            <a:fillRect/>
+          </a:stretch>
+        </p:blipFill>
+        <p:spPr>
+          <a:xfrm>
+            <a:off x="72008" y="5985646"/>
+            <a:ext cx="2411760" cy="971746"/>
+          </a:xfrm>
+          <a:prstGeom prst="rect">
+            <a:avLst/>
+          </a:prstGeom>
+        </p:spPr>
+      </p:pic>
     </p:spTree>
     <p:extLst>
       <p:ext uri="{BB962C8B-B14F-4D97-AF65-F5344CB8AC3E}">

--- a/PRESENTASI.pptx
+++ b/PRESENTASI.pptx
@@ -5,19 +5,20 @@
     <p:sldMasterId id="2147483648" r:id="rId1"/>
   </p:sldMasterIdLst>
   <p:sldIdLst>
-    <p:sldId id="257" r:id="rId2"/>
-    <p:sldId id="269" r:id="rId3"/>
-    <p:sldId id="268" r:id="rId4"/>
-    <p:sldId id="271" r:id="rId5"/>
-    <p:sldId id="273" r:id="rId6"/>
-    <p:sldId id="260" r:id="rId7"/>
-    <p:sldId id="261" r:id="rId8"/>
-    <p:sldId id="263" r:id="rId9"/>
-    <p:sldId id="272" r:id="rId10"/>
-    <p:sldId id="270" r:id="rId11"/>
-    <p:sldId id="264" r:id="rId12"/>
-    <p:sldId id="266" r:id="rId13"/>
-    <p:sldId id="267" r:id="rId14"/>
+    <p:sldId id="274" r:id="rId2"/>
+    <p:sldId id="257" r:id="rId3"/>
+    <p:sldId id="269" r:id="rId4"/>
+    <p:sldId id="268" r:id="rId5"/>
+    <p:sldId id="271" r:id="rId6"/>
+    <p:sldId id="273" r:id="rId7"/>
+    <p:sldId id="260" r:id="rId8"/>
+    <p:sldId id="261" r:id="rId9"/>
+    <p:sldId id="263" r:id="rId10"/>
+    <p:sldId id="272" r:id="rId11"/>
+    <p:sldId id="270" r:id="rId12"/>
+    <p:sldId id="264" r:id="rId13"/>
+    <p:sldId id="266" r:id="rId14"/>
+    <p:sldId id="267" r:id="rId15"/>
   </p:sldIdLst>
   <p:sldSz cx="9144000" cy="6858000" type="screen4x3"/>
   <p:notesSz cx="6858000" cy="9144000"/>
@@ -3047,190 +3048,6 @@
           <a:chExt cx="0" cy="0"/>
         </a:xfrm>
       </p:grpSpPr>
-      <p:sp>
-        <p:nvSpPr>
-          <p:cNvPr id="2" name="Rechteck 1"/>
-          <p:cNvSpPr/>
-          <p:nvPr/>
-        </p:nvSpPr>
-        <p:spPr>
-          <a:xfrm>
-            <a:off x="2987824" y="3429000"/>
-            <a:ext cx="1728192" cy="523220"/>
-          </a:xfrm>
-          <a:prstGeom prst="rect">
-            <a:avLst/>
-          </a:prstGeom>
-        </p:spPr>
-        <p:txBody>
-          <a:bodyPr wrap="square">
-            <a:spAutoFit/>
-          </a:bodyPr>
-          <a:lstStyle/>
-          <a:p>
-            <a:r>
-              <a:rPr lang="de-DE" sz="2800" dirty="0" err="1" smtClean="0">
-                <a:latin typeface="Rockwell" panose="02060603020205020403" pitchFamily="18" charset="0"/>
-              </a:rPr>
-              <a:t>Hello</a:t>
-            </a:r>
-            <a:r>
-              <a:rPr lang="de-DE" sz="2800" dirty="0" smtClean="0">
-                <a:latin typeface="Rockwell" panose="02060603020205020403" pitchFamily="18" charset="0"/>
-              </a:rPr>
-              <a:t>!</a:t>
-            </a:r>
-            <a:endParaRPr lang="de-DE" sz="2800" dirty="0">
-              <a:latin typeface="Rockwell" panose="02060603020205020403" pitchFamily="18" charset="0"/>
-            </a:endParaRPr>
-          </a:p>
-        </p:txBody>
-      </p:sp>
-      <p:sp>
-        <p:nvSpPr>
-          <p:cNvPr id="3" name="Rechteck 2"/>
-          <p:cNvSpPr/>
-          <p:nvPr/>
-        </p:nvSpPr>
-        <p:spPr>
-          <a:xfrm>
-            <a:off x="0" y="0"/>
-            <a:ext cx="9144000" cy="3212976"/>
-          </a:xfrm>
-          <a:prstGeom prst="rect">
-            <a:avLst/>
-          </a:prstGeom>
-          <a:solidFill>
-            <a:srgbClr val="FF0000"/>
-          </a:solidFill>
-          <a:ln>
-            <a:noFill/>
-          </a:ln>
-        </p:spPr>
-        <p:style>
-          <a:lnRef idx="2">
-            <a:schemeClr val="accent1">
-              <a:shade val="50000"/>
-            </a:schemeClr>
-          </a:lnRef>
-          <a:fillRef idx="1">
-            <a:schemeClr val="accent1"/>
-          </a:fillRef>
-          <a:effectRef idx="0">
-            <a:schemeClr val="accent1"/>
-          </a:effectRef>
-          <a:fontRef idx="minor">
-            <a:schemeClr val="lt1"/>
-          </a:fontRef>
-        </p:style>
-        <p:txBody>
-          <a:bodyPr rtlCol="0" anchor="ctr"/>
-          <a:lstStyle/>
-          <a:p>
-            <a:pPr algn="ctr"/>
-            <a:endParaRPr lang="de-DE"/>
-          </a:p>
-        </p:txBody>
-      </p:sp>
-      <p:sp>
-        <p:nvSpPr>
-          <p:cNvPr id="4" name="Rechteck 3"/>
-          <p:cNvSpPr/>
-          <p:nvPr/>
-        </p:nvSpPr>
-        <p:spPr>
-          <a:xfrm>
-            <a:off x="4355976" y="4741786"/>
-            <a:ext cx="1728192" cy="830997"/>
-          </a:xfrm>
-          <a:prstGeom prst="rect">
-            <a:avLst/>
-          </a:prstGeom>
-        </p:spPr>
-        <p:txBody>
-          <a:bodyPr wrap="square">
-            <a:spAutoFit/>
-          </a:bodyPr>
-          <a:lstStyle/>
-          <a:p>
-            <a:r>
-              <a:rPr lang="de-DE" sz="4800" dirty="0" smtClean="0">
-                <a:latin typeface="Rockwell" panose="02060603020205020403" pitchFamily="18" charset="0"/>
-              </a:rPr>
-              <a:t>Halo!</a:t>
-            </a:r>
-            <a:endParaRPr lang="de-DE" sz="3200" dirty="0">
-              <a:latin typeface="Rockwell" panose="02060603020205020403" pitchFamily="18" charset="0"/>
-            </a:endParaRPr>
-          </a:p>
-        </p:txBody>
-      </p:sp>
-      <p:sp>
-        <p:nvSpPr>
-          <p:cNvPr id="5" name="Rechteck 4"/>
-          <p:cNvSpPr/>
-          <p:nvPr/>
-        </p:nvSpPr>
-        <p:spPr>
-          <a:xfrm>
-            <a:off x="4499992" y="3801234"/>
-            <a:ext cx="1728192" cy="707886"/>
-          </a:xfrm>
-          <a:prstGeom prst="rect">
-            <a:avLst/>
-          </a:prstGeom>
-        </p:spPr>
-        <p:txBody>
-          <a:bodyPr wrap="square">
-            <a:spAutoFit/>
-          </a:bodyPr>
-          <a:lstStyle/>
-          <a:p>
-            <a:r>
-              <a:rPr lang="de-DE" sz="4000" dirty="0" smtClean="0">
-                <a:latin typeface="Rockwell" panose="02060603020205020403" pitchFamily="18" charset="0"/>
-              </a:rPr>
-              <a:t>Ola!</a:t>
-            </a:r>
-            <a:endParaRPr lang="de-DE" sz="4000" dirty="0">
-              <a:latin typeface="Rockwell" panose="02060603020205020403" pitchFamily="18" charset="0"/>
-            </a:endParaRPr>
-          </a:p>
-        </p:txBody>
-      </p:sp>
-      <p:sp>
-        <p:nvSpPr>
-          <p:cNvPr id="6" name="Rechteck 5"/>
-          <p:cNvSpPr/>
-          <p:nvPr/>
-        </p:nvSpPr>
-        <p:spPr>
-          <a:xfrm>
-            <a:off x="2915816" y="4149080"/>
-            <a:ext cx="1728192" cy="830997"/>
-          </a:xfrm>
-          <a:prstGeom prst="rect">
-            <a:avLst/>
-          </a:prstGeom>
-        </p:spPr>
-        <p:txBody>
-          <a:bodyPr wrap="square">
-            <a:spAutoFit/>
-          </a:bodyPr>
-          <a:lstStyle/>
-          <a:p>
-            <a:r>
-              <a:rPr lang="de-DE" sz="4800" dirty="0" smtClean="0">
-                <a:latin typeface="Rockwell" panose="02060603020205020403" pitchFamily="18" charset="0"/>
-              </a:rPr>
-              <a:t>Hei!</a:t>
-            </a:r>
-            <a:endParaRPr lang="de-DE" sz="3200" dirty="0">
-              <a:latin typeface="Rockwell" panose="02060603020205020403" pitchFamily="18" charset="0"/>
-            </a:endParaRPr>
-          </a:p>
-        </p:txBody>
-      </p:sp>
       <p:pic>
         <p:nvPicPr>
           <p:cNvPr id="7" name="Grafik 6"/>
@@ -3263,14 +3080,14 @@
       </p:pic>
       <p:pic>
         <p:nvPicPr>
-          <p:cNvPr id="8" name="Grafik 7"/>
+          <p:cNvPr id="10" name="Picture 9" descr="logo.png"/>
           <p:cNvPicPr>
             <a:picLocks noChangeAspect="1"/>
           </p:cNvPicPr>
           <p:nvPr/>
         </p:nvPicPr>
         <p:blipFill>
-          <a:blip r:embed="rId3">
+          <a:blip r:embed="rId3" cstate="print">
             <a:extLst>
               <a:ext uri="{28A0092B-C50C-407E-A947-70E740481C1C}">
                 <a14:useLocalDpi xmlns:a14="http://schemas.microsoft.com/office/drawing/2010/main" val="0"/>
@@ -3283,38 +3100,8 @@
         </p:blipFill>
         <p:spPr>
           <a:xfrm>
-            <a:off x="797871" y="-99392"/>
-            <a:ext cx="7662561" cy="3672408"/>
-          </a:xfrm>
-          <a:prstGeom prst="rect">
-            <a:avLst/>
-          </a:prstGeom>
-        </p:spPr>
-      </p:pic>
-      <p:pic>
-        <p:nvPicPr>
-          <p:cNvPr id="9" name="Picture 8" descr="logo.png"/>
-          <p:cNvPicPr>
-            <a:picLocks noChangeAspect="1"/>
-          </p:cNvPicPr>
-          <p:nvPr/>
-        </p:nvPicPr>
-        <p:blipFill>
-          <a:blip r:embed="rId4" cstate="print">
-            <a:extLst>
-              <a:ext uri="{28A0092B-C50C-407E-A947-70E740481C1C}">
-                <a14:useLocalDpi xmlns:a14="http://schemas.microsoft.com/office/drawing/2010/main" val="0"/>
-              </a:ext>
-            </a:extLst>
-          </a:blip>
-          <a:stretch>
-            <a:fillRect/>
-          </a:stretch>
-        </p:blipFill>
-        <p:spPr>
-          <a:xfrm>
-            <a:off x="72008" y="5985646"/>
-            <a:ext cx="2411760" cy="971746"/>
+            <a:off x="0" y="1340702"/>
+            <a:ext cx="9144000" cy="3684298"/>
           </a:xfrm>
           <a:prstGeom prst="rect">
             <a:avLst/>
@@ -3324,7 +3111,7 @@
     </p:spTree>
     <p:extLst>
       <p:ext uri="{BB962C8B-B14F-4D97-AF65-F5344CB8AC3E}">
-        <p14:creationId xmlns:p14="http://schemas.microsoft.com/office/powerpoint/2010/main" val="2216147916"/>
+        <p14:creationId xmlns:p14="http://schemas.microsoft.com/office/powerpoint/2010/main" val="414553880"/>
       </p:ext>
     </p:extLst>
   </p:cSld>
@@ -3434,7 +3221,7 @@
                 <a:latin typeface="Rockwell" panose="02060603020205020403" pitchFamily="18" charset="0"/>
                 <a:ea typeface="Roboto Light" panose="02000000000000000000" pitchFamily="2" charset="0"/>
               </a:rPr>
-              <a:t>IMPLEMENTASI</a:t>
+              <a:t>MOCK-UP</a:t>
             </a:r>
             <a:endParaRPr lang="de-DE" sz="2400" b="1" dirty="0">
               <a:solidFill>
@@ -3478,14 +3265,14 @@
       </p:pic>
       <p:sp>
         <p:nvSpPr>
-          <p:cNvPr id="5" name="Textfeld 3"/>
+          <p:cNvPr id="5" name="Textfeld 5"/>
           <p:cNvSpPr txBox="1"/>
           <p:nvPr/>
         </p:nvSpPr>
         <p:spPr>
           <a:xfrm>
-            <a:off x="611560" y="1412776"/>
-            <a:ext cx="7920880" cy="1200328"/>
+            <a:off x="1115616" y="1196752"/>
+            <a:ext cx="6208494" cy="2800767"/>
           </a:xfrm>
           <a:prstGeom prst="rect">
             <a:avLst/>
@@ -3497,6 +3284,14 @@
             <a:spAutoFit/>
           </a:bodyPr>
           <a:lstStyle/>
+          <a:p>
+            <a:r>
+              <a:rPr lang="de-DE" sz="2400" dirty="0" smtClean="0">
+                <a:latin typeface="Rockwell" panose="02060603020205020403" pitchFamily="18" charset="0"/>
+              </a:rPr>
+              <a:t>Warehouse</a:t>
+            </a:r>
+          </a:p>
           <a:p>
             <a:pPr marL="285750" indent="-285750">
               <a:buFont typeface="Arial" panose="020B0604020202020204" pitchFamily="34" charset="0"/>
@@ -3506,59 +3301,26 @@
               <a:rPr lang="de-DE" sz="2400" dirty="0" err="1" smtClean="0">
                 <a:latin typeface="Rockwell" panose="02060603020205020403" pitchFamily="18" charset="0"/>
               </a:rPr>
-              <a:t>Ketersiadaan</a:t>
+              <a:t>Inbound</a:t>
             </a:r>
             <a:r>
               <a:rPr lang="de-DE" sz="2400" dirty="0" smtClean="0">
                 <a:latin typeface="Rockwell" panose="02060603020205020403" pitchFamily="18" charset="0"/>
               </a:rPr>
-              <a:t> </a:t>
+              <a:t>    -&gt; </a:t>
             </a:r>
             <a:r>
               <a:rPr lang="de-DE" sz="2400" dirty="0" err="1" smtClean="0">
                 <a:latin typeface="Rockwell" panose="02060603020205020403" pitchFamily="18" charset="0"/>
               </a:rPr>
-              <a:t>pangan</a:t>
+              <a:t>Packing</a:t>
             </a:r>
             <a:r>
               <a:rPr lang="de-DE" sz="2400" dirty="0" smtClean="0">
                 <a:latin typeface="Rockwell" panose="02060603020205020403" pitchFamily="18" charset="0"/>
               </a:rPr>
-              <a:t> – terminal </a:t>
-            </a:r>
-            <a:r>
-              <a:rPr lang="de-DE" sz="2400" dirty="0" err="1" smtClean="0">
-                <a:latin typeface="Rockwell" panose="02060603020205020403" pitchFamily="18" charset="0"/>
-              </a:rPr>
-              <a:t>utk</a:t>
-            </a:r>
-            <a:r>
-              <a:rPr lang="de-DE" sz="2400" dirty="0" smtClean="0">
-                <a:latin typeface="Rockwell" panose="02060603020205020403" pitchFamily="18" charset="0"/>
-              </a:rPr>
-              <a:t> web </a:t>
-            </a:r>
-            <a:r>
-              <a:rPr lang="de-DE" sz="2400" dirty="0" err="1" smtClean="0">
-                <a:latin typeface="Rockwell" panose="02060603020205020403" pitchFamily="18" charset="0"/>
-              </a:rPr>
-              <a:t>based</a:t>
-            </a:r>
-            <a:r>
-              <a:rPr lang="de-DE" sz="2400" dirty="0" smtClean="0">
-                <a:latin typeface="Rockwell" panose="02060603020205020403" pitchFamily="18" charset="0"/>
-              </a:rPr>
-              <a:t> </a:t>
-            </a:r>
-            <a:r>
-              <a:rPr lang="de-DE" sz="2400" dirty="0" err="1" smtClean="0">
-                <a:latin typeface="Rockwell" panose="02060603020205020403" pitchFamily="18" charset="0"/>
-              </a:rPr>
-              <a:t>app</a:t>
-            </a:r>
-            <a:endParaRPr lang="de-DE" sz="2400" dirty="0" smtClean="0">
-              <a:latin typeface="Rockwell" panose="02060603020205020403" pitchFamily="18" charset="0"/>
-            </a:endParaRPr>
+              <a:t> List</a:t>
+            </a:r>
           </a:p>
           <a:p>
             <a:pPr marL="285750" indent="-285750">
@@ -3569,49 +3331,25 @@
               <a:rPr lang="de-DE" sz="2400" dirty="0" err="1" smtClean="0">
                 <a:latin typeface="Rockwell" panose="02060603020205020403" pitchFamily="18" charset="0"/>
               </a:rPr>
-              <a:t>Pelacakan</a:t>
+              <a:t>Outbound</a:t>
             </a:r>
             <a:r>
               <a:rPr lang="de-DE" sz="2400" dirty="0" smtClean="0">
                 <a:latin typeface="Rockwell" panose="02060603020205020403" pitchFamily="18" charset="0"/>
               </a:rPr>
-              <a:t> </a:t>
+              <a:t> -&gt; </a:t>
             </a:r>
             <a:r>
               <a:rPr lang="de-DE" sz="2400" dirty="0" err="1" smtClean="0">
                 <a:latin typeface="Rockwell" panose="02060603020205020403" pitchFamily="18" charset="0"/>
               </a:rPr>
-              <a:t>transportasi</a:t>
+              <a:t>Delivery</a:t>
             </a:r>
             <a:r>
               <a:rPr lang="de-DE" sz="2400" dirty="0" smtClean="0">
                 <a:latin typeface="Rockwell" panose="02060603020205020403" pitchFamily="18" charset="0"/>
               </a:rPr>
-              <a:t> – </a:t>
-            </a:r>
-            <a:r>
-              <a:rPr lang="de-DE" sz="2400" dirty="0" err="1" smtClean="0">
-                <a:latin typeface="Rockwell" panose="02060603020205020403" pitchFamily="18" charset="0"/>
-              </a:rPr>
-              <a:t>IoT</a:t>
-            </a:r>
-            <a:r>
-              <a:rPr lang="de-DE" sz="2400" dirty="0" smtClean="0">
-                <a:latin typeface="Rockwell" panose="02060603020205020403" pitchFamily="18" charset="0"/>
-              </a:rPr>
-              <a:t> </a:t>
-            </a:r>
-            <a:r>
-              <a:rPr lang="de-DE" sz="2400" dirty="0" err="1" smtClean="0">
-                <a:latin typeface="Rockwell" panose="02060603020205020403" pitchFamily="18" charset="0"/>
-              </a:rPr>
-              <a:t>Raspberry</a:t>
-            </a:r>
-            <a:r>
-              <a:rPr lang="de-DE" sz="2400" dirty="0" smtClean="0">
-                <a:latin typeface="Rockwell" panose="02060603020205020403" pitchFamily="18" charset="0"/>
-              </a:rPr>
-              <a:t> Pi</a:t>
+              <a:t> Note</a:t>
             </a:r>
           </a:p>
           <a:p>
@@ -3620,60 +3358,104 @@
               <a:buChar char="•"/>
             </a:pPr>
             <a:r>
+              <a:rPr lang="de-DE" sz="2400" dirty="0" smtClean="0">
+                <a:latin typeface="Rockwell" panose="02060603020205020403" pitchFamily="18" charset="0"/>
+              </a:rPr>
+              <a:t>Stock Take</a:t>
+            </a:r>
+          </a:p>
+          <a:p>
+            <a:pPr marL="285750" indent="-285750">
+              <a:buFont typeface="Arial" panose="020B0604020202020204" pitchFamily="34" charset="0"/>
+              <a:buChar char="•"/>
+            </a:pPr>
+            <a:r>
+              <a:rPr lang="de-DE" sz="2400" dirty="0" smtClean="0">
+                <a:latin typeface="Rockwell" panose="02060603020205020403" pitchFamily="18" charset="0"/>
+              </a:rPr>
+              <a:t>Area -&gt; Bin Location</a:t>
+            </a:r>
+          </a:p>
+          <a:p>
+            <a:pPr marL="285750" indent="-285750">
+              <a:buFont typeface="Arial" panose="020B0604020202020204" pitchFamily="34" charset="0"/>
+              <a:buChar char="•"/>
+            </a:pPr>
+            <a:r>
               <a:rPr lang="de-DE" sz="2400" dirty="0" err="1" smtClean="0">
                 <a:latin typeface="Rockwell" panose="02060603020205020403" pitchFamily="18" charset="0"/>
               </a:rPr>
-              <a:t>Laporan</a:t>
+              <a:t>Conversion</a:t>
             </a:r>
             <a:r>
               <a:rPr lang="de-DE" sz="2400" dirty="0" smtClean="0">
                 <a:latin typeface="Rockwell" panose="02060603020205020403" pitchFamily="18" charset="0"/>
               </a:rPr>
-              <a:t> </a:t>
-            </a:r>
-            <a:r>
-              <a:rPr lang="de-DE" sz="2400" dirty="0" err="1" smtClean="0">
-                <a:latin typeface="Rockwell" panose="02060603020205020403" pitchFamily="18" charset="0"/>
-              </a:rPr>
-              <a:t>anomali</a:t>
-            </a:r>
+              <a:t> Tools</a:t>
+            </a:r>
+          </a:p>
+          <a:p>
+            <a:endParaRPr lang="de-DE" sz="1400" dirty="0" smtClean="0">
+              <a:latin typeface="Rockwell" panose="02060603020205020403" pitchFamily="18" charset="0"/>
+            </a:endParaRPr>
+          </a:p>
+          <a:p>
+            <a:endParaRPr lang="de-DE" sz="1400" dirty="0"/>
+          </a:p>
+        </p:txBody>
+      </p:sp>
+      <p:sp>
+        <p:nvSpPr>
+          <p:cNvPr id="8" name="Textfeld 5"/>
+          <p:cNvSpPr txBox="1"/>
+          <p:nvPr/>
+        </p:nvSpPr>
+        <p:spPr>
+          <a:xfrm>
+            <a:off x="1115616" y="3861048"/>
+            <a:ext cx="6624736" cy="1077218"/>
+          </a:xfrm>
+          <a:prstGeom prst="rect">
+            <a:avLst/>
+          </a:prstGeom>
+          <a:noFill/>
+        </p:spPr>
+        <p:txBody>
+          <a:bodyPr wrap="square" rtlCol="0">
+            <a:spAutoFit/>
+          </a:bodyPr>
+          <a:lstStyle/>
+          <a:p>
             <a:r>
               <a:rPr lang="de-DE" sz="2400" dirty="0" smtClean="0">
                 <a:latin typeface="Rockwell" panose="02060603020205020403" pitchFamily="18" charset="0"/>
               </a:rPr>
-              <a:t> – </a:t>
-            </a:r>
-            <a:r>
-              <a:rPr lang="de-DE" sz="2400" dirty="0" err="1" smtClean="0">
-                <a:latin typeface="Rockwell" panose="02060603020205020403" pitchFamily="18" charset="0"/>
-              </a:rPr>
-              <a:t>kolaborasi</a:t>
-            </a:r>
+              <a:t>Transportation</a:t>
+            </a:r>
+          </a:p>
+          <a:p>
+            <a:pPr marL="285750" indent="-285750">
+              <a:buFont typeface="Arial" panose="020B0604020202020204" pitchFamily="34" charset="0"/>
+              <a:buChar char="•"/>
+            </a:pPr>
             <a:r>
               <a:rPr lang="de-DE" sz="2400" dirty="0" smtClean="0">
                 <a:latin typeface="Rockwell" panose="02060603020205020403" pitchFamily="18" charset="0"/>
               </a:rPr>
-              <a:t> </a:t>
-            </a:r>
-            <a:r>
-              <a:rPr lang="de-DE" sz="2400" dirty="0" err="1" smtClean="0">
-                <a:latin typeface="Rockwell" panose="02060603020205020403" pitchFamily="18" charset="0"/>
-              </a:rPr>
-              <a:t>berbasis</a:t>
-            </a:r>
-            <a:r>
-              <a:rPr lang="de-DE" sz="2400" dirty="0" smtClean="0">
-                <a:latin typeface="Rockwell" panose="02060603020205020403" pitchFamily="18" charset="0"/>
-              </a:rPr>
-              <a:t> SMS</a:t>
-            </a:r>
+              <a:t>Movement -&gt; Armada/3rd Party</a:t>
+            </a:r>
+            <a:endParaRPr lang="de-DE" sz="1400" dirty="0" smtClean="0">
+              <a:latin typeface="Rockwell" panose="02060603020205020403" pitchFamily="18" charset="0"/>
+            </a:endParaRPr>
+          </a:p>
+          <a:p>
             <a:endParaRPr lang="de-DE" sz="1400" dirty="0"/>
           </a:p>
         </p:txBody>
       </p:sp>
       <p:pic>
         <p:nvPicPr>
-          <p:cNvPr id="8" name="Picture 7" descr="logo.png"/>
+          <p:cNvPr id="9" name="Picture 8" descr="logo.png"/>
           <p:cNvPicPr>
             <a:picLocks noChangeAspect="1"/>
           </p:cNvPicPr>
@@ -3704,7 +3486,7 @@
     </p:spTree>
     <p:extLst>
       <p:ext uri="{BB962C8B-B14F-4D97-AF65-F5344CB8AC3E}">
-        <p14:creationId xmlns:p14="http://schemas.microsoft.com/office/powerpoint/2010/main" val="1450565187"/>
+        <p14:creationId xmlns:p14="http://schemas.microsoft.com/office/powerpoint/2010/main" val="4252694950"/>
       </p:ext>
     </p:extLst>
   </p:cSld>
@@ -3814,7 +3596,7 @@
                 <a:latin typeface="Rockwell" panose="02060603020205020403" pitchFamily="18" charset="0"/>
                 <a:ea typeface="Roboto Light" panose="02000000000000000000" pitchFamily="2" charset="0"/>
               </a:rPr>
-              <a:t>REPO</a:t>
+              <a:t>IMPLEMENTASI</a:t>
             </a:r>
             <a:endParaRPr lang="de-DE" sz="2400" b="1" dirty="0">
               <a:solidFill>
@@ -3822,142 +3604,6 @@
               </a:solidFill>
               <a:latin typeface="Rockwell" panose="02060603020205020403" pitchFamily="18" charset="0"/>
               <a:ea typeface="Roboto Light" panose="02000000000000000000" pitchFamily="2" charset="0"/>
-            </a:endParaRPr>
-          </a:p>
-        </p:txBody>
-      </p:sp>
-      <p:sp>
-        <p:nvSpPr>
-          <p:cNvPr id="4" name="Textfeld 3"/>
-          <p:cNvSpPr txBox="1"/>
-          <p:nvPr/>
-        </p:nvSpPr>
-        <p:spPr>
-          <a:xfrm>
-            <a:off x="1459850" y="1965608"/>
-            <a:ext cx="6208494" cy="2062103"/>
-          </a:xfrm>
-          <a:prstGeom prst="rect">
-            <a:avLst/>
-          </a:prstGeom>
-          <a:noFill/>
-        </p:spPr>
-        <p:txBody>
-          <a:bodyPr wrap="square" rtlCol="0">
-            <a:spAutoFit/>
-          </a:bodyPr>
-          <a:lstStyle/>
-          <a:p>
-            <a:pPr marL="285750" indent="-285750">
-              <a:buFont typeface="Arial" panose="020B0604020202020204" pitchFamily="34" charset="0"/>
-              <a:buChar char="•"/>
-            </a:pPr>
-            <a:r>
-              <a:rPr lang="de-DE" sz="3200" dirty="0" smtClean="0">
-                <a:latin typeface="Rockwell" panose="02060603020205020403" pitchFamily="18" charset="0"/>
-              </a:rPr>
-              <a:t>/</a:t>
-            </a:r>
-            <a:r>
-              <a:rPr lang="de-DE" sz="3200" dirty="0" err="1" smtClean="0">
-                <a:latin typeface="Rockwell" panose="02060603020205020403" pitchFamily="18" charset="0"/>
-              </a:rPr>
-              <a:t>hai</a:t>
-            </a:r>
-            <a:endParaRPr lang="de-DE" sz="3200" dirty="0" smtClean="0">
-              <a:latin typeface="Rockwell" panose="02060603020205020403" pitchFamily="18" charset="0"/>
-            </a:endParaRPr>
-          </a:p>
-          <a:p>
-            <a:pPr marL="285750" indent="-285750">
-              <a:buFont typeface="Arial" panose="020B0604020202020204" pitchFamily="34" charset="0"/>
-              <a:buChar char="•"/>
-            </a:pPr>
-            <a:r>
-              <a:rPr lang="de-DE" sz="3200" dirty="0" smtClean="0">
-                <a:latin typeface="Rockwell" panose="02060603020205020403" pitchFamily="18" charset="0"/>
-              </a:rPr>
-              <a:t>/hai-area</a:t>
-            </a:r>
-          </a:p>
-          <a:p>
-            <a:pPr marL="285750" indent="-285750">
-              <a:buFont typeface="Arial" panose="020B0604020202020204" pitchFamily="34" charset="0"/>
-              <a:buChar char="•"/>
-            </a:pPr>
-            <a:r>
-              <a:rPr lang="de-DE" sz="3200" dirty="0" smtClean="0">
-                <a:latin typeface="Rockwell" panose="02060603020205020403" pitchFamily="18" charset="0"/>
-              </a:rPr>
-              <a:t>/hai-</a:t>
-            </a:r>
-            <a:r>
-              <a:rPr lang="de-DE" sz="3200" dirty="0" err="1" smtClean="0">
-                <a:latin typeface="Rockwell" panose="02060603020205020403" pitchFamily="18" charset="0"/>
-              </a:rPr>
-              <a:t>civil</a:t>
-            </a:r>
-            <a:endParaRPr lang="de-DE" sz="3200" dirty="0" smtClean="0">
-              <a:latin typeface="Rockwell" panose="02060603020205020403" pitchFamily="18" charset="0"/>
-            </a:endParaRPr>
-          </a:p>
-          <a:p>
-            <a:pPr marL="285750" indent="-285750">
-              <a:buFont typeface="Arial" panose="020B0604020202020204" pitchFamily="34" charset="0"/>
-              <a:buChar char="•"/>
-            </a:pPr>
-            <a:r>
-              <a:rPr lang="de-DE" sz="3200" dirty="0">
-                <a:latin typeface="Rockwell" panose="02060603020205020403" pitchFamily="18" charset="0"/>
-              </a:rPr>
-              <a:t>/</a:t>
-            </a:r>
-            <a:r>
-              <a:rPr lang="de-DE" sz="3200" dirty="0" smtClean="0">
-                <a:latin typeface="Rockwell" panose="02060603020205020403" pitchFamily="18" charset="0"/>
-              </a:rPr>
-              <a:t>hai-</a:t>
-            </a:r>
-            <a:r>
-              <a:rPr lang="de-DE" sz="3200" dirty="0" err="1" smtClean="0">
-                <a:latin typeface="Rockwell" panose="02060603020205020403" pitchFamily="18" charset="0"/>
-              </a:rPr>
-              <a:t>dms</a:t>
-            </a:r>
-            <a:endParaRPr lang="de-DE" dirty="0"/>
-          </a:p>
-        </p:txBody>
-      </p:sp>
-      <p:sp>
-        <p:nvSpPr>
-          <p:cNvPr id="5" name="Rechteck 4"/>
-          <p:cNvSpPr/>
-          <p:nvPr/>
-        </p:nvSpPr>
-        <p:spPr>
-          <a:xfrm>
-            <a:off x="899592" y="1116033"/>
-            <a:ext cx="7272808" cy="584775"/>
-          </a:xfrm>
-          <a:prstGeom prst="rect">
-            <a:avLst/>
-          </a:prstGeom>
-        </p:spPr>
-        <p:txBody>
-          <a:bodyPr wrap="square">
-            <a:spAutoFit/>
-          </a:bodyPr>
-          <a:lstStyle/>
-          <a:p>
-            <a:pPr algn="ctr"/>
-            <a:r>
-              <a:rPr lang="de-DE" sz="3200" dirty="0" smtClean="0">
-                <a:latin typeface="Rockwell" panose="02060603020205020403" pitchFamily="18" charset="0"/>
-              </a:rPr>
-              <a:t>http://github.com/aryonp</a:t>
-            </a:r>
-            <a:endParaRPr lang="de-DE" sz="3200" dirty="0">
-              <a:latin typeface="Rockwell" panose="02060603020205020403" pitchFamily="18" charset="0"/>
             </a:endParaRPr>
           </a:p>
         </p:txBody>
@@ -3992,6 +3638,201 @@
           </a:prstGeom>
         </p:spPr>
       </p:pic>
+      <p:sp>
+        <p:nvSpPr>
+          <p:cNvPr id="5" name="Textfeld 3"/>
+          <p:cNvSpPr txBox="1"/>
+          <p:nvPr/>
+        </p:nvSpPr>
+        <p:spPr>
+          <a:xfrm>
+            <a:off x="611560" y="1412776"/>
+            <a:ext cx="7920880" cy="1200328"/>
+          </a:xfrm>
+          <a:prstGeom prst="rect">
+            <a:avLst/>
+          </a:prstGeom>
+          <a:noFill/>
+        </p:spPr>
+        <p:txBody>
+          <a:bodyPr wrap="square" rtlCol="0">
+            <a:spAutoFit/>
+          </a:bodyPr>
+          <a:lstStyle/>
+          <a:p>
+            <a:pPr marL="285750" indent="-285750">
+              <a:buFont typeface="Arial" panose="020B0604020202020204" pitchFamily="34" charset="0"/>
+              <a:buChar char="•"/>
+            </a:pPr>
+            <a:r>
+              <a:rPr lang="de-DE" sz="2400" dirty="0" err="1" smtClean="0">
+                <a:latin typeface="Rockwell" panose="02060603020205020403" pitchFamily="18" charset="0"/>
+              </a:rPr>
+              <a:t>Ketersiadaan</a:t>
+            </a:r>
+            <a:r>
+              <a:rPr lang="de-DE" sz="2400" dirty="0" smtClean="0">
+                <a:latin typeface="Rockwell" panose="02060603020205020403" pitchFamily="18" charset="0"/>
+              </a:rPr>
+              <a:t> </a:t>
+            </a:r>
+            <a:r>
+              <a:rPr lang="de-DE" sz="2400" dirty="0" err="1" smtClean="0">
+                <a:latin typeface="Rockwell" panose="02060603020205020403" pitchFamily="18" charset="0"/>
+              </a:rPr>
+              <a:t>pangan</a:t>
+            </a:r>
+            <a:r>
+              <a:rPr lang="de-DE" sz="2400" dirty="0" smtClean="0">
+                <a:latin typeface="Rockwell" panose="02060603020205020403" pitchFamily="18" charset="0"/>
+              </a:rPr>
+              <a:t> – terminal </a:t>
+            </a:r>
+            <a:r>
+              <a:rPr lang="de-DE" sz="2400" dirty="0" err="1" smtClean="0">
+                <a:latin typeface="Rockwell" panose="02060603020205020403" pitchFamily="18" charset="0"/>
+              </a:rPr>
+              <a:t>utk</a:t>
+            </a:r>
+            <a:r>
+              <a:rPr lang="de-DE" sz="2400" dirty="0" smtClean="0">
+                <a:latin typeface="Rockwell" panose="02060603020205020403" pitchFamily="18" charset="0"/>
+              </a:rPr>
+              <a:t> web </a:t>
+            </a:r>
+            <a:r>
+              <a:rPr lang="de-DE" sz="2400" dirty="0" err="1" smtClean="0">
+                <a:latin typeface="Rockwell" panose="02060603020205020403" pitchFamily="18" charset="0"/>
+              </a:rPr>
+              <a:t>based</a:t>
+            </a:r>
+            <a:r>
+              <a:rPr lang="de-DE" sz="2400" dirty="0" smtClean="0">
+                <a:latin typeface="Rockwell" panose="02060603020205020403" pitchFamily="18" charset="0"/>
+              </a:rPr>
+              <a:t> </a:t>
+            </a:r>
+            <a:r>
+              <a:rPr lang="de-DE" sz="2400" dirty="0" err="1" smtClean="0">
+                <a:latin typeface="Rockwell" panose="02060603020205020403" pitchFamily="18" charset="0"/>
+              </a:rPr>
+              <a:t>app</a:t>
+            </a:r>
+            <a:endParaRPr lang="de-DE" sz="2400" dirty="0" smtClean="0">
+              <a:latin typeface="Rockwell" panose="02060603020205020403" pitchFamily="18" charset="0"/>
+            </a:endParaRPr>
+          </a:p>
+          <a:p>
+            <a:pPr marL="285750" indent="-285750">
+              <a:buFont typeface="Arial" panose="020B0604020202020204" pitchFamily="34" charset="0"/>
+              <a:buChar char="•"/>
+            </a:pPr>
+            <a:r>
+              <a:rPr lang="de-DE" sz="2400" dirty="0" err="1" smtClean="0">
+                <a:latin typeface="Rockwell" panose="02060603020205020403" pitchFamily="18" charset="0"/>
+              </a:rPr>
+              <a:t>Pelacakan</a:t>
+            </a:r>
+            <a:r>
+              <a:rPr lang="de-DE" sz="2400" dirty="0" smtClean="0">
+                <a:latin typeface="Rockwell" panose="02060603020205020403" pitchFamily="18" charset="0"/>
+              </a:rPr>
+              <a:t> </a:t>
+            </a:r>
+            <a:r>
+              <a:rPr lang="de-DE" sz="2400" dirty="0" err="1" smtClean="0">
+                <a:latin typeface="Rockwell" panose="02060603020205020403" pitchFamily="18" charset="0"/>
+              </a:rPr>
+              <a:t>transportasi</a:t>
+            </a:r>
+            <a:r>
+              <a:rPr lang="de-DE" sz="2400" dirty="0" smtClean="0">
+                <a:latin typeface="Rockwell" panose="02060603020205020403" pitchFamily="18" charset="0"/>
+              </a:rPr>
+              <a:t> – </a:t>
+            </a:r>
+            <a:r>
+              <a:rPr lang="de-DE" sz="2400" dirty="0" err="1" smtClean="0">
+                <a:latin typeface="Rockwell" panose="02060603020205020403" pitchFamily="18" charset="0"/>
+              </a:rPr>
+              <a:t>IoT</a:t>
+            </a:r>
+            <a:r>
+              <a:rPr lang="de-DE" sz="2400" dirty="0" smtClean="0">
+                <a:latin typeface="Rockwell" panose="02060603020205020403" pitchFamily="18" charset="0"/>
+              </a:rPr>
+              <a:t> </a:t>
+            </a:r>
+            <a:r>
+              <a:rPr lang="de-DE" sz="2400" dirty="0" err="1" smtClean="0">
+                <a:latin typeface="Rockwell" panose="02060603020205020403" pitchFamily="18" charset="0"/>
+              </a:rPr>
+              <a:t>Raspberry</a:t>
+            </a:r>
+            <a:r>
+              <a:rPr lang="de-DE" sz="2400" dirty="0" smtClean="0">
+                <a:latin typeface="Rockwell" panose="02060603020205020403" pitchFamily="18" charset="0"/>
+              </a:rPr>
+              <a:t> Pi</a:t>
+            </a:r>
+          </a:p>
+          <a:p>
+            <a:pPr marL="285750" indent="-285750">
+              <a:buFont typeface="Arial" panose="020B0604020202020204" pitchFamily="34" charset="0"/>
+              <a:buChar char="•"/>
+            </a:pPr>
+            <a:r>
+              <a:rPr lang="de-DE" sz="2400" dirty="0" err="1" smtClean="0">
+                <a:latin typeface="Rockwell" panose="02060603020205020403" pitchFamily="18" charset="0"/>
+              </a:rPr>
+              <a:t>Laporan</a:t>
+            </a:r>
+            <a:r>
+              <a:rPr lang="de-DE" sz="2400" dirty="0" smtClean="0">
+                <a:latin typeface="Rockwell" panose="02060603020205020403" pitchFamily="18" charset="0"/>
+              </a:rPr>
+              <a:t> </a:t>
+            </a:r>
+            <a:r>
+              <a:rPr lang="de-DE" sz="2400" dirty="0" err="1" smtClean="0">
+                <a:latin typeface="Rockwell" panose="02060603020205020403" pitchFamily="18" charset="0"/>
+              </a:rPr>
+              <a:t>anomali</a:t>
+            </a:r>
+            <a:r>
+              <a:rPr lang="de-DE" sz="2400" dirty="0" smtClean="0">
+                <a:latin typeface="Rockwell" panose="02060603020205020403" pitchFamily="18" charset="0"/>
+              </a:rPr>
+              <a:t> – </a:t>
+            </a:r>
+            <a:r>
+              <a:rPr lang="de-DE" sz="2400" dirty="0" err="1" smtClean="0">
+                <a:latin typeface="Rockwell" panose="02060603020205020403" pitchFamily="18" charset="0"/>
+              </a:rPr>
+              <a:t>kolaborasi</a:t>
+            </a:r>
+            <a:r>
+              <a:rPr lang="de-DE" sz="2400" dirty="0" smtClean="0">
+                <a:latin typeface="Rockwell" panose="02060603020205020403" pitchFamily="18" charset="0"/>
+              </a:rPr>
+              <a:t> </a:t>
+            </a:r>
+            <a:r>
+              <a:rPr lang="de-DE" sz="2400" dirty="0" err="1" smtClean="0">
+                <a:latin typeface="Rockwell" panose="02060603020205020403" pitchFamily="18" charset="0"/>
+              </a:rPr>
+              <a:t>berbasis</a:t>
+            </a:r>
+            <a:r>
+              <a:rPr lang="de-DE" sz="2400" dirty="0" smtClean="0">
+                <a:latin typeface="Rockwell" panose="02060603020205020403" pitchFamily="18" charset="0"/>
+              </a:rPr>
+              <a:t> SMS</a:t>
+            </a:r>
+            <a:endParaRPr lang="de-DE" sz="1400" dirty="0"/>
+          </a:p>
+        </p:txBody>
+      </p:sp>
       <p:pic>
         <p:nvPicPr>
           <p:cNvPr id="8" name="Picture 7" descr="logo.png"/>
@@ -4025,7 +3866,7 @@
     </p:spTree>
     <p:extLst>
       <p:ext uri="{BB962C8B-B14F-4D97-AF65-F5344CB8AC3E}">
-        <p14:creationId xmlns:p14="http://schemas.microsoft.com/office/powerpoint/2010/main" val="1320364062"/>
+        <p14:creationId xmlns:p14="http://schemas.microsoft.com/office/powerpoint/2010/main" val="1450565187"/>
       </p:ext>
     </p:extLst>
   </p:cSld>
@@ -4107,6 +3948,327 @@
       </p:sp>
       <p:sp>
         <p:nvSpPr>
+          <p:cNvPr id="7" name="Textfeld 6"/>
+          <p:cNvSpPr txBox="1"/>
+          <p:nvPr/>
+        </p:nvSpPr>
+        <p:spPr>
+          <a:xfrm>
+            <a:off x="251520" y="231031"/>
+            <a:ext cx="3600400" cy="461665"/>
+          </a:xfrm>
+          <a:prstGeom prst="rect">
+            <a:avLst/>
+          </a:prstGeom>
+          <a:noFill/>
+        </p:spPr>
+        <p:txBody>
+          <a:bodyPr wrap="square" rtlCol="0">
+            <a:spAutoFit/>
+          </a:bodyPr>
+          <a:lstStyle/>
+          <a:p>
+            <a:r>
+              <a:rPr lang="de-DE" sz="2400" b="1" dirty="0" smtClean="0">
+                <a:solidFill>
+                  <a:schemeClr val="bg1"/>
+                </a:solidFill>
+                <a:latin typeface="Rockwell" panose="02060603020205020403" pitchFamily="18" charset="0"/>
+                <a:ea typeface="Roboto Light" panose="02000000000000000000" pitchFamily="2" charset="0"/>
+              </a:rPr>
+              <a:t>REPO</a:t>
+            </a:r>
+            <a:endParaRPr lang="de-DE" sz="2400" b="1" dirty="0">
+              <a:solidFill>
+                <a:schemeClr val="bg1"/>
+              </a:solidFill>
+              <a:latin typeface="Rockwell" panose="02060603020205020403" pitchFamily="18" charset="0"/>
+              <a:ea typeface="Roboto Light" panose="02000000000000000000" pitchFamily="2" charset="0"/>
+            </a:endParaRPr>
+          </a:p>
+        </p:txBody>
+      </p:sp>
+      <p:sp>
+        <p:nvSpPr>
+          <p:cNvPr id="4" name="Textfeld 3"/>
+          <p:cNvSpPr txBox="1"/>
+          <p:nvPr/>
+        </p:nvSpPr>
+        <p:spPr>
+          <a:xfrm>
+            <a:off x="1459850" y="1965608"/>
+            <a:ext cx="6208494" cy="2062103"/>
+          </a:xfrm>
+          <a:prstGeom prst="rect">
+            <a:avLst/>
+          </a:prstGeom>
+          <a:noFill/>
+        </p:spPr>
+        <p:txBody>
+          <a:bodyPr wrap="square" rtlCol="0">
+            <a:spAutoFit/>
+          </a:bodyPr>
+          <a:lstStyle/>
+          <a:p>
+            <a:pPr marL="285750" indent="-285750">
+              <a:buFont typeface="Arial" panose="020B0604020202020204" pitchFamily="34" charset="0"/>
+              <a:buChar char="•"/>
+            </a:pPr>
+            <a:r>
+              <a:rPr lang="de-DE" sz="3200" dirty="0" smtClean="0">
+                <a:latin typeface="Rockwell" panose="02060603020205020403" pitchFamily="18" charset="0"/>
+              </a:rPr>
+              <a:t>/</a:t>
+            </a:r>
+            <a:r>
+              <a:rPr lang="de-DE" sz="3200" dirty="0" err="1" smtClean="0">
+                <a:latin typeface="Rockwell" panose="02060603020205020403" pitchFamily="18" charset="0"/>
+              </a:rPr>
+              <a:t>hai</a:t>
+            </a:r>
+            <a:endParaRPr lang="de-DE" sz="3200" dirty="0" smtClean="0">
+              <a:latin typeface="Rockwell" panose="02060603020205020403" pitchFamily="18" charset="0"/>
+            </a:endParaRPr>
+          </a:p>
+          <a:p>
+            <a:pPr marL="285750" indent="-285750">
+              <a:buFont typeface="Arial" panose="020B0604020202020204" pitchFamily="34" charset="0"/>
+              <a:buChar char="•"/>
+            </a:pPr>
+            <a:r>
+              <a:rPr lang="de-DE" sz="3200" dirty="0" smtClean="0">
+                <a:latin typeface="Rockwell" panose="02060603020205020403" pitchFamily="18" charset="0"/>
+              </a:rPr>
+              <a:t>/hai-area</a:t>
+            </a:r>
+          </a:p>
+          <a:p>
+            <a:pPr marL="285750" indent="-285750">
+              <a:buFont typeface="Arial" panose="020B0604020202020204" pitchFamily="34" charset="0"/>
+              <a:buChar char="•"/>
+            </a:pPr>
+            <a:r>
+              <a:rPr lang="de-DE" sz="3200" dirty="0" smtClean="0">
+                <a:latin typeface="Rockwell" panose="02060603020205020403" pitchFamily="18" charset="0"/>
+              </a:rPr>
+              <a:t>/hai-</a:t>
+            </a:r>
+            <a:r>
+              <a:rPr lang="de-DE" sz="3200" dirty="0" err="1" smtClean="0">
+                <a:latin typeface="Rockwell" panose="02060603020205020403" pitchFamily="18" charset="0"/>
+              </a:rPr>
+              <a:t>civil</a:t>
+            </a:r>
+            <a:endParaRPr lang="de-DE" sz="3200" dirty="0" smtClean="0">
+              <a:latin typeface="Rockwell" panose="02060603020205020403" pitchFamily="18" charset="0"/>
+            </a:endParaRPr>
+          </a:p>
+          <a:p>
+            <a:pPr marL="285750" indent="-285750">
+              <a:buFont typeface="Arial" panose="020B0604020202020204" pitchFamily="34" charset="0"/>
+              <a:buChar char="•"/>
+            </a:pPr>
+            <a:r>
+              <a:rPr lang="de-DE" sz="3200" dirty="0">
+                <a:latin typeface="Rockwell" panose="02060603020205020403" pitchFamily="18" charset="0"/>
+              </a:rPr>
+              <a:t>/</a:t>
+            </a:r>
+            <a:r>
+              <a:rPr lang="de-DE" sz="3200" dirty="0" smtClean="0">
+                <a:latin typeface="Rockwell" panose="02060603020205020403" pitchFamily="18" charset="0"/>
+              </a:rPr>
+              <a:t>hai-</a:t>
+            </a:r>
+            <a:r>
+              <a:rPr lang="de-DE" sz="3200" dirty="0" err="1" smtClean="0">
+                <a:latin typeface="Rockwell" panose="02060603020205020403" pitchFamily="18" charset="0"/>
+              </a:rPr>
+              <a:t>dms</a:t>
+            </a:r>
+            <a:endParaRPr lang="de-DE" dirty="0"/>
+          </a:p>
+        </p:txBody>
+      </p:sp>
+      <p:sp>
+        <p:nvSpPr>
+          <p:cNvPr id="5" name="Rechteck 4"/>
+          <p:cNvSpPr/>
+          <p:nvPr/>
+        </p:nvSpPr>
+        <p:spPr>
+          <a:xfrm>
+            <a:off x="899592" y="1116033"/>
+            <a:ext cx="7272808" cy="584775"/>
+          </a:xfrm>
+          <a:prstGeom prst="rect">
+            <a:avLst/>
+          </a:prstGeom>
+        </p:spPr>
+        <p:txBody>
+          <a:bodyPr wrap="square">
+            <a:spAutoFit/>
+          </a:bodyPr>
+          <a:lstStyle/>
+          <a:p>
+            <a:pPr algn="ctr"/>
+            <a:r>
+              <a:rPr lang="de-DE" sz="3200" dirty="0" smtClean="0">
+                <a:latin typeface="Rockwell" panose="02060603020205020403" pitchFamily="18" charset="0"/>
+              </a:rPr>
+              <a:t>http://github.com/aryonp</a:t>
+            </a:r>
+            <a:endParaRPr lang="de-DE" sz="3200" dirty="0">
+              <a:latin typeface="Rockwell" panose="02060603020205020403" pitchFamily="18" charset="0"/>
+            </a:endParaRPr>
+          </a:p>
+        </p:txBody>
+      </p:sp>
+      <p:pic>
+        <p:nvPicPr>
+          <p:cNvPr id="6" name="Grafik 5"/>
+          <p:cNvPicPr>
+            <a:picLocks noChangeAspect="1"/>
+          </p:cNvPicPr>
+          <p:nvPr/>
+        </p:nvPicPr>
+        <p:blipFill>
+          <a:blip r:embed="rId2">
+            <a:extLst>
+              <a:ext uri="{28A0092B-C50C-407E-A947-70E740481C1C}">
+                <a14:useLocalDpi xmlns:a14="http://schemas.microsoft.com/office/drawing/2010/main" val="0"/>
+              </a:ext>
+            </a:extLst>
+          </a:blip>
+          <a:stretch>
+            <a:fillRect/>
+          </a:stretch>
+        </p:blipFill>
+        <p:spPr>
+          <a:xfrm>
+            <a:off x="6433774" y="6237312"/>
+            <a:ext cx="2530714" cy="474509"/>
+          </a:xfrm>
+          <a:prstGeom prst="rect">
+            <a:avLst/>
+          </a:prstGeom>
+        </p:spPr>
+      </p:pic>
+      <p:pic>
+        <p:nvPicPr>
+          <p:cNvPr id="8" name="Picture 7" descr="logo.png"/>
+          <p:cNvPicPr>
+            <a:picLocks noChangeAspect="1"/>
+          </p:cNvPicPr>
+          <p:nvPr/>
+        </p:nvPicPr>
+        <p:blipFill>
+          <a:blip r:embed="rId3" cstate="print">
+            <a:extLst>
+              <a:ext uri="{28A0092B-C50C-407E-A947-70E740481C1C}">
+                <a14:useLocalDpi xmlns:a14="http://schemas.microsoft.com/office/drawing/2010/main" val="0"/>
+              </a:ext>
+            </a:extLst>
+          </a:blip>
+          <a:stretch>
+            <a:fillRect/>
+          </a:stretch>
+        </p:blipFill>
+        <p:spPr>
+          <a:xfrm>
+            <a:off x="72008" y="5985646"/>
+            <a:ext cx="2411760" cy="971746"/>
+          </a:xfrm>
+          <a:prstGeom prst="rect">
+            <a:avLst/>
+          </a:prstGeom>
+        </p:spPr>
+      </p:pic>
+    </p:spTree>
+    <p:extLst>
+      <p:ext uri="{BB962C8B-B14F-4D97-AF65-F5344CB8AC3E}">
+        <p14:creationId xmlns:p14="http://schemas.microsoft.com/office/powerpoint/2010/main" val="1320364062"/>
+      </p:ext>
+    </p:extLst>
+  </p:cSld>
+  <p:clrMapOvr>
+    <a:masterClrMapping/>
+  </p:clrMapOvr>
+  <p:timing>
+    <p:tnLst>
+      <p:par>
+        <p:cTn xmlns:p14="http://schemas.microsoft.com/office/powerpoint/2010/main" id="1" dur="indefinite" restart="never" nodeType="tmRoot"/>
+      </p:par>
+    </p:tnLst>
+  </p:timing>
+</p:sld>
+</file>
+
+<file path=ppt/slides/slide13.xml><?xml version="1.0" encoding="utf-8"?>
+<p:sld xmlns:a="http://schemas.openxmlformats.org/drawingml/2006/main" xmlns:r="http://schemas.openxmlformats.org/officeDocument/2006/relationships" xmlns:p="http://schemas.openxmlformats.org/presentationml/2006/main">
+  <p:cSld>
+    <p:spTree>
+      <p:nvGrpSpPr>
+        <p:cNvPr id="1" name=""/>
+        <p:cNvGrpSpPr/>
+        <p:nvPr/>
+      </p:nvGrpSpPr>
+      <p:grpSpPr>
+        <a:xfrm>
+          <a:off x="0" y="0"/>
+          <a:ext cx="0" cy="0"/>
+          <a:chOff x="0" y="0"/>
+          <a:chExt cx="0" cy="0"/>
+        </a:xfrm>
+      </p:grpSpPr>
+      <p:sp>
+        <p:nvSpPr>
+          <p:cNvPr id="3" name="Rechteck 2"/>
+          <p:cNvSpPr/>
+          <p:nvPr/>
+        </p:nvSpPr>
+        <p:spPr>
+          <a:xfrm>
+            <a:off x="0" y="0"/>
+            <a:ext cx="9144000" cy="958416"/>
+          </a:xfrm>
+          <a:prstGeom prst="rect">
+            <a:avLst/>
+          </a:prstGeom>
+          <a:solidFill>
+            <a:srgbClr val="FF0000"/>
+          </a:solidFill>
+          <a:ln>
+            <a:noFill/>
+          </a:ln>
+        </p:spPr>
+        <p:style>
+          <a:lnRef idx="2">
+            <a:schemeClr val="accent1">
+              <a:shade val="50000"/>
+            </a:schemeClr>
+          </a:lnRef>
+          <a:fillRef idx="1">
+            <a:schemeClr val="accent1"/>
+          </a:fillRef>
+          <a:effectRef idx="0">
+            <a:schemeClr val="accent1"/>
+          </a:effectRef>
+          <a:fontRef idx="minor">
+            <a:schemeClr val="lt1"/>
+          </a:fontRef>
+        </p:style>
+        <p:txBody>
+          <a:bodyPr rtlCol="0" anchor="ctr"/>
+          <a:lstStyle/>
+          <a:p>
+            <a:pPr algn="ctr"/>
+            <a:endParaRPr lang="de-DE"/>
+          </a:p>
+        </p:txBody>
+      </p:sp>
+      <p:sp>
+        <p:nvSpPr>
           <p:cNvPr id="5" name="Rechteck 4"/>
           <p:cNvSpPr/>
           <p:nvPr/>
@@ -4225,7 +4387,7 @@
 </p:sld>
 </file>
 
-<file path=ppt/slides/slide13.xml><?xml version="1.0" encoding="utf-8"?>
+<file path=ppt/slides/slide14.xml><?xml version="1.0" encoding="utf-8"?>
 <p:sld xmlns:a="http://schemas.openxmlformats.org/drawingml/2006/main" xmlns:r="http://schemas.openxmlformats.org/officeDocument/2006/relationships" xmlns:p="http://schemas.openxmlformats.org/presentationml/2006/main">
   <p:cSld>
     <p:spTree>
@@ -4881,14 +5043,14 @@
       </p:grpSpPr>
       <p:sp>
         <p:nvSpPr>
-          <p:cNvPr id="2" name="Rechteck 1"/>
+          <p:cNvPr id="6" name="Rechteck 5"/>
           <p:cNvSpPr/>
           <p:nvPr/>
         </p:nvSpPr>
         <p:spPr>
           <a:xfrm>
-            <a:off x="1043608" y="1484784"/>
-            <a:ext cx="7272808" cy="1569660"/>
+            <a:off x="251520" y="1124744"/>
+            <a:ext cx="8712968" cy="3785652"/>
           </a:xfrm>
           <a:prstGeom prst="rect">
             <a:avLst/>
@@ -4901,213 +5063,31 @@
           <a:lstStyle/>
           <a:p>
             <a:r>
-              <a:rPr lang="de-DE" sz="3200" dirty="0">
-                <a:latin typeface="Rockwell" panose="02060603020205020403" pitchFamily="18" charset="0"/>
-              </a:rPr>
-              <a:t>“</a:t>
-            </a:r>
-            <a:r>
-              <a:rPr lang="de-DE" sz="3200" dirty="0" err="1">
-                <a:latin typeface="Rockwell" panose="02060603020205020403" pitchFamily="18" charset="0"/>
-              </a:rPr>
-              <a:t>Pemantauan</a:t>
-            </a:r>
-            <a:r>
-              <a:rPr lang="de-DE" sz="3200" dirty="0">
-                <a:latin typeface="Rockwell" panose="02060603020205020403" pitchFamily="18" charset="0"/>
-              </a:rPr>
-              <a:t> </a:t>
-            </a:r>
-            <a:r>
-              <a:rPr lang="de-DE" sz="3200" dirty="0" err="1">
-                <a:latin typeface="Rockwell" panose="02060603020205020403" pitchFamily="18" charset="0"/>
-              </a:rPr>
-              <a:t>harga</a:t>
-            </a:r>
-            <a:r>
-              <a:rPr lang="de-DE" sz="3200" dirty="0">
-                <a:latin typeface="Rockwell" panose="02060603020205020403" pitchFamily="18" charset="0"/>
-              </a:rPr>
-              <a:t> </a:t>
-            </a:r>
-            <a:r>
-              <a:rPr lang="de-DE" sz="3200" dirty="0" err="1">
-                <a:latin typeface="Rockwell" panose="02060603020205020403" pitchFamily="18" charset="0"/>
-              </a:rPr>
-              <a:t>komoditas</a:t>
-            </a:r>
-            <a:r>
-              <a:rPr lang="de-DE" sz="3200" dirty="0">
-                <a:latin typeface="Rockwell" panose="02060603020205020403" pitchFamily="18" charset="0"/>
-              </a:rPr>
-              <a:t>, </a:t>
-            </a:r>
-            <a:r>
-              <a:rPr lang="de-DE" sz="3200" dirty="0" err="1">
-                <a:latin typeface="Rockwell" panose="02060603020205020403" pitchFamily="18" charset="0"/>
-              </a:rPr>
-              <a:t>terutama</a:t>
-            </a:r>
-            <a:r>
-              <a:rPr lang="de-DE" sz="3200" dirty="0">
-                <a:latin typeface="Rockwell" panose="02060603020205020403" pitchFamily="18" charset="0"/>
-              </a:rPr>
-              <a:t> </a:t>
-            </a:r>
-            <a:r>
-              <a:rPr lang="de-DE" sz="3200" dirty="0" err="1">
-                <a:latin typeface="Rockwell" panose="02060603020205020403" pitchFamily="18" charset="0"/>
-              </a:rPr>
-              <a:t>bahan</a:t>
-            </a:r>
-            <a:r>
-              <a:rPr lang="de-DE" sz="3200" dirty="0">
-                <a:latin typeface="Rockwell" panose="02060603020205020403" pitchFamily="18" charset="0"/>
-              </a:rPr>
-              <a:t> </a:t>
-            </a:r>
-            <a:r>
-              <a:rPr lang="de-DE" sz="3200" dirty="0" err="1">
-                <a:latin typeface="Rockwell" panose="02060603020205020403" pitchFamily="18" charset="0"/>
-              </a:rPr>
-              <a:t>pokok</a:t>
-            </a:r>
-            <a:r>
-              <a:rPr lang="de-DE" sz="3200" dirty="0">
-                <a:latin typeface="Rockwell" panose="02060603020205020403" pitchFamily="18" charset="0"/>
-              </a:rPr>
-              <a:t>, di </a:t>
-            </a:r>
-            <a:r>
-              <a:rPr lang="de-DE" sz="3200" dirty="0" err="1">
-                <a:latin typeface="Rockwell" panose="02060603020205020403" pitchFamily="18" charset="0"/>
-              </a:rPr>
-              <a:t>setiap</a:t>
-            </a:r>
-            <a:r>
-              <a:rPr lang="de-DE" sz="3200" dirty="0">
-                <a:latin typeface="Rockwell" panose="02060603020205020403" pitchFamily="18" charset="0"/>
-              </a:rPr>
-              <a:t> </a:t>
-            </a:r>
-            <a:r>
-              <a:rPr lang="de-DE" sz="3200" dirty="0" err="1">
-                <a:latin typeface="Rockwell" panose="02060603020205020403" pitchFamily="18" charset="0"/>
-              </a:rPr>
-              <a:t>titik</a:t>
-            </a:r>
-            <a:r>
-              <a:rPr lang="de-DE" sz="3200" dirty="0">
-                <a:latin typeface="Rockwell" panose="02060603020205020403" pitchFamily="18" charset="0"/>
-              </a:rPr>
-              <a:t> </a:t>
-            </a:r>
-            <a:r>
-              <a:rPr lang="de-DE" sz="3200" dirty="0" err="1">
-                <a:latin typeface="Rockwell" panose="02060603020205020403" pitchFamily="18" charset="0"/>
-              </a:rPr>
-              <a:t>distribusinya</a:t>
-            </a:r>
-            <a:r>
-              <a:rPr lang="de-DE" sz="3200" dirty="0">
-                <a:latin typeface="Rockwell" panose="02060603020205020403" pitchFamily="18" charset="0"/>
-              </a:rPr>
-              <a:t>.”</a:t>
-            </a:r>
-          </a:p>
-        </p:txBody>
-      </p:sp>
-      <p:sp>
-        <p:nvSpPr>
-          <p:cNvPr id="3" name="Rechteck 2"/>
-          <p:cNvSpPr/>
-          <p:nvPr/>
-        </p:nvSpPr>
-        <p:spPr>
-          <a:xfrm>
-            <a:off x="0" y="0"/>
-            <a:ext cx="9144000" cy="958416"/>
-          </a:xfrm>
-          <a:prstGeom prst="rect">
-            <a:avLst/>
-          </a:prstGeom>
-          <a:solidFill>
-            <a:srgbClr val="FF0000"/>
-          </a:solidFill>
-          <a:ln>
-            <a:noFill/>
-          </a:ln>
-        </p:spPr>
-        <p:style>
-          <a:lnRef idx="2">
-            <a:schemeClr val="accent1">
-              <a:shade val="50000"/>
-            </a:schemeClr>
-          </a:lnRef>
-          <a:fillRef idx="1">
-            <a:schemeClr val="accent1"/>
-          </a:fillRef>
-          <a:effectRef idx="0">
-            <a:schemeClr val="accent1"/>
-          </a:effectRef>
-          <a:fontRef idx="minor">
-            <a:schemeClr val="lt1"/>
-          </a:fontRef>
-        </p:style>
-        <p:txBody>
-          <a:bodyPr rtlCol="0" anchor="ctr"/>
-          <a:lstStyle/>
-          <a:p>
-            <a:pPr algn="ctr"/>
-            <a:endParaRPr lang="de-DE" sz="2000"/>
-          </a:p>
-        </p:txBody>
-      </p:sp>
-      <p:sp>
-        <p:nvSpPr>
-          <p:cNvPr id="4" name="Textfeld 3"/>
-          <p:cNvSpPr txBox="1"/>
-          <p:nvPr/>
-        </p:nvSpPr>
-        <p:spPr>
-          <a:xfrm>
-            <a:off x="251520" y="231031"/>
-            <a:ext cx="2520280" cy="461665"/>
-          </a:xfrm>
-          <a:prstGeom prst="rect">
-            <a:avLst/>
-          </a:prstGeom>
-          <a:noFill/>
-        </p:spPr>
-        <p:txBody>
-          <a:bodyPr wrap="square" rtlCol="0">
-            <a:spAutoFit/>
-          </a:bodyPr>
-          <a:lstStyle/>
-          <a:p>
-            <a:r>
-              <a:rPr lang="de-DE" sz="2400" b="1" dirty="0" smtClean="0">
-                <a:solidFill>
-                  <a:schemeClr val="bg1"/>
-                </a:solidFill>
-                <a:latin typeface="Rockwell" panose="02060603020205020403" pitchFamily="18" charset="0"/>
-                <a:ea typeface="Roboto Light" panose="02000000000000000000" pitchFamily="2" charset="0"/>
-              </a:rPr>
-              <a:t>TUJUAN</a:t>
-            </a:r>
-            <a:endParaRPr lang="de-DE" sz="2400" b="1" dirty="0">
-              <a:solidFill>
-                <a:schemeClr val="bg1"/>
-              </a:solidFill>
-              <a:latin typeface="Rockwell" panose="02060603020205020403" pitchFamily="18" charset="0"/>
-              <a:ea typeface="Roboto Light" panose="02000000000000000000" pitchFamily="2" charset="0"/>
+              <a:rPr lang="de-DE" sz="8000" dirty="0" smtClean="0">
+                <a:latin typeface="Blender Pro Bold"/>
+                <a:cs typeface="Blender Pro Bold"/>
+              </a:rPr>
+              <a:t>  HASIL HASIL BUMI </a:t>
+            </a:r>
+          </a:p>
+          <a:p>
+            <a:r>
+              <a:rPr lang="de-DE" sz="8000" dirty="0" smtClean="0">
+                <a:latin typeface="Blender Pro Bold"/>
+                <a:cs typeface="Blender Pro Bold"/>
+              </a:rPr>
+              <a:t>  DALAM        (SATU) PLATFORM LOGISTIK</a:t>
+            </a:r>
+            <a:endParaRPr lang="de-DE" sz="8000" dirty="0">
+              <a:latin typeface="Blender Pro Bold"/>
+              <a:cs typeface="Blender Pro Bold"/>
             </a:endParaRPr>
           </a:p>
         </p:txBody>
       </p:sp>
       <p:pic>
         <p:nvPicPr>
-          <p:cNvPr id="5" name="Grafik 4"/>
+          <p:cNvPr id="7" name="Grafik 6"/>
           <p:cNvPicPr>
             <a:picLocks noChangeAspect="1"/>
           </p:cNvPicPr>
@@ -5137,7 +5117,7 @@
       </p:pic>
       <p:pic>
         <p:nvPicPr>
-          <p:cNvPr id="6" name="Picture 5" descr="logo.png"/>
+          <p:cNvPr id="9" name="Picture 8" descr="logo.png"/>
           <p:cNvPicPr>
             <a:picLocks noChangeAspect="1"/>
           </p:cNvPicPr>
@@ -5165,10 +5145,40 @@
           </a:prstGeom>
         </p:spPr>
       </p:pic>
+      <p:pic>
+        <p:nvPicPr>
+          <p:cNvPr id="11" name="Picture 10" descr="logo tunggal.png"/>
+          <p:cNvPicPr>
+            <a:picLocks noChangeAspect="1"/>
+          </p:cNvPicPr>
+          <p:nvPr/>
+        </p:nvPicPr>
+        <p:blipFill>
+          <a:blip r:embed="rId4" cstate="print">
+            <a:extLst>
+              <a:ext uri="{28A0092B-C50C-407E-A947-70E740481C1C}">
+                <a14:useLocalDpi xmlns:a14="http://schemas.microsoft.com/office/drawing/2010/main" val="0"/>
+              </a:ext>
+            </a:extLst>
+          </a:blip>
+          <a:stretch>
+            <a:fillRect/>
+          </a:stretch>
+        </p:blipFill>
+        <p:spPr>
+          <a:xfrm>
+            <a:off x="3851920" y="2204864"/>
+            <a:ext cx="1547970" cy="1563072"/>
+          </a:xfrm>
+          <a:prstGeom prst="rect">
+            <a:avLst/>
+          </a:prstGeom>
+        </p:spPr>
+      </p:pic>
     </p:spTree>
     <p:extLst>
       <p:ext uri="{BB962C8B-B14F-4D97-AF65-F5344CB8AC3E}">
-        <p14:creationId xmlns:p14="http://schemas.microsoft.com/office/powerpoint/2010/main" val="3163642050"/>
+        <p14:creationId xmlns:p14="http://schemas.microsoft.com/office/powerpoint/2010/main" val="2216147916"/>
       </p:ext>
     </p:extLst>
   </p:cSld>
@@ -5204,6 +5214,144 @@
       </p:grpSpPr>
       <p:sp>
         <p:nvSpPr>
+          <p:cNvPr id="2" name="Rechteck 1"/>
+          <p:cNvSpPr/>
+          <p:nvPr/>
+        </p:nvSpPr>
+        <p:spPr>
+          <a:xfrm>
+            <a:off x="1043608" y="1484784"/>
+            <a:ext cx="7272808" cy="1569660"/>
+          </a:xfrm>
+          <a:prstGeom prst="rect">
+            <a:avLst/>
+          </a:prstGeom>
+        </p:spPr>
+        <p:txBody>
+          <a:bodyPr wrap="square">
+            <a:spAutoFit/>
+          </a:bodyPr>
+          <a:lstStyle/>
+          <a:p>
+            <a:r>
+              <a:rPr lang="de-DE" sz="3200" dirty="0">
+                <a:latin typeface="Rockwell" panose="02060603020205020403" pitchFamily="18" charset="0"/>
+              </a:rPr>
+              <a:t>“</a:t>
+            </a:r>
+            <a:r>
+              <a:rPr lang="de-DE" sz="3200" dirty="0" err="1">
+                <a:latin typeface="Rockwell" panose="02060603020205020403" pitchFamily="18" charset="0"/>
+              </a:rPr>
+              <a:t>Pemantauan</a:t>
+            </a:r>
+            <a:r>
+              <a:rPr lang="de-DE" sz="3200" dirty="0">
+                <a:latin typeface="Rockwell" panose="02060603020205020403" pitchFamily="18" charset="0"/>
+              </a:rPr>
+              <a:t> </a:t>
+            </a:r>
+            <a:r>
+              <a:rPr lang="de-DE" sz="3200" dirty="0" err="1">
+                <a:latin typeface="Rockwell" panose="02060603020205020403" pitchFamily="18" charset="0"/>
+              </a:rPr>
+              <a:t>harga</a:t>
+            </a:r>
+            <a:r>
+              <a:rPr lang="de-DE" sz="3200" dirty="0">
+                <a:latin typeface="Rockwell" panose="02060603020205020403" pitchFamily="18" charset="0"/>
+              </a:rPr>
+              <a:t> </a:t>
+            </a:r>
+            <a:r>
+              <a:rPr lang="de-DE" sz="3200" dirty="0" err="1">
+                <a:latin typeface="Rockwell" panose="02060603020205020403" pitchFamily="18" charset="0"/>
+              </a:rPr>
+              <a:t>komoditas</a:t>
+            </a:r>
+            <a:r>
+              <a:rPr lang="de-DE" sz="3200" dirty="0">
+                <a:latin typeface="Rockwell" panose="02060603020205020403" pitchFamily="18" charset="0"/>
+              </a:rPr>
+              <a:t>, </a:t>
+            </a:r>
+            <a:r>
+              <a:rPr lang="de-DE" sz="3200" dirty="0" err="1">
+                <a:latin typeface="Rockwell" panose="02060603020205020403" pitchFamily="18" charset="0"/>
+              </a:rPr>
+              <a:t>terutama</a:t>
+            </a:r>
+            <a:r>
+              <a:rPr lang="de-DE" sz="3200" dirty="0">
+                <a:latin typeface="Rockwell" panose="02060603020205020403" pitchFamily="18" charset="0"/>
+              </a:rPr>
+              <a:t> </a:t>
+            </a:r>
+            <a:r>
+              <a:rPr lang="de-DE" sz="3200" dirty="0" err="1">
+                <a:latin typeface="Rockwell" panose="02060603020205020403" pitchFamily="18" charset="0"/>
+              </a:rPr>
+              <a:t>bahan</a:t>
+            </a:r>
+            <a:r>
+              <a:rPr lang="de-DE" sz="3200" dirty="0">
+                <a:latin typeface="Rockwell" panose="02060603020205020403" pitchFamily="18" charset="0"/>
+              </a:rPr>
+              <a:t> </a:t>
+            </a:r>
+            <a:r>
+              <a:rPr lang="de-DE" sz="3200" dirty="0" err="1">
+                <a:latin typeface="Rockwell" panose="02060603020205020403" pitchFamily="18" charset="0"/>
+              </a:rPr>
+              <a:t>pokok</a:t>
+            </a:r>
+            <a:r>
+              <a:rPr lang="de-DE" sz="3200" dirty="0">
+                <a:latin typeface="Rockwell" panose="02060603020205020403" pitchFamily="18" charset="0"/>
+              </a:rPr>
+              <a:t>, di </a:t>
+            </a:r>
+            <a:r>
+              <a:rPr lang="de-DE" sz="3200" dirty="0" err="1">
+                <a:latin typeface="Rockwell" panose="02060603020205020403" pitchFamily="18" charset="0"/>
+              </a:rPr>
+              <a:t>setiap</a:t>
+            </a:r>
+            <a:r>
+              <a:rPr lang="de-DE" sz="3200" dirty="0">
+                <a:latin typeface="Rockwell" panose="02060603020205020403" pitchFamily="18" charset="0"/>
+              </a:rPr>
+              <a:t> </a:t>
+            </a:r>
+            <a:r>
+              <a:rPr lang="de-DE" sz="3200" dirty="0" err="1">
+                <a:latin typeface="Rockwell" panose="02060603020205020403" pitchFamily="18" charset="0"/>
+              </a:rPr>
+              <a:t>titik</a:t>
+            </a:r>
+            <a:r>
+              <a:rPr lang="de-DE" sz="3200" dirty="0">
+                <a:latin typeface="Rockwell" panose="02060603020205020403" pitchFamily="18" charset="0"/>
+              </a:rPr>
+              <a:t> </a:t>
+            </a:r>
+            <a:r>
+              <a:rPr lang="de-DE" sz="3200" dirty="0" err="1">
+                <a:latin typeface="Rockwell" panose="02060603020205020403" pitchFamily="18" charset="0"/>
+              </a:rPr>
+              <a:t>distribusinya</a:t>
+            </a:r>
+            <a:r>
+              <a:rPr lang="de-DE" sz="3200" dirty="0">
+                <a:latin typeface="Rockwell" panose="02060603020205020403" pitchFamily="18" charset="0"/>
+              </a:rPr>
+              <a:t>.”</a:t>
+            </a:r>
+          </a:p>
+        </p:txBody>
+      </p:sp>
+      <p:sp>
+        <p:nvSpPr>
           <p:cNvPr id="3" name="Rechteck 2"/>
           <p:cNvSpPr/>
           <p:nvPr/>
@@ -5244,13 +5392,13 @@
           <a:lstStyle/>
           <a:p>
             <a:pPr algn="ctr"/>
-            <a:endParaRPr lang="de-DE"/>
-          </a:p>
-        </p:txBody>
-      </p:sp>
-      <p:sp>
-        <p:nvSpPr>
-          <p:cNvPr id="7" name="Textfeld 6"/>
+            <a:endParaRPr lang="de-DE" sz="2000"/>
+          </a:p>
+        </p:txBody>
+      </p:sp>
+      <p:sp>
+        <p:nvSpPr>
+          <p:cNvPr id="4" name="Textfeld 3"/>
           <p:cNvSpPr txBox="1"/>
           <p:nvPr/>
         </p:nvSpPr>
@@ -5278,7 +5426,7 @@
                 <a:latin typeface="Rockwell" panose="02060603020205020403" pitchFamily="18" charset="0"/>
                 <a:ea typeface="Roboto Light" panose="02000000000000000000" pitchFamily="2" charset="0"/>
               </a:rPr>
-              <a:t>REFERENSI</a:t>
+              <a:t>TUJUAN</a:t>
             </a:r>
             <a:endParaRPr lang="de-DE" sz="2400" b="1" dirty="0">
               <a:solidFill>
@@ -5292,7 +5440,7 @@
       </p:sp>
       <p:pic>
         <p:nvPicPr>
-          <p:cNvPr id="8" name="Grafik 7"/>
+          <p:cNvPr id="5" name="Grafik 4"/>
           <p:cNvPicPr>
             <a:picLocks noChangeAspect="1"/>
           </p:cNvPicPr>
@@ -5322,14 +5470,14 @@
       </p:pic>
       <p:pic>
         <p:nvPicPr>
-          <p:cNvPr id="4" name="Grafik 3"/>
+          <p:cNvPr id="6" name="Picture 5" descr="logo.png"/>
           <p:cNvPicPr>
             <a:picLocks noChangeAspect="1"/>
           </p:cNvPicPr>
           <p:nvPr/>
         </p:nvPicPr>
         <p:blipFill>
-          <a:blip r:embed="rId3">
+          <a:blip r:embed="rId3" cstate="print">
             <a:extLst>
               <a:ext uri="{28A0092B-C50C-407E-A947-70E740481C1C}">
                 <a14:useLocalDpi xmlns:a14="http://schemas.microsoft.com/office/drawing/2010/main" val="0"/>
@@ -5342,246 +5490,6 @@
         </p:blipFill>
         <p:spPr>
           <a:xfrm>
-            <a:off x="6084169" y="3605019"/>
-            <a:ext cx="2016224" cy="832093"/>
-          </a:xfrm>
-          <a:prstGeom prst="rect">
-            <a:avLst/>
-          </a:prstGeom>
-        </p:spPr>
-      </p:pic>
-      <p:pic>
-        <p:nvPicPr>
-          <p:cNvPr id="5" name="Grafik 4"/>
-          <p:cNvPicPr>
-            <a:picLocks noChangeAspect="1"/>
-          </p:cNvPicPr>
-          <p:nvPr/>
-        </p:nvPicPr>
-        <p:blipFill>
-          <a:blip r:embed="rId4">
-            <a:extLst>
-              <a:ext uri="{28A0092B-C50C-407E-A947-70E740481C1C}">
-                <a14:useLocalDpi xmlns:a14="http://schemas.microsoft.com/office/drawing/2010/main" val="0"/>
-              </a:ext>
-            </a:extLst>
-          </a:blip>
-          <a:stretch>
-            <a:fillRect/>
-          </a:stretch>
-        </p:blipFill>
-        <p:spPr>
-          <a:xfrm>
-            <a:off x="3635896" y="1196752"/>
-            <a:ext cx="4063235" cy="934793"/>
-          </a:xfrm>
-          <a:prstGeom prst="rect">
-            <a:avLst/>
-          </a:prstGeom>
-        </p:spPr>
-      </p:pic>
-      <p:pic>
-        <p:nvPicPr>
-          <p:cNvPr id="9" name="Grafik 8"/>
-          <p:cNvPicPr>
-            <a:picLocks noChangeAspect="1"/>
-          </p:cNvPicPr>
-          <p:nvPr/>
-        </p:nvPicPr>
-        <p:blipFill>
-          <a:blip r:embed="rId5">
-            <a:extLst>
-              <a:ext uri="{28A0092B-C50C-407E-A947-70E740481C1C}">
-                <a14:useLocalDpi xmlns:a14="http://schemas.microsoft.com/office/drawing/2010/main" val="0"/>
-              </a:ext>
-            </a:extLst>
-          </a:blip>
-          <a:stretch>
-            <a:fillRect/>
-          </a:stretch>
-        </p:blipFill>
-        <p:spPr>
-          <a:xfrm>
-            <a:off x="368919" y="3501008"/>
-            <a:ext cx="5355209" cy="979124"/>
-          </a:xfrm>
-          <a:prstGeom prst="rect">
-            <a:avLst/>
-          </a:prstGeom>
-        </p:spPr>
-      </p:pic>
-      <p:pic>
-        <p:nvPicPr>
-          <p:cNvPr id="10" name="Grafik 9"/>
-          <p:cNvPicPr>
-            <a:picLocks noChangeAspect="1"/>
-          </p:cNvPicPr>
-          <p:nvPr/>
-        </p:nvPicPr>
-        <p:blipFill>
-          <a:blip r:embed="rId6">
-            <a:extLst>
-              <a:ext uri="{28A0092B-C50C-407E-A947-70E740481C1C}">
-                <a14:useLocalDpi xmlns:a14="http://schemas.microsoft.com/office/drawing/2010/main" val="0"/>
-              </a:ext>
-            </a:extLst>
-          </a:blip>
-          <a:stretch>
-            <a:fillRect/>
-          </a:stretch>
-        </p:blipFill>
-        <p:spPr>
-          <a:xfrm>
-            <a:off x="395536" y="2420228"/>
-            <a:ext cx="2903403" cy="889595"/>
-          </a:xfrm>
-          <a:prstGeom prst="rect">
-            <a:avLst/>
-          </a:prstGeom>
-        </p:spPr>
-      </p:pic>
-      <p:pic>
-        <p:nvPicPr>
-          <p:cNvPr id="11" name="Grafik 10"/>
-          <p:cNvPicPr>
-            <a:picLocks noChangeAspect="1"/>
-          </p:cNvPicPr>
-          <p:nvPr/>
-        </p:nvPicPr>
-        <p:blipFill>
-          <a:blip r:embed="rId7">
-            <a:extLst>
-              <a:ext uri="{28A0092B-C50C-407E-A947-70E740481C1C}">
-                <a14:useLocalDpi xmlns:a14="http://schemas.microsoft.com/office/drawing/2010/main" val="0"/>
-              </a:ext>
-            </a:extLst>
-          </a:blip>
-          <a:stretch>
-            <a:fillRect/>
-          </a:stretch>
-        </p:blipFill>
-        <p:spPr>
-          <a:xfrm>
-            <a:off x="323528" y="4809142"/>
-            <a:ext cx="1080120" cy="1141095"/>
-          </a:xfrm>
-          <a:prstGeom prst="rect">
-            <a:avLst/>
-          </a:prstGeom>
-        </p:spPr>
-      </p:pic>
-      <p:pic>
-        <p:nvPicPr>
-          <p:cNvPr id="12" name="Grafik 11"/>
-          <p:cNvPicPr>
-            <a:picLocks noChangeAspect="1"/>
-          </p:cNvPicPr>
-          <p:nvPr/>
-        </p:nvPicPr>
-        <p:blipFill>
-          <a:blip r:embed="rId8">
-            <a:extLst>
-              <a:ext uri="{28A0092B-C50C-407E-A947-70E740481C1C}">
-                <a14:useLocalDpi xmlns:a14="http://schemas.microsoft.com/office/drawing/2010/main" val="0"/>
-              </a:ext>
-            </a:extLst>
-          </a:blip>
-          <a:stretch>
-            <a:fillRect/>
-          </a:stretch>
-        </p:blipFill>
-        <p:spPr>
-          <a:xfrm>
-            <a:off x="4860032" y="2427804"/>
-            <a:ext cx="2952328" cy="1021959"/>
-          </a:xfrm>
-          <a:prstGeom prst="rect">
-            <a:avLst/>
-          </a:prstGeom>
-        </p:spPr>
-      </p:pic>
-      <p:pic>
-        <p:nvPicPr>
-          <p:cNvPr id="13" name="Grafik 12"/>
-          <p:cNvPicPr>
-            <a:picLocks noChangeAspect="1"/>
-          </p:cNvPicPr>
-          <p:nvPr/>
-        </p:nvPicPr>
-        <p:blipFill>
-          <a:blip r:embed="rId9" cstate="print">
-            <a:extLst>
-              <a:ext uri="{28A0092B-C50C-407E-A947-70E740481C1C}">
-                <a14:useLocalDpi xmlns:a14="http://schemas.microsoft.com/office/drawing/2010/main" val="0"/>
-              </a:ext>
-            </a:extLst>
-          </a:blip>
-          <a:stretch>
-            <a:fillRect/>
-          </a:stretch>
-        </p:blipFill>
-        <p:spPr>
-          <a:xfrm>
-            <a:off x="309789" y="1108556"/>
-            <a:ext cx="2606027" cy="1230624"/>
-          </a:xfrm>
-          <a:prstGeom prst="rect">
-            <a:avLst/>
-          </a:prstGeom>
-        </p:spPr>
-      </p:pic>
-      <p:pic>
-        <p:nvPicPr>
-          <p:cNvPr id="14" name="Grafik 13"/>
-          <p:cNvPicPr>
-            <a:picLocks noChangeAspect="1"/>
-          </p:cNvPicPr>
-          <p:nvPr/>
-        </p:nvPicPr>
-        <p:blipFill>
-          <a:blip r:embed="rId10" cstate="print">
-            <a:extLst>
-              <a:ext uri="{28A0092B-C50C-407E-A947-70E740481C1C}">
-                <a14:useLocalDpi xmlns:a14="http://schemas.microsoft.com/office/drawing/2010/main" val="0"/>
-              </a:ext>
-            </a:extLst>
-          </a:blip>
-          <a:stretch>
-            <a:fillRect/>
-          </a:stretch>
-        </p:blipFill>
-        <p:spPr>
-          <a:xfrm>
-            <a:off x="1763688" y="4941168"/>
-            <a:ext cx="3004413" cy="591777"/>
-          </a:xfrm>
-          <a:prstGeom prst="rect">
-            <a:avLst/>
-          </a:prstGeom>
-        </p:spPr>
-      </p:pic>
-      <p:pic>
-        <p:nvPicPr>
-          <p:cNvPr id="15" name="Picture 14" descr="logo.png"/>
-          <p:cNvPicPr>
-            <a:picLocks noChangeAspect="1"/>
-          </p:cNvPicPr>
-          <p:nvPr/>
-        </p:nvPicPr>
-        <p:blipFill>
-          <a:blip r:embed="rId11" cstate="print">
-            <a:extLst>
-              <a:ext uri="{28A0092B-C50C-407E-A947-70E740481C1C}">
-                <a14:useLocalDpi xmlns:a14="http://schemas.microsoft.com/office/drawing/2010/main" val="0"/>
-              </a:ext>
-            </a:extLst>
-          </a:blip>
-          <a:stretch>
-            <a:fillRect/>
-          </a:stretch>
-        </p:blipFill>
-        <p:spPr>
-          <a:xfrm>
             <a:off x="72008" y="5985646"/>
             <a:ext cx="2411760" cy="971746"/>
           </a:xfrm>
@@ -5593,7 +5501,7 @@
     </p:spTree>
     <p:extLst>
       <p:ext uri="{BB962C8B-B14F-4D97-AF65-F5344CB8AC3E}">
-        <p14:creationId xmlns:p14="http://schemas.microsoft.com/office/powerpoint/2010/main" val="594241018"/>
+        <p14:creationId xmlns:p14="http://schemas.microsoft.com/office/powerpoint/2010/main" val="3163642050"/>
       </p:ext>
     </p:extLst>
   </p:cSld>
@@ -5629,6 +5537,431 @@
       </p:grpSpPr>
       <p:sp>
         <p:nvSpPr>
+          <p:cNvPr id="3" name="Rechteck 2"/>
+          <p:cNvSpPr/>
+          <p:nvPr/>
+        </p:nvSpPr>
+        <p:spPr>
+          <a:xfrm>
+            <a:off x="0" y="0"/>
+            <a:ext cx="9144000" cy="958416"/>
+          </a:xfrm>
+          <a:prstGeom prst="rect">
+            <a:avLst/>
+          </a:prstGeom>
+          <a:solidFill>
+            <a:srgbClr val="FF0000"/>
+          </a:solidFill>
+          <a:ln>
+            <a:noFill/>
+          </a:ln>
+        </p:spPr>
+        <p:style>
+          <a:lnRef idx="2">
+            <a:schemeClr val="accent1">
+              <a:shade val="50000"/>
+            </a:schemeClr>
+          </a:lnRef>
+          <a:fillRef idx="1">
+            <a:schemeClr val="accent1"/>
+          </a:fillRef>
+          <a:effectRef idx="0">
+            <a:schemeClr val="accent1"/>
+          </a:effectRef>
+          <a:fontRef idx="minor">
+            <a:schemeClr val="lt1"/>
+          </a:fontRef>
+        </p:style>
+        <p:txBody>
+          <a:bodyPr rtlCol="0" anchor="ctr"/>
+          <a:lstStyle/>
+          <a:p>
+            <a:pPr algn="ctr"/>
+            <a:endParaRPr lang="de-DE"/>
+          </a:p>
+        </p:txBody>
+      </p:sp>
+      <p:sp>
+        <p:nvSpPr>
+          <p:cNvPr id="7" name="Textfeld 6"/>
+          <p:cNvSpPr txBox="1"/>
+          <p:nvPr/>
+        </p:nvSpPr>
+        <p:spPr>
+          <a:xfrm>
+            <a:off x="251520" y="231031"/>
+            <a:ext cx="2520280" cy="461665"/>
+          </a:xfrm>
+          <a:prstGeom prst="rect">
+            <a:avLst/>
+          </a:prstGeom>
+          <a:noFill/>
+        </p:spPr>
+        <p:txBody>
+          <a:bodyPr wrap="square" rtlCol="0">
+            <a:spAutoFit/>
+          </a:bodyPr>
+          <a:lstStyle/>
+          <a:p>
+            <a:r>
+              <a:rPr lang="de-DE" sz="2400" b="1" dirty="0" smtClean="0">
+                <a:solidFill>
+                  <a:schemeClr val="bg1"/>
+                </a:solidFill>
+                <a:latin typeface="Rockwell" panose="02060603020205020403" pitchFamily="18" charset="0"/>
+                <a:ea typeface="Roboto Light" panose="02000000000000000000" pitchFamily="2" charset="0"/>
+              </a:rPr>
+              <a:t>REFERENSI</a:t>
+            </a:r>
+            <a:endParaRPr lang="de-DE" sz="2400" b="1" dirty="0">
+              <a:solidFill>
+                <a:schemeClr val="bg1"/>
+              </a:solidFill>
+              <a:latin typeface="Rockwell" panose="02060603020205020403" pitchFamily="18" charset="0"/>
+              <a:ea typeface="Roboto Light" panose="02000000000000000000" pitchFamily="2" charset="0"/>
+            </a:endParaRPr>
+          </a:p>
+        </p:txBody>
+      </p:sp>
+      <p:pic>
+        <p:nvPicPr>
+          <p:cNvPr id="8" name="Grafik 7"/>
+          <p:cNvPicPr>
+            <a:picLocks noChangeAspect="1"/>
+          </p:cNvPicPr>
+          <p:nvPr/>
+        </p:nvPicPr>
+        <p:blipFill>
+          <a:blip r:embed="rId2">
+            <a:extLst>
+              <a:ext uri="{28A0092B-C50C-407E-A947-70E740481C1C}">
+                <a14:useLocalDpi xmlns:a14="http://schemas.microsoft.com/office/drawing/2010/main" val="0"/>
+              </a:ext>
+            </a:extLst>
+          </a:blip>
+          <a:stretch>
+            <a:fillRect/>
+          </a:stretch>
+        </p:blipFill>
+        <p:spPr>
+          <a:xfrm>
+            <a:off x="6433774" y="6237312"/>
+            <a:ext cx="2530714" cy="474509"/>
+          </a:xfrm>
+          <a:prstGeom prst="rect">
+            <a:avLst/>
+          </a:prstGeom>
+        </p:spPr>
+      </p:pic>
+      <p:pic>
+        <p:nvPicPr>
+          <p:cNvPr id="4" name="Grafik 3"/>
+          <p:cNvPicPr>
+            <a:picLocks noChangeAspect="1"/>
+          </p:cNvPicPr>
+          <p:nvPr/>
+        </p:nvPicPr>
+        <p:blipFill>
+          <a:blip r:embed="rId3">
+            <a:extLst>
+              <a:ext uri="{28A0092B-C50C-407E-A947-70E740481C1C}">
+                <a14:useLocalDpi xmlns:a14="http://schemas.microsoft.com/office/drawing/2010/main" val="0"/>
+              </a:ext>
+            </a:extLst>
+          </a:blip>
+          <a:stretch>
+            <a:fillRect/>
+          </a:stretch>
+        </p:blipFill>
+        <p:spPr>
+          <a:xfrm>
+            <a:off x="6084169" y="3605019"/>
+            <a:ext cx="2016224" cy="832093"/>
+          </a:xfrm>
+          <a:prstGeom prst="rect">
+            <a:avLst/>
+          </a:prstGeom>
+        </p:spPr>
+      </p:pic>
+      <p:pic>
+        <p:nvPicPr>
+          <p:cNvPr id="5" name="Grafik 4"/>
+          <p:cNvPicPr>
+            <a:picLocks noChangeAspect="1"/>
+          </p:cNvPicPr>
+          <p:nvPr/>
+        </p:nvPicPr>
+        <p:blipFill>
+          <a:blip r:embed="rId4">
+            <a:extLst>
+              <a:ext uri="{28A0092B-C50C-407E-A947-70E740481C1C}">
+                <a14:useLocalDpi xmlns:a14="http://schemas.microsoft.com/office/drawing/2010/main" val="0"/>
+              </a:ext>
+            </a:extLst>
+          </a:blip>
+          <a:stretch>
+            <a:fillRect/>
+          </a:stretch>
+        </p:blipFill>
+        <p:spPr>
+          <a:xfrm>
+            <a:off x="3635896" y="1196752"/>
+            <a:ext cx="4063235" cy="934793"/>
+          </a:xfrm>
+          <a:prstGeom prst="rect">
+            <a:avLst/>
+          </a:prstGeom>
+        </p:spPr>
+      </p:pic>
+      <p:pic>
+        <p:nvPicPr>
+          <p:cNvPr id="9" name="Grafik 8"/>
+          <p:cNvPicPr>
+            <a:picLocks noChangeAspect="1"/>
+          </p:cNvPicPr>
+          <p:nvPr/>
+        </p:nvPicPr>
+        <p:blipFill>
+          <a:blip r:embed="rId5">
+            <a:extLst>
+              <a:ext uri="{28A0092B-C50C-407E-A947-70E740481C1C}">
+                <a14:useLocalDpi xmlns:a14="http://schemas.microsoft.com/office/drawing/2010/main" val="0"/>
+              </a:ext>
+            </a:extLst>
+          </a:blip>
+          <a:stretch>
+            <a:fillRect/>
+          </a:stretch>
+        </p:blipFill>
+        <p:spPr>
+          <a:xfrm>
+            <a:off x="368919" y="3501008"/>
+            <a:ext cx="5355209" cy="979124"/>
+          </a:xfrm>
+          <a:prstGeom prst="rect">
+            <a:avLst/>
+          </a:prstGeom>
+        </p:spPr>
+      </p:pic>
+      <p:pic>
+        <p:nvPicPr>
+          <p:cNvPr id="10" name="Grafik 9"/>
+          <p:cNvPicPr>
+            <a:picLocks noChangeAspect="1"/>
+          </p:cNvPicPr>
+          <p:nvPr/>
+        </p:nvPicPr>
+        <p:blipFill>
+          <a:blip r:embed="rId6">
+            <a:extLst>
+              <a:ext uri="{28A0092B-C50C-407E-A947-70E740481C1C}">
+                <a14:useLocalDpi xmlns:a14="http://schemas.microsoft.com/office/drawing/2010/main" val="0"/>
+              </a:ext>
+            </a:extLst>
+          </a:blip>
+          <a:stretch>
+            <a:fillRect/>
+          </a:stretch>
+        </p:blipFill>
+        <p:spPr>
+          <a:xfrm>
+            <a:off x="395536" y="2420228"/>
+            <a:ext cx="2903403" cy="889595"/>
+          </a:xfrm>
+          <a:prstGeom prst="rect">
+            <a:avLst/>
+          </a:prstGeom>
+        </p:spPr>
+      </p:pic>
+      <p:pic>
+        <p:nvPicPr>
+          <p:cNvPr id="11" name="Grafik 10"/>
+          <p:cNvPicPr>
+            <a:picLocks noChangeAspect="1"/>
+          </p:cNvPicPr>
+          <p:nvPr/>
+        </p:nvPicPr>
+        <p:blipFill>
+          <a:blip r:embed="rId7">
+            <a:extLst>
+              <a:ext uri="{28A0092B-C50C-407E-A947-70E740481C1C}">
+                <a14:useLocalDpi xmlns:a14="http://schemas.microsoft.com/office/drawing/2010/main" val="0"/>
+              </a:ext>
+            </a:extLst>
+          </a:blip>
+          <a:stretch>
+            <a:fillRect/>
+          </a:stretch>
+        </p:blipFill>
+        <p:spPr>
+          <a:xfrm>
+            <a:off x="323528" y="4809142"/>
+            <a:ext cx="1080120" cy="1141095"/>
+          </a:xfrm>
+          <a:prstGeom prst="rect">
+            <a:avLst/>
+          </a:prstGeom>
+        </p:spPr>
+      </p:pic>
+      <p:pic>
+        <p:nvPicPr>
+          <p:cNvPr id="12" name="Grafik 11"/>
+          <p:cNvPicPr>
+            <a:picLocks noChangeAspect="1"/>
+          </p:cNvPicPr>
+          <p:nvPr/>
+        </p:nvPicPr>
+        <p:blipFill>
+          <a:blip r:embed="rId8">
+            <a:extLst>
+              <a:ext uri="{28A0092B-C50C-407E-A947-70E740481C1C}">
+                <a14:useLocalDpi xmlns:a14="http://schemas.microsoft.com/office/drawing/2010/main" val="0"/>
+              </a:ext>
+            </a:extLst>
+          </a:blip>
+          <a:stretch>
+            <a:fillRect/>
+          </a:stretch>
+        </p:blipFill>
+        <p:spPr>
+          <a:xfrm>
+            <a:off x="4860032" y="2427804"/>
+            <a:ext cx="2952328" cy="1021959"/>
+          </a:xfrm>
+          <a:prstGeom prst="rect">
+            <a:avLst/>
+          </a:prstGeom>
+        </p:spPr>
+      </p:pic>
+      <p:pic>
+        <p:nvPicPr>
+          <p:cNvPr id="13" name="Grafik 12"/>
+          <p:cNvPicPr>
+            <a:picLocks noChangeAspect="1"/>
+          </p:cNvPicPr>
+          <p:nvPr/>
+        </p:nvPicPr>
+        <p:blipFill>
+          <a:blip r:embed="rId9" cstate="print">
+            <a:extLst>
+              <a:ext uri="{28A0092B-C50C-407E-A947-70E740481C1C}">
+                <a14:useLocalDpi xmlns:a14="http://schemas.microsoft.com/office/drawing/2010/main" val="0"/>
+              </a:ext>
+            </a:extLst>
+          </a:blip>
+          <a:stretch>
+            <a:fillRect/>
+          </a:stretch>
+        </p:blipFill>
+        <p:spPr>
+          <a:xfrm>
+            <a:off x="309789" y="1108556"/>
+            <a:ext cx="2606027" cy="1230624"/>
+          </a:xfrm>
+          <a:prstGeom prst="rect">
+            <a:avLst/>
+          </a:prstGeom>
+        </p:spPr>
+      </p:pic>
+      <p:pic>
+        <p:nvPicPr>
+          <p:cNvPr id="14" name="Grafik 13"/>
+          <p:cNvPicPr>
+            <a:picLocks noChangeAspect="1"/>
+          </p:cNvPicPr>
+          <p:nvPr/>
+        </p:nvPicPr>
+        <p:blipFill>
+          <a:blip r:embed="rId10" cstate="print">
+            <a:extLst>
+              <a:ext uri="{28A0092B-C50C-407E-A947-70E740481C1C}">
+                <a14:useLocalDpi xmlns:a14="http://schemas.microsoft.com/office/drawing/2010/main" val="0"/>
+              </a:ext>
+            </a:extLst>
+          </a:blip>
+          <a:stretch>
+            <a:fillRect/>
+          </a:stretch>
+        </p:blipFill>
+        <p:spPr>
+          <a:xfrm>
+            <a:off x="1763688" y="4941168"/>
+            <a:ext cx="3004413" cy="591777"/>
+          </a:xfrm>
+          <a:prstGeom prst="rect">
+            <a:avLst/>
+          </a:prstGeom>
+        </p:spPr>
+      </p:pic>
+      <p:pic>
+        <p:nvPicPr>
+          <p:cNvPr id="15" name="Picture 14" descr="logo.png"/>
+          <p:cNvPicPr>
+            <a:picLocks noChangeAspect="1"/>
+          </p:cNvPicPr>
+          <p:nvPr/>
+        </p:nvPicPr>
+        <p:blipFill>
+          <a:blip r:embed="rId11" cstate="print">
+            <a:extLst>
+              <a:ext uri="{28A0092B-C50C-407E-A947-70E740481C1C}">
+                <a14:useLocalDpi xmlns:a14="http://schemas.microsoft.com/office/drawing/2010/main" val="0"/>
+              </a:ext>
+            </a:extLst>
+          </a:blip>
+          <a:stretch>
+            <a:fillRect/>
+          </a:stretch>
+        </p:blipFill>
+        <p:spPr>
+          <a:xfrm>
+            <a:off x="72008" y="5985646"/>
+            <a:ext cx="2411760" cy="971746"/>
+          </a:xfrm>
+          <a:prstGeom prst="rect">
+            <a:avLst/>
+          </a:prstGeom>
+        </p:spPr>
+      </p:pic>
+    </p:spTree>
+    <p:extLst>
+      <p:ext uri="{BB962C8B-B14F-4D97-AF65-F5344CB8AC3E}">
+        <p14:creationId xmlns:p14="http://schemas.microsoft.com/office/powerpoint/2010/main" val="594241018"/>
+      </p:ext>
+    </p:extLst>
+  </p:cSld>
+  <p:clrMapOvr>
+    <a:masterClrMapping/>
+  </p:clrMapOvr>
+  <p:timing>
+    <p:tnLst>
+      <p:par>
+        <p:cTn xmlns:p14="http://schemas.microsoft.com/office/powerpoint/2010/main" id="1" dur="indefinite" restart="never" nodeType="tmRoot"/>
+      </p:par>
+    </p:tnLst>
+  </p:timing>
+</p:sld>
+</file>
+
+<file path=ppt/slides/slide5.xml><?xml version="1.0" encoding="utf-8"?>
+<p:sld xmlns:a="http://schemas.openxmlformats.org/drawingml/2006/main" xmlns:r="http://schemas.openxmlformats.org/officeDocument/2006/relationships" xmlns:p="http://schemas.openxmlformats.org/presentationml/2006/main">
+  <p:cSld>
+    <p:spTree>
+      <p:nvGrpSpPr>
+        <p:cNvPr id="1" name=""/>
+        <p:cNvGrpSpPr/>
+        <p:nvPr/>
+      </p:nvGrpSpPr>
+      <p:grpSpPr>
+        <a:xfrm>
+          <a:off x="0" y="0"/>
+          <a:ext cx="0" cy="0"/>
+          <a:chOff x="0" y="0"/>
+          <a:chExt cx="0" cy="0"/>
+        </a:xfrm>
+      </p:grpSpPr>
+      <p:sp>
+        <p:nvSpPr>
           <p:cNvPr id="2" name="Rechteck 1"/>
           <p:cNvSpPr/>
           <p:nvPr/>
@@ -6104,7 +6437,7 @@
 </p:sld>
 </file>
 
-<file path=ppt/slides/slide5.xml><?xml version="1.0" encoding="utf-8"?>
+<file path=ppt/slides/slide6.xml><?xml version="1.0" encoding="utf-8"?>
 <p:sld xmlns:a="http://schemas.openxmlformats.org/drawingml/2006/main" xmlns:r="http://schemas.openxmlformats.org/officeDocument/2006/relationships" xmlns:p="http://schemas.openxmlformats.org/presentationml/2006/main" show="0">
   <p:cSld>
     <p:spTree>
@@ -7335,371 +7668,6 @@
 </p:sld>
 </file>
 
-<file path=ppt/slides/slide6.xml><?xml version="1.0" encoding="utf-8"?>
-<p:sld xmlns:a="http://schemas.openxmlformats.org/drawingml/2006/main" xmlns:r="http://schemas.openxmlformats.org/officeDocument/2006/relationships" xmlns:p="http://schemas.openxmlformats.org/presentationml/2006/main">
-  <p:cSld>
-    <p:spTree>
-      <p:nvGrpSpPr>
-        <p:cNvPr id="1" name=""/>
-        <p:cNvGrpSpPr/>
-        <p:nvPr/>
-      </p:nvGrpSpPr>
-      <p:grpSpPr>
-        <a:xfrm>
-          <a:off x="0" y="0"/>
-          <a:ext cx="0" cy="0"/>
-          <a:chOff x="0" y="0"/>
-          <a:chExt cx="0" cy="0"/>
-        </a:xfrm>
-      </p:grpSpPr>
-      <p:sp>
-        <p:nvSpPr>
-          <p:cNvPr id="2" name="Rechteck 1"/>
-          <p:cNvSpPr/>
-          <p:nvPr/>
-        </p:nvSpPr>
-        <p:spPr>
-          <a:xfrm>
-            <a:off x="899592" y="1116033"/>
-            <a:ext cx="7272808" cy="584775"/>
-          </a:xfrm>
-          <a:prstGeom prst="rect">
-            <a:avLst/>
-          </a:prstGeom>
-        </p:spPr>
-        <p:txBody>
-          <a:bodyPr wrap="square">
-            <a:spAutoFit/>
-          </a:bodyPr>
-          <a:lstStyle/>
-          <a:p>
-            <a:pPr algn="ctr"/>
-            <a:r>
-              <a:rPr lang="de-DE" sz="3200" dirty="0" smtClean="0">
-                <a:latin typeface="Rockwell" panose="02060603020205020403" pitchFamily="18" charset="0"/>
-              </a:rPr>
-              <a:t>LOGISTIK</a:t>
-            </a:r>
-            <a:endParaRPr lang="de-DE" sz="3200" dirty="0">
-              <a:latin typeface="Rockwell" panose="02060603020205020403" pitchFamily="18" charset="0"/>
-            </a:endParaRPr>
-          </a:p>
-        </p:txBody>
-      </p:sp>
-      <p:sp>
-        <p:nvSpPr>
-          <p:cNvPr id="3" name="Rechteck 2"/>
-          <p:cNvSpPr/>
-          <p:nvPr/>
-        </p:nvSpPr>
-        <p:spPr>
-          <a:xfrm>
-            <a:off x="0" y="0"/>
-            <a:ext cx="9144000" cy="958416"/>
-          </a:xfrm>
-          <a:prstGeom prst="rect">
-            <a:avLst/>
-          </a:prstGeom>
-          <a:solidFill>
-            <a:srgbClr val="FF0000"/>
-          </a:solidFill>
-          <a:ln>
-            <a:noFill/>
-          </a:ln>
-        </p:spPr>
-        <p:style>
-          <a:lnRef idx="2">
-            <a:schemeClr val="accent1">
-              <a:shade val="50000"/>
-            </a:schemeClr>
-          </a:lnRef>
-          <a:fillRef idx="1">
-            <a:schemeClr val="accent1"/>
-          </a:fillRef>
-          <a:effectRef idx="0">
-            <a:schemeClr val="accent1"/>
-          </a:effectRef>
-          <a:fontRef idx="minor">
-            <a:schemeClr val="lt1"/>
-          </a:fontRef>
-        </p:style>
-        <p:txBody>
-          <a:bodyPr rtlCol="0" anchor="ctr"/>
-          <a:lstStyle/>
-          <a:p>
-            <a:pPr algn="ctr"/>
-            <a:endParaRPr lang="de-DE"/>
-          </a:p>
-        </p:txBody>
-      </p:sp>
-      <p:sp>
-        <p:nvSpPr>
-          <p:cNvPr id="6" name="Textfeld 5"/>
-          <p:cNvSpPr txBox="1"/>
-          <p:nvPr/>
-        </p:nvSpPr>
-        <p:spPr>
-          <a:xfrm>
-            <a:off x="1459850" y="1893600"/>
-            <a:ext cx="6208494" cy="2831544"/>
-          </a:xfrm>
-          <a:prstGeom prst="rect">
-            <a:avLst/>
-          </a:prstGeom>
-          <a:noFill/>
-        </p:spPr>
-        <p:txBody>
-          <a:bodyPr wrap="square" rtlCol="0">
-            <a:spAutoFit/>
-          </a:bodyPr>
-          <a:lstStyle/>
-          <a:p>
-            <a:pPr marL="285750" indent="-285750">
-              <a:buFont typeface="Arial" panose="020B0604020202020204" pitchFamily="34" charset="0"/>
-              <a:buChar char="•"/>
-            </a:pPr>
-            <a:r>
-              <a:rPr lang="de-DE" sz="3200" dirty="0" smtClean="0">
-                <a:latin typeface="Rockwell" panose="02060603020205020403" pitchFamily="18" charset="0"/>
-              </a:rPr>
-              <a:t>Area </a:t>
-            </a:r>
-          </a:p>
-          <a:p>
-            <a:pPr marL="285750" indent="-285750">
-              <a:buFont typeface="Arial" panose="020B0604020202020204" pitchFamily="34" charset="0"/>
-              <a:buChar char="•"/>
-            </a:pPr>
-            <a:r>
-              <a:rPr lang="de-DE" sz="3200" dirty="0" err="1" smtClean="0">
-                <a:latin typeface="Rockwell" panose="02060603020205020403" pitchFamily="18" charset="0"/>
-              </a:rPr>
-              <a:t>Jumlah</a:t>
-            </a:r>
-            <a:r>
-              <a:rPr lang="de-DE" sz="3200" dirty="0" smtClean="0">
-                <a:latin typeface="Rockwell" panose="02060603020205020403" pitchFamily="18" charset="0"/>
-              </a:rPr>
-              <a:t> </a:t>
-            </a:r>
-            <a:r>
-              <a:rPr lang="de-DE" sz="3200" dirty="0" err="1" smtClean="0">
-                <a:latin typeface="Rockwell" panose="02060603020205020403" pitchFamily="18" charset="0"/>
-              </a:rPr>
-              <a:t>Penduduk</a:t>
-            </a:r>
-            <a:endParaRPr lang="de-DE" sz="3200" dirty="0" smtClean="0">
-              <a:latin typeface="Rockwell" panose="02060603020205020403" pitchFamily="18" charset="0"/>
-            </a:endParaRPr>
-          </a:p>
-          <a:p>
-            <a:pPr marL="285750" indent="-285750">
-              <a:buFont typeface="Arial" panose="020B0604020202020204" pitchFamily="34" charset="0"/>
-              <a:buChar char="•"/>
-            </a:pPr>
-            <a:r>
-              <a:rPr lang="de-DE" sz="3200" dirty="0" err="1" smtClean="0">
-                <a:latin typeface="Rockwell" panose="02060603020205020403" pitchFamily="18" charset="0"/>
-              </a:rPr>
-              <a:t>Lokasi</a:t>
-            </a:r>
-            <a:r>
-              <a:rPr lang="de-DE" sz="3200" dirty="0" smtClean="0">
-                <a:latin typeface="Rockwell" panose="02060603020205020403" pitchFamily="18" charset="0"/>
-              </a:rPr>
-              <a:t> </a:t>
-            </a:r>
-            <a:r>
-              <a:rPr lang="de-DE" sz="3200" dirty="0" err="1" smtClean="0">
-                <a:latin typeface="Rockwell" panose="02060603020205020403" pitchFamily="18" charset="0"/>
-              </a:rPr>
-              <a:t>Gudang</a:t>
-            </a:r>
-            <a:endParaRPr lang="de-DE" sz="3200" dirty="0" smtClean="0">
-              <a:latin typeface="Rockwell" panose="02060603020205020403" pitchFamily="18" charset="0"/>
-            </a:endParaRPr>
-          </a:p>
-          <a:p>
-            <a:pPr marL="285750" indent="-285750">
-              <a:buFont typeface="Arial" panose="020B0604020202020204" pitchFamily="34" charset="0"/>
-              <a:buChar char="•"/>
-            </a:pPr>
-            <a:r>
-              <a:rPr lang="de-DE" sz="3200" dirty="0" err="1" smtClean="0">
-                <a:latin typeface="Rockwell" panose="02060603020205020403" pitchFamily="18" charset="0"/>
-              </a:rPr>
-              <a:t>Jalur</a:t>
-            </a:r>
-            <a:r>
-              <a:rPr lang="de-DE" sz="3200" dirty="0" smtClean="0">
-                <a:latin typeface="Rockwell" panose="02060603020205020403" pitchFamily="18" charset="0"/>
-              </a:rPr>
-              <a:t> </a:t>
-            </a:r>
-            <a:r>
-              <a:rPr lang="de-DE" sz="3200" dirty="0" err="1" smtClean="0">
-                <a:latin typeface="Rockwell" panose="02060603020205020403" pitchFamily="18" charset="0"/>
-              </a:rPr>
-              <a:t>Transportasi</a:t>
-            </a:r>
-            <a:endParaRPr lang="de-DE" sz="3200" dirty="0" smtClean="0">
-              <a:latin typeface="Rockwell" panose="02060603020205020403" pitchFamily="18" charset="0"/>
-            </a:endParaRPr>
-          </a:p>
-          <a:p>
-            <a:pPr marL="285750" indent="-285750">
-              <a:buFont typeface="Arial" panose="020B0604020202020204" pitchFamily="34" charset="0"/>
-              <a:buChar char="•"/>
-            </a:pPr>
-            <a:r>
-              <a:rPr lang="de-DE" sz="3200" dirty="0" err="1" smtClean="0">
-                <a:latin typeface="Rockwell" panose="02060603020205020403" pitchFamily="18" charset="0"/>
-              </a:rPr>
-              <a:t>Harga</a:t>
-            </a:r>
-            <a:r>
-              <a:rPr lang="de-DE" sz="3200" dirty="0" smtClean="0">
-                <a:latin typeface="Rockwell" panose="02060603020205020403" pitchFamily="18" charset="0"/>
-              </a:rPr>
-              <a:t> </a:t>
-            </a:r>
-            <a:r>
-              <a:rPr lang="de-DE" sz="3200" dirty="0" err="1" smtClean="0">
-                <a:latin typeface="Rockwell" panose="02060603020205020403" pitchFamily="18" charset="0"/>
-              </a:rPr>
-              <a:t>Komoditas</a:t>
-            </a:r>
-            <a:endParaRPr lang="de-DE" dirty="0">
-              <a:latin typeface="Rockwell" panose="02060603020205020403" pitchFamily="18" charset="0"/>
-            </a:endParaRPr>
-          </a:p>
-          <a:p>
-            <a:endParaRPr lang="de-DE" dirty="0"/>
-          </a:p>
-        </p:txBody>
-      </p:sp>
-      <p:sp>
-        <p:nvSpPr>
-          <p:cNvPr id="7" name="Textfeld 6"/>
-          <p:cNvSpPr txBox="1"/>
-          <p:nvPr/>
-        </p:nvSpPr>
-        <p:spPr>
-          <a:xfrm>
-            <a:off x="251520" y="231031"/>
-            <a:ext cx="2520280" cy="461665"/>
-          </a:xfrm>
-          <a:prstGeom prst="rect">
-            <a:avLst/>
-          </a:prstGeom>
-          <a:noFill/>
-        </p:spPr>
-        <p:txBody>
-          <a:bodyPr wrap="square" rtlCol="0">
-            <a:spAutoFit/>
-          </a:bodyPr>
-          <a:lstStyle/>
-          <a:p>
-            <a:r>
-              <a:rPr lang="de-DE" sz="2400" b="1" dirty="0" smtClean="0">
-                <a:solidFill>
-                  <a:schemeClr val="bg1"/>
-                </a:solidFill>
-                <a:latin typeface="Rockwell" panose="02060603020205020403" pitchFamily="18" charset="0"/>
-                <a:ea typeface="Roboto Light" panose="02000000000000000000" pitchFamily="2" charset="0"/>
-              </a:rPr>
-              <a:t>DATA</a:t>
-            </a:r>
-            <a:endParaRPr lang="de-DE" sz="2400" b="1" dirty="0">
-              <a:solidFill>
-                <a:schemeClr val="bg1"/>
-              </a:solidFill>
-              <a:latin typeface="Rockwell" panose="02060603020205020403" pitchFamily="18" charset="0"/>
-              <a:ea typeface="Roboto Light" panose="02000000000000000000" pitchFamily="2" charset="0"/>
-            </a:endParaRPr>
-          </a:p>
-        </p:txBody>
-      </p:sp>
-      <p:pic>
-        <p:nvPicPr>
-          <p:cNvPr id="8" name="Grafik 7"/>
-          <p:cNvPicPr>
-            <a:picLocks noChangeAspect="1"/>
-          </p:cNvPicPr>
-          <p:nvPr/>
-        </p:nvPicPr>
-        <p:blipFill>
-          <a:blip r:embed="rId2">
-            <a:extLst>
-              <a:ext uri="{28A0092B-C50C-407E-A947-70E740481C1C}">
-                <a14:useLocalDpi xmlns:a14="http://schemas.microsoft.com/office/drawing/2010/main" val="0"/>
-              </a:ext>
-            </a:extLst>
-          </a:blip>
-          <a:stretch>
-            <a:fillRect/>
-          </a:stretch>
-        </p:blipFill>
-        <p:spPr>
-          <a:xfrm>
-            <a:off x="6433774" y="6237312"/>
-            <a:ext cx="2530714" cy="474509"/>
-          </a:xfrm>
-          <a:prstGeom prst="rect">
-            <a:avLst/>
-          </a:prstGeom>
-        </p:spPr>
-      </p:pic>
-      <p:pic>
-        <p:nvPicPr>
-          <p:cNvPr id="9" name="Picture 8" descr="logo.png"/>
-          <p:cNvPicPr>
-            <a:picLocks noChangeAspect="1"/>
-          </p:cNvPicPr>
-          <p:nvPr/>
-        </p:nvPicPr>
-        <p:blipFill>
-          <a:blip r:embed="rId3" cstate="print">
-            <a:extLst>
-              <a:ext uri="{28A0092B-C50C-407E-A947-70E740481C1C}">
-                <a14:useLocalDpi xmlns:a14="http://schemas.microsoft.com/office/drawing/2010/main" val="0"/>
-              </a:ext>
-            </a:extLst>
-          </a:blip>
-          <a:stretch>
-            <a:fillRect/>
-          </a:stretch>
-        </p:blipFill>
-        <p:spPr>
-          <a:xfrm>
-            <a:off x="72008" y="5985646"/>
-            <a:ext cx="2411760" cy="971746"/>
-          </a:xfrm>
-          <a:prstGeom prst="rect">
-            <a:avLst/>
-          </a:prstGeom>
-        </p:spPr>
-      </p:pic>
-    </p:spTree>
-    <p:extLst>
-      <p:ext uri="{BB962C8B-B14F-4D97-AF65-F5344CB8AC3E}">
-        <p14:creationId xmlns:p14="http://schemas.microsoft.com/office/powerpoint/2010/main" val="1143380732"/>
-      </p:ext>
-    </p:extLst>
-  </p:cSld>
-  <p:clrMapOvr>
-    <a:masterClrMapping/>
-  </p:clrMapOvr>
-  <p:timing>
-    <p:tnLst>
-      <p:par>
-        <p:cTn xmlns:p14="http://schemas.microsoft.com/office/powerpoint/2010/main" id="1" dur="indefinite" restart="never" nodeType="tmRoot"/>
-      </p:par>
-    </p:tnLst>
-  </p:timing>
-</p:sld>
-</file>
-
 <file path=ppt/slides/slide7.xml><?xml version="1.0" encoding="utf-8"?>
 <p:sld xmlns:a="http://schemas.openxmlformats.org/drawingml/2006/main" xmlns:r="http://schemas.openxmlformats.org/officeDocument/2006/relationships" xmlns:p="http://schemas.openxmlformats.org/presentationml/2006/main">
   <p:cSld>
@@ -7719,6 +7687,40 @@
       </p:grpSpPr>
       <p:sp>
         <p:nvSpPr>
+          <p:cNvPr id="2" name="Rechteck 1"/>
+          <p:cNvSpPr/>
+          <p:nvPr/>
+        </p:nvSpPr>
+        <p:spPr>
+          <a:xfrm>
+            <a:off x="899592" y="1116033"/>
+            <a:ext cx="7272808" cy="584775"/>
+          </a:xfrm>
+          <a:prstGeom prst="rect">
+            <a:avLst/>
+          </a:prstGeom>
+        </p:spPr>
+        <p:txBody>
+          <a:bodyPr wrap="square">
+            <a:spAutoFit/>
+          </a:bodyPr>
+          <a:lstStyle/>
+          <a:p>
+            <a:pPr algn="ctr"/>
+            <a:r>
+              <a:rPr lang="de-DE" sz="3200" dirty="0" smtClean="0">
+                <a:latin typeface="Rockwell" panose="02060603020205020403" pitchFamily="18" charset="0"/>
+              </a:rPr>
+              <a:t>LOGISTIK</a:t>
+            </a:r>
+            <a:endParaRPr lang="de-DE" sz="3200" dirty="0">
+              <a:latin typeface="Rockwell" panose="02060603020205020403" pitchFamily="18" charset="0"/>
+            </a:endParaRPr>
+          </a:p>
+        </p:txBody>
+      </p:sp>
+      <p:sp>
+        <p:nvSpPr>
           <p:cNvPr id="3" name="Rechteck 2"/>
           <p:cNvSpPr/>
           <p:nvPr/>
@@ -7763,16 +7765,204 @@
           </a:p>
         </p:txBody>
       </p:sp>
+      <p:sp>
+        <p:nvSpPr>
+          <p:cNvPr id="6" name="Textfeld 5"/>
+          <p:cNvSpPr txBox="1"/>
+          <p:nvPr/>
+        </p:nvSpPr>
+        <p:spPr>
+          <a:xfrm>
+            <a:off x="1459850" y="1893600"/>
+            <a:ext cx="6208494" cy="2831544"/>
+          </a:xfrm>
+          <a:prstGeom prst="rect">
+            <a:avLst/>
+          </a:prstGeom>
+          <a:noFill/>
+        </p:spPr>
+        <p:txBody>
+          <a:bodyPr wrap="square" rtlCol="0">
+            <a:spAutoFit/>
+          </a:bodyPr>
+          <a:lstStyle/>
+          <a:p>
+            <a:pPr marL="285750" indent="-285750">
+              <a:buFont typeface="Arial" panose="020B0604020202020204" pitchFamily="34" charset="0"/>
+              <a:buChar char="•"/>
+            </a:pPr>
+            <a:r>
+              <a:rPr lang="de-DE" sz="3200" dirty="0" smtClean="0">
+                <a:latin typeface="Rockwell" panose="02060603020205020403" pitchFamily="18" charset="0"/>
+              </a:rPr>
+              <a:t>Area </a:t>
+            </a:r>
+          </a:p>
+          <a:p>
+            <a:pPr marL="285750" indent="-285750">
+              <a:buFont typeface="Arial" panose="020B0604020202020204" pitchFamily="34" charset="0"/>
+              <a:buChar char="•"/>
+            </a:pPr>
+            <a:r>
+              <a:rPr lang="de-DE" sz="3200" dirty="0" err="1" smtClean="0">
+                <a:latin typeface="Rockwell" panose="02060603020205020403" pitchFamily="18" charset="0"/>
+              </a:rPr>
+              <a:t>Jumlah</a:t>
+            </a:r>
+            <a:r>
+              <a:rPr lang="de-DE" sz="3200" dirty="0" smtClean="0">
+                <a:latin typeface="Rockwell" panose="02060603020205020403" pitchFamily="18" charset="0"/>
+              </a:rPr>
+              <a:t> </a:t>
+            </a:r>
+            <a:r>
+              <a:rPr lang="de-DE" sz="3200" dirty="0" err="1" smtClean="0">
+                <a:latin typeface="Rockwell" panose="02060603020205020403" pitchFamily="18" charset="0"/>
+              </a:rPr>
+              <a:t>Penduduk</a:t>
+            </a:r>
+            <a:endParaRPr lang="de-DE" sz="3200" dirty="0" smtClean="0">
+              <a:latin typeface="Rockwell" panose="02060603020205020403" pitchFamily="18" charset="0"/>
+            </a:endParaRPr>
+          </a:p>
+          <a:p>
+            <a:pPr marL="285750" indent="-285750">
+              <a:buFont typeface="Arial" panose="020B0604020202020204" pitchFamily="34" charset="0"/>
+              <a:buChar char="•"/>
+            </a:pPr>
+            <a:r>
+              <a:rPr lang="de-DE" sz="3200" dirty="0" err="1" smtClean="0">
+                <a:latin typeface="Rockwell" panose="02060603020205020403" pitchFamily="18" charset="0"/>
+              </a:rPr>
+              <a:t>Lokasi</a:t>
+            </a:r>
+            <a:r>
+              <a:rPr lang="de-DE" sz="3200" dirty="0" smtClean="0">
+                <a:latin typeface="Rockwell" panose="02060603020205020403" pitchFamily="18" charset="0"/>
+              </a:rPr>
+              <a:t> </a:t>
+            </a:r>
+            <a:r>
+              <a:rPr lang="de-DE" sz="3200" dirty="0" err="1" smtClean="0">
+                <a:latin typeface="Rockwell" panose="02060603020205020403" pitchFamily="18" charset="0"/>
+              </a:rPr>
+              <a:t>Gudang</a:t>
+            </a:r>
+            <a:endParaRPr lang="de-DE" sz="3200" dirty="0" smtClean="0">
+              <a:latin typeface="Rockwell" panose="02060603020205020403" pitchFamily="18" charset="0"/>
+            </a:endParaRPr>
+          </a:p>
+          <a:p>
+            <a:pPr marL="285750" indent="-285750">
+              <a:buFont typeface="Arial" panose="020B0604020202020204" pitchFamily="34" charset="0"/>
+              <a:buChar char="•"/>
+            </a:pPr>
+            <a:r>
+              <a:rPr lang="de-DE" sz="3200" dirty="0" err="1" smtClean="0">
+                <a:latin typeface="Rockwell" panose="02060603020205020403" pitchFamily="18" charset="0"/>
+              </a:rPr>
+              <a:t>Jalur</a:t>
+            </a:r>
+            <a:r>
+              <a:rPr lang="de-DE" sz="3200" dirty="0" smtClean="0">
+                <a:latin typeface="Rockwell" panose="02060603020205020403" pitchFamily="18" charset="0"/>
+              </a:rPr>
+              <a:t> </a:t>
+            </a:r>
+            <a:r>
+              <a:rPr lang="de-DE" sz="3200" dirty="0" err="1" smtClean="0">
+                <a:latin typeface="Rockwell" panose="02060603020205020403" pitchFamily="18" charset="0"/>
+              </a:rPr>
+              <a:t>Transportasi</a:t>
+            </a:r>
+            <a:endParaRPr lang="de-DE" sz="3200" dirty="0" smtClean="0">
+              <a:latin typeface="Rockwell" panose="02060603020205020403" pitchFamily="18" charset="0"/>
+            </a:endParaRPr>
+          </a:p>
+          <a:p>
+            <a:pPr marL="285750" indent="-285750">
+              <a:buFont typeface="Arial" panose="020B0604020202020204" pitchFamily="34" charset="0"/>
+              <a:buChar char="•"/>
+            </a:pPr>
+            <a:r>
+              <a:rPr lang="de-DE" sz="3200" dirty="0" err="1" smtClean="0">
+                <a:latin typeface="Rockwell" panose="02060603020205020403" pitchFamily="18" charset="0"/>
+              </a:rPr>
+              <a:t>Harga</a:t>
+            </a:r>
+            <a:r>
+              <a:rPr lang="de-DE" sz="3200" dirty="0" smtClean="0">
+                <a:latin typeface="Rockwell" panose="02060603020205020403" pitchFamily="18" charset="0"/>
+              </a:rPr>
+              <a:t> </a:t>
+            </a:r>
+            <a:r>
+              <a:rPr lang="de-DE" sz="3200" dirty="0" err="1" smtClean="0">
+                <a:latin typeface="Rockwell" panose="02060603020205020403" pitchFamily="18" charset="0"/>
+              </a:rPr>
+              <a:t>Komoditas</a:t>
+            </a:r>
+            <a:endParaRPr lang="de-DE" dirty="0">
+              <a:latin typeface="Rockwell" panose="02060603020205020403" pitchFamily="18" charset="0"/>
+            </a:endParaRPr>
+          </a:p>
+          <a:p>
+            <a:endParaRPr lang="de-DE" dirty="0"/>
+          </a:p>
+        </p:txBody>
+      </p:sp>
+      <p:sp>
+        <p:nvSpPr>
+          <p:cNvPr id="7" name="Textfeld 6"/>
+          <p:cNvSpPr txBox="1"/>
+          <p:nvPr/>
+        </p:nvSpPr>
+        <p:spPr>
+          <a:xfrm>
+            <a:off x="251520" y="231031"/>
+            <a:ext cx="2520280" cy="461665"/>
+          </a:xfrm>
+          <a:prstGeom prst="rect">
+            <a:avLst/>
+          </a:prstGeom>
+          <a:noFill/>
+        </p:spPr>
+        <p:txBody>
+          <a:bodyPr wrap="square" rtlCol="0">
+            <a:spAutoFit/>
+          </a:bodyPr>
+          <a:lstStyle/>
+          <a:p>
+            <a:r>
+              <a:rPr lang="de-DE" sz="2400" b="1" dirty="0" smtClean="0">
+                <a:solidFill>
+                  <a:schemeClr val="bg1"/>
+                </a:solidFill>
+                <a:latin typeface="Rockwell" panose="02060603020205020403" pitchFamily="18" charset="0"/>
+                <a:ea typeface="Roboto Light" panose="02000000000000000000" pitchFamily="2" charset="0"/>
+              </a:rPr>
+              <a:t>DATA</a:t>
+            </a:r>
+            <a:endParaRPr lang="de-DE" sz="2400" b="1" dirty="0">
+              <a:solidFill>
+                <a:schemeClr val="bg1"/>
+              </a:solidFill>
+              <a:latin typeface="Rockwell" panose="02060603020205020403" pitchFamily="18" charset="0"/>
+              <a:ea typeface="Roboto Light" panose="02000000000000000000" pitchFamily="2" charset="0"/>
+            </a:endParaRPr>
+          </a:p>
+        </p:txBody>
+      </p:sp>
       <p:pic>
         <p:nvPicPr>
-          <p:cNvPr id="5" name="Grafik 4"/>
+          <p:cNvPr id="8" name="Grafik 7"/>
           <p:cNvPicPr>
             <a:picLocks noChangeAspect="1"/>
           </p:cNvPicPr>
           <p:nvPr/>
         </p:nvPicPr>
         <p:blipFill>
-          <a:blip r:embed="rId2" cstate="print">
+          <a:blip r:embed="rId2">
             <a:extLst>
               <a:ext uri="{28A0092B-C50C-407E-A947-70E740481C1C}">
                 <a14:useLocalDpi xmlns:a14="http://schemas.microsoft.com/office/drawing/2010/main" val="0"/>
@@ -7785,66 +7975,24 @@
         </p:blipFill>
         <p:spPr>
           <a:xfrm>
-            <a:off x="282564" y="1206208"/>
-            <a:ext cx="4001404" cy="2942872"/>
+            <a:off x="6433774" y="6237312"/>
+            <a:ext cx="2530714" cy="474509"/>
           </a:xfrm>
           <a:prstGeom prst="rect">
             <a:avLst/>
           </a:prstGeom>
         </p:spPr>
       </p:pic>
-      <p:sp>
-        <p:nvSpPr>
-          <p:cNvPr id="7" name="Textfeld 6"/>
-          <p:cNvSpPr txBox="1"/>
-          <p:nvPr/>
-        </p:nvSpPr>
-        <p:spPr>
-          <a:xfrm>
-            <a:off x="251520" y="231031"/>
-            <a:ext cx="4320480" cy="461665"/>
-          </a:xfrm>
-          <a:prstGeom prst="rect">
-            <a:avLst/>
-          </a:prstGeom>
-          <a:noFill/>
-        </p:spPr>
-        <p:txBody>
-          <a:bodyPr wrap="square" rtlCol="0">
-            <a:spAutoFit/>
-          </a:bodyPr>
-          <a:lstStyle/>
-          <a:p>
-            <a:r>
-              <a:rPr lang="de-DE" sz="2400" b="1" dirty="0" smtClean="0">
-                <a:solidFill>
-                  <a:schemeClr val="bg1"/>
-                </a:solidFill>
-                <a:latin typeface="Rockwell" panose="02060603020205020403" pitchFamily="18" charset="0"/>
-                <a:ea typeface="Roboto Light" panose="02000000000000000000" pitchFamily="2" charset="0"/>
-              </a:rPr>
-              <a:t>APA YANG KITA PUNYA</a:t>
-            </a:r>
-            <a:endParaRPr lang="de-DE" sz="2400" b="1" dirty="0">
-              <a:solidFill>
-                <a:schemeClr val="bg1"/>
-              </a:solidFill>
-              <a:latin typeface="Rockwell" panose="02060603020205020403" pitchFamily="18" charset="0"/>
-              <a:ea typeface="Roboto Light" panose="02000000000000000000" pitchFamily="2" charset="0"/>
-            </a:endParaRPr>
-          </a:p>
-        </p:txBody>
-      </p:sp>
       <p:pic>
         <p:nvPicPr>
-          <p:cNvPr id="8" name="Grafik 7"/>
+          <p:cNvPr id="9" name="Picture 8" descr="logo.png"/>
           <p:cNvPicPr>
             <a:picLocks noChangeAspect="1"/>
           </p:cNvPicPr>
           <p:nvPr/>
         </p:nvPicPr>
         <p:blipFill>
-          <a:blip r:embed="rId3">
+          <a:blip r:embed="rId3" cstate="print">
             <a:extLst>
               <a:ext uri="{28A0092B-C50C-407E-A947-70E740481C1C}">
                 <a14:useLocalDpi xmlns:a14="http://schemas.microsoft.com/office/drawing/2010/main" val="0"/>
@@ -7857,66 +8005,6 @@
         </p:blipFill>
         <p:spPr>
           <a:xfrm>
-            <a:off x="6433774" y="6237312"/>
-            <a:ext cx="2530714" cy="474509"/>
-          </a:xfrm>
-          <a:prstGeom prst="rect">
-            <a:avLst/>
-          </a:prstGeom>
-        </p:spPr>
-      </p:pic>
-      <p:pic>
-        <p:nvPicPr>
-          <p:cNvPr id="6" name="Grafik 5"/>
-          <p:cNvPicPr>
-            <a:picLocks noChangeAspect="1"/>
-          </p:cNvPicPr>
-          <p:nvPr/>
-        </p:nvPicPr>
-        <p:blipFill>
-          <a:blip r:embed="rId4" cstate="print">
-            <a:extLst>
-              <a:ext uri="{28A0092B-C50C-407E-A947-70E740481C1C}">
-                <a14:useLocalDpi xmlns:a14="http://schemas.microsoft.com/office/drawing/2010/main" val="0"/>
-              </a:ext>
-            </a:extLst>
-          </a:blip>
-          <a:stretch>
-            <a:fillRect/>
-          </a:stretch>
-        </p:blipFill>
-        <p:spPr>
-          <a:xfrm>
-            <a:off x="4139952" y="3374994"/>
-            <a:ext cx="4608512" cy="2880319"/>
-          </a:xfrm>
-          <a:prstGeom prst="rect">
-            <a:avLst/>
-          </a:prstGeom>
-        </p:spPr>
-      </p:pic>
-      <p:pic>
-        <p:nvPicPr>
-          <p:cNvPr id="9" name="Picture 8" descr="logo.png"/>
-          <p:cNvPicPr>
-            <a:picLocks noChangeAspect="1"/>
-          </p:cNvPicPr>
-          <p:nvPr/>
-        </p:nvPicPr>
-        <p:blipFill>
-          <a:blip r:embed="rId5" cstate="print">
-            <a:extLst>
-              <a:ext uri="{28A0092B-C50C-407E-A947-70E740481C1C}">
-                <a14:useLocalDpi xmlns:a14="http://schemas.microsoft.com/office/drawing/2010/main" val="0"/>
-              </a:ext>
-            </a:extLst>
-          </a:blip>
-          <a:stretch>
-            <a:fillRect/>
-          </a:stretch>
-        </p:blipFill>
-        <p:spPr>
-          <a:xfrm>
             <a:off x="72008" y="5985646"/>
             <a:ext cx="2411760" cy="971746"/>
           </a:xfrm>
@@ -7928,7 +8016,7 @@
     </p:spTree>
     <p:extLst>
       <p:ext uri="{BB962C8B-B14F-4D97-AF65-F5344CB8AC3E}">
-        <p14:creationId xmlns:p14="http://schemas.microsoft.com/office/powerpoint/2010/main" val="2805793616"/>
+        <p14:creationId xmlns:p14="http://schemas.microsoft.com/office/powerpoint/2010/main" val="1143380732"/>
       </p:ext>
     </p:extLst>
   </p:cSld>
@@ -8008,58 +8096,16 @@
           </a:p>
         </p:txBody>
       </p:sp>
-      <p:sp>
-        <p:nvSpPr>
-          <p:cNvPr id="7" name="Textfeld 6"/>
-          <p:cNvSpPr txBox="1"/>
-          <p:nvPr/>
-        </p:nvSpPr>
-        <p:spPr>
-          <a:xfrm>
-            <a:off x="251520" y="231031"/>
-            <a:ext cx="3600400" cy="461665"/>
-          </a:xfrm>
-          <a:prstGeom prst="rect">
-            <a:avLst/>
-          </a:prstGeom>
-          <a:noFill/>
-        </p:spPr>
-        <p:txBody>
-          <a:bodyPr wrap="square" rtlCol="0">
-            <a:spAutoFit/>
-          </a:bodyPr>
-          <a:lstStyle/>
-          <a:p>
-            <a:r>
-              <a:rPr lang="de-DE" sz="2400" b="1" dirty="0" smtClean="0">
-                <a:solidFill>
-                  <a:schemeClr val="bg1"/>
-                </a:solidFill>
-                <a:latin typeface="Rockwell" panose="02060603020205020403" pitchFamily="18" charset="0"/>
-                <a:ea typeface="Roboto Light" panose="02000000000000000000" pitchFamily="2" charset="0"/>
-              </a:rPr>
-              <a:t>KEKURANGAN</a:t>
-            </a:r>
-            <a:endParaRPr lang="de-DE" sz="2400" b="1" dirty="0">
-              <a:solidFill>
-                <a:schemeClr val="bg1"/>
-              </a:solidFill>
-              <a:latin typeface="Rockwell" panose="02060603020205020403" pitchFamily="18" charset="0"/>
-              <a:ea typeface="Roboto Light" panose="02000000000000000000" pitchFamily="2" charset="0"/>
-            </a:endParaRPr>
-          </a:p>
-        </p:txBody>
-      </p:sp>
       <p:pic>
         <p:nvPicPr>
-          <p:cNvPr id="6" name="Grafik 5"/>
+          <p:cNvPr id="5" name="Grafik 4"/>
           <p:cNvPicPr>
             <a:picLocks noChangeAspect="1"/>
           </p:cNvPicPr>
           <p:nvPr/>
         </p:nvPicPr>
         <p:blipFill>
-          <a:blip r:embed="rId2">
+          <a:blip r:embed="rId2" cstate="print">
             <a:extLst>
               <a:ext uri="{28A0092B-C50C-407E-A947-70E740481C1C}">
                 <a14:useLocalDpi xmlns:a14="http://schemas.microsoft.com/office/drawing/2010/main" val="0"/>
@@ -8072,8 +8118,8 @@
         </p:blipFill>
         <p:spPr>
           <a:xfrm>
-            <a:off x="6433774" y="6237312"/>
-            <a:ext cx="2530714" cy="474509"/>
+            <a:off x="282564" y="1206208"/>
+            <a:ext cx="4001404" cy="2942872"/>
           </a:xfrm>
           <a:prstGeom prst="rect">
             <a:avLst/>
@@ -8082,14 +8128,14 @@
       </p:pic>
       <p:sp>
         <p:nvSpPr>
-          <p:cNvPr id="5" name="Textfeld 5"/>
+          <p:cNvPr id="7" name="Textfeld 6"/>
           <p:cNvSpPr txBox="1"/>
           <p:nvPr/>
         </p:nvSpPr>
         <p:spPr>
           <a:xfrm>
-            <a:off x="1531858" y="1628800"/>
-            <a:ext cx="6208494" cy="2339102"/>
+            <a:off x="251520" y="231031"/>
+            <a:ext cx="4320480" cy="461665"/>
           </a:xfrm>
           <a:prstGeom prst="rect">
             <a:avLst/>
@@ -8102,83 +8148,36 @@
           </a:bodyPr>
           <a:lstStyle/>
           <a:p>
-            <a:pPr marL="285750" indent="-285750">
-              <a:buFont typeface="Arial" panose="020B0604020202020204" pitchFamily="34" charset="0"/>
-              <a:buChar char="•"/>
-            </a:pPr>
-            <a:r>
-              <a:rPr lang="de-DE" sz="3200" dirty="0" smtClean="0">
-                <a:latin typeface="Rockwell" panose="02060603020205020403" pitchFamily="18" charset="0"/>
-              </a:rPr>
-              <a:t>Standard </a:t>
-            </a:r>
-            <a:r>
-              <a:rPr lang="de-DE" sz="3200" dirty="0" err="1" smtClean="0">
-                <a:latin typeface="Rockwell" panose="02060603020205020403" pitchFamily="18" charset="0"/>
-              </a:rPr>
-              <a:t>penamaan</a:t>
-            </a:r>
-            <a:endParaRPr lang="de-DE" sz="3200" dirty="0" smtClean="0">
+            <a:r>
+              <a:rPr lang="de-DE" sz="2400" b="1" dirty="0" smtClean="0">
+                <a:solidFill>
+                  <a:schemeClr val="bg1"/>
+                </a:solidFill>
+                <a:latin typeface="Rockwell" panose="02060603020205020403" pitchFamily="18" charset="0"/>
+                <a:ea typeface="Roboto Light" panose="02000000000000000000" pitchFamily="2" charset="0"/>
+              </a:rPr>
+              <a:t>APA YANG KITA PUNYA</a:t>
+            </a:r>
+            <a:endParaRPr lang="de-DE" sz="2400" b="1" dirty="0">
+              <a:solidFill>
+                <a:schemeClr val="bg1"/>
+              </a:solidFill>
               <a:latin typeface="Rockwell" panose="02060603020205020403" pitchFamily="18" charset="0"/>
+              <a:ea typeface="Roboto Light" panose="02000000000000000000" pitchFamily="2" charset="0"/>
             </a:endParaRPr>
-          </a:p>
-          <a:p>
-            <a:pPr marL="285750" indent="-285750">
-              <a:buFont typeface="Arial" panose="020B0604020202020204" pitchFamily="34" charset="0"/>
-              <a:buChar char="•"/>
-            </a:pPr>
-            <a:r>
-              <a:rPr lang="de-DE" sz="3200" dirty="0" err="1" smtClean="0">
-                <a:latin typeface="Rockwell" panose="02060603020205020403" pitchFamily="18" charset="0"/>
-              </a:rPr>
-              <a:t>Aktualisasi</a:t>
-            </a:r>
-            <a:endParaRPr lang="de-DE" sz="3200" dirty="0" smtClean="0">
-              <a:latin typeface="Rockwell" panose="02060603020205020403" pitchFamily="18" charset="0"/>
-            </a:endParaRPr>
-          </a:p>
-          <a:p>
-            <a:pPr marL="285750" indent="-285750">
-              <a:buFont typeface="Arial" panose="020B0604020202020204" pitchFamily="34" charset="0"/>
-              <a:buChar char="•"/>
-            </a:pPr>
-            <a:r>
-              <a:rPr lang="de-DE" sz="3200" dirty="0" smtClean="0">
-                <a:latin typeface="Rockwell" panose="02060603020205020403" pitchFamily="18" charset="0"/>
-              </a:rPr>
-              <a:t>Parameter</a:t>
-            </a:r>
-          </a:p>
-          <a:p>
-            <a:pPr marL="285750" indent="-285750">
-              <a:buFont typeface="Arial" panose="020B0604020202020204" pitchFamily="34" charset="0"/>
-              <a:buChar char="•"/>
-            </a:pPr>
-            <a:r>
-              <a:rPr lang="de-DE" sz="3200" dirty="0" err="1" smtClean="0">
-                <a:latin typeface="Rockwell" panose="02060603020205020403" pitchFamily="18" charset="0"/>
-              </a:rPr>
-              <a:t>etc</a:t>
-            </a:r>
-            <a:endParaRPr lang="de-DE" dirty="0">
-              <a:latin typeface="Rockwell" panose="02060603020205020403" pitchFamily="18" charset="0"/>
-            </a:endParaRPr>
-          </a:p>
-          <a:p>
-            <a:endParaRPr lang="de-DE" dirty="0"/>
           </a:p>
         </p:txBody>
       </p:sp>
       <p:pic>
         <p:nvPicPr>
-          <p:cNvPr id="8" name="Picture 7" descr="logo.png"/>
+          <p:cNvPr id="8" name="Grafik 7"/>
           <p:cNvPicPr>
             <a:picLocks noChangeAspect="1"/>
           </p:cNvPicPr>
           <p:nvPr/>
         </p:nvPicPr>
         <p:blipFill>
-          <a:blip r:embed="rId3" cstate="print">
+          <a:blip r:embed="rId3">
             <a:extLst>
               <a:ext uri="{28A0092B-C50C-407E-A947-70E740481C1C}">
                 <a14:useLocalDpi xmlns:a14="http://schemas.microsoft.com/office/drawing/2010/main" val="0"/>
@@ -8191,6 +8190,66 @@
         </p:blipFill>
         <p:spPr>
           <a:xfrm>
+            <a:off x="6433774" y="6237312"/>
+            <a:ext cx="2530714" cy="474509"/>
+          </a:xfrm>
+          <a:prstGeom prst="rect">
+            <a:avLst/>
+          </a:prstGeom>
+        </p:spPr>
+      </p:pic>
+      <p:pic>
+        <p:nvPicPr>
+          <p:cNvPr id="6" name="Grafik 5"/>
+          <p:cNvPicPr>
+            <a:picLocks noChangeAspect="1"/>
+          </p:cNvPicPr>
+          <p:nvPr/>
+        </p:nvPicPr>
+        <p:blipFill>
+          <a:blip r:embed="rId4" cstate="print">
+            <a:extLst>
+              <a:ext uri="{28A0092B-C50C-407E-A947-70E740481C1C}">
+                <a14:useLocalDpi xmlns:a14="http://schemas.microsoft.com/office/drawing/2010/main" val="0"/>
+              </a:ext>
+            </a:extLst>
+          </a:blip>
+          <a:stretch>
+            <a:fillRect/>
+          </a:stretch>
+        </p:blipFill>
+        <p:spPr>
+          <a:xfrm>
+            <a:off x="4139952" y="3374994"/>
+            <a:ext cx="4608512" cy="2880319"/>
+          </a:xfrm>
+          <a:prstGeom prst="rect">
+            <a:avLst/>
+          </a:prstGeom>
+        </p:spPr>
+      </p:pic>
+      <p:pic>
+        <p:nvPicPr>
+          <p:cNvPr id="9" name="Picture 8" descr="logo.png"/>
+          <p:cNvPicPr>
+            <a:picLocks noChangeAspect="1"/>
+          </p:cNvPicPr>
+          <p:nvPr/>
+        </p:nvPicPr>
+        <p:blipFill>
+          <a:blip r:embed="rId5" cstate="print">
+            <a:extLst>
+              <a:ext uri="{28A0092B-C50C-407E-A947-70E740481C1C}">
+                <a14:useLocalDpi xmlns:a14="http://schemas.microsoft.com/office/drawing/2010/main" val="0"/>
+              </a:ext>
+            </a:extLst>
+          </a:blip>
+          <a:stretch>
+            <a:fillRect/>
+          </a:stretch>
+        </p:blipFill>
+        <p:spPr>
+          <a:xfrm>
             <a:off x="72008" y="5985646"/>
             <a:ext cx="2411760" cy="971746"/>
           </a:xfrm>
@@ -8202,7 +8261,7 @@
     </p:spTree>
     <p:extLst>
       <p:ext uri="{BB962C8B-B14F-4D97-AF65-F5344CB8AC3E}">
-        <p14:creationId xmlns:p14="http://schemas.microsoft.com/office/powerpoint/2010/main" val="436836040"/>
+        <p14:creationId xmlns:p14="http://schemas.microsoft.com/office/powerpoint/2010/main" val="2805793616"/>
       </p:ext>
     </p:extLst>
   </p:cSld>
@@ -8312,7 +8371,7 @@
                 <a:latin typeface="Rockwell" panose="02060603020205020403" pitchFamily="18" charset="0"/>
                 <a:ea typeface="Roboto Light" panose="02000000000000000000" pitchFamily="2" charset="0"/>
               </a:rPr>
-              <a:t>MOCK-UP</a:t>
+              <a:t>KEKURANGAN</a:t>
             </a:r>
             <a:endParaRPr lang="de-DE" sz="2400" b="1" dirty="0">
               <a:solidFill>
@@ -8362,8 +8421,8 @@
         </p:nvSpPr>
         <p:spPr>
           <a:xfrm>
-            <a:off x="1115616" y="1196752"/>
-            <a:ext cx="6208494" cy="2800767"/>
+            <a:off x="1531858" y="1628800"/>
+            <a:ext cx="6208494" cy="2339102"/>
           </a:xfrm>
           <a:prstGeom prst="rect">
             <a:avLst/>
@@ -8375,43 +8434,26 @@
             <a:spAutoFit/>
           </a:bodyPr>
           <a:lstStyle/>
-          <a:p>
-            <a:r>
-              <a:rPr lang="de-DE" sz="2400" dirty="0" smtClean="0">
-                <a:latin typeface="Rockwell" panose="02060603020205020403" pitchFamily="18" charset="0"/>
-              </a:rPr>
-              <a:t>Warehouse</a:t>
-            </a:r>
-          </a:p>
           <a:p>
             <a:pPr marL="285750" indent="-285750">
               <a:buFont typeface="Arial" panose="020B0604020202020204" pitchFamily="34" charset="0"/>
               <a:buChar char="•"/>
             </a:pPr>
             <a:r>
-              <a:rPr lang="de-DE" sz="2400" dirty="0" err="1" smtClean="0">
-                <a:latin typeface="Rockwell" panose="02060603020205020403" pitchFamily="18" charset="0"/>
-              </a:rPr>
-              <a:t>Inbound</a:t>
-            </a:r>
-            <a:r>
-              <a:rPr lang="de-DE" sz="2400" dirty="0" smtClean="0">
-                <a:latin typeface="Rockwell" panose="02060603020205020403" pitchFamily="18" charset="0"/>
-              </a:rPr>
-              <a:t>    -&gt; </a:t>
-            </a:r>
-            <a:r>
-              <a:rPr lang="de-DE" sz="2400" dirty="0" err="1" smtClean="0">
-                <a:latin typeface="Rockwell" panose="02060603020205020403" pitchFamily="18" charset="0"/>
-              </a:rPr>
-              <a:t>Packing</a:t>
-            </a:r>
-            <a:r>
-              <a:rPr lang="de-DE" sz="2400" dirty="0" smtClean="0">
-                <a:latin typeface="Rockwell" panose="02060603020205020403" pitchFamily="18" charset="0"/>
-              </a:rPr>
-              <a:t> List</a:t>
-            </a:r>
+              <a:rPr lang="de-DE" sz="3200" dirty="0" smtClean="0">
+                <a:latin typeface="Rockwell" panose="02060603020205020403" pitchFamily="18" charset="0"/>
+              </a:rPr>
+              <a:t>Standard </a:t>
+            </a:r>
+            <a:r>
+              <a:rPr lang="de-DE" sz="3200" dirty="0" err="1" smtClean="0">
+                <a:latin typeface="Rockwell" panose="02060603020205020403" pitchFamily="18" charset="0"/>
+              </a:rPr>
+              <a:t>penamaan</a:t>
+            </a:r>
+            <a:endParaRPr lang="de-DE" sz="3200" dirty="0" smtClean="0">
+              <a:latin typeface="Rockwell" panose="02060603020205020403" pitchFamily="18" charset="0"/>
+            </a:endParaRPr>
           </a:p>
           <a:p>
             <a:pPr marL="285750" indent="-285750">
@@ -8419,29 +8461,14 @@
               <a:buChar char="•"/>
             </a:pPr>
             <a:r>
-              <a:rPr lang="de-DE" sz="2400" dirty="0" err="1" smtClean="0">
-                <a:latin typeface="Rockwell" panose="02060603020205020403" pitchFamily="18" charset="0"/>
-              </a:rPr>
-              <a:t>Outbound</a:t>
-            </a:r>
-            <a:r>
-              <a:rPr lang="de-DE" sz="2400" dirty="0" smtClean="0">
-                <a:latin typeface="Rockwell" panose="02060603020205020403" pitchFamily="18" charset="0"/>
-              </a:rPr>
-              <a:t> -&gt; </a:t>
-            </a:r>
-            <a:r>
-              <a:rPr lang="de-DE" sz="2400" dirty="0" err="1" smtClean="0">
-                <a:latin typeface="Rockwell" panose="02060603020205020403" pitchFamily="18" charset="0"/>
-              </a:rPr>
-              <a:t>Delivery</a:t>
-            </a:r>
-            <a:r>
-              <a:rPr lang="de-DE" sz="2400" dirty="0" smtClean="0">
-                <a:latin typeface="Rockwell" panose="02060603020205020403" pitchFamily="18" charset="0"/>
-              </a:rPr>
-              <a:t> Note</a:t>
-            </a:r>
+              <a:rPr lang="de-DE" sz="3200" dirty="0" err="1" smtClean="0">
+                <a:latin typeface="Rockwell" panose="02060603020205020403" pitchFamily="18" charset="0"/>
+              </a:rPr>
+              <a:t>Aktualisasi</a:t>
+            </a:r>
+            <a:endParaRPr lang="de-DE" sz="3200" dirty="0" smtClean="0">
+              <a:latin typeface="Rockwell" panose="02060603020205020403" pitchFamily="18" charset="0"/>
+            </a:endParaRPr>
           </a:p>
           <a:p>
             <a:pPr marL="285750" indent="-285750">
@@ -8449,10 +8476,10 @@
               <a:buChar char="•"/>
             </a:pPr>
             <a:r>
-              <a:rPr lang="de-DE" sz="2400" dirty="0" smtClean="0">
-                <a:latin typeface="Rockwell" panose="02060603020205020403" pitchFamily="18" charset="0"/>
-              </a:rPr>
-              <a:t>Stock Take</a:t>
+              <a:rPr lang="de-DE" sz="3200" dirty="0" smtClean="0">
+                <a:latin typeface="Rockwell" panose="02060603020205020403" pitchFamily="18" charset="0"/>
+              </a:rPr>
+              <a:t>Parameter</a:t>
             </a:r>
           </a:p>
           <a:p>
@@ -8461,92 +8488,23 @@
               <a:buChar char="•"/>
             </a:pPr>
             <a:r>
-              <a:rPr lang="de-DE" sz="2400" dirty="0" smtClean="0">
-                <a:latin typeface="Rockwell" panose="02060603020205020403" pitchFamily="18" charset="0"/>
-              </a:rPr>
-              <a:t>Area -&gt; Bin Location</a:t>
-            </a:r>
-          </a:p>
-          <a:p>
-            <a:pPr marL="285750" indent="-285750">
-              <a:buFont typeface="Arial" panose="020B0604020202020204" pitchFamily="34" charset="0"/>
-              <a:buChar char="•"/>
-            </a:pPr>
-            <a:r>
-              <a:rPr lang="de-DE" sz="2400" dirty="0" err="1" smtClean="0">
-                <a:latin typeface="Rockwell" panose="02060603020205020403" pitchFamily="18" charset="0"/>
-              </a:rPr>
-              <a:t>Conversion</a:t>
-            </a:r>
-            <a:r>
-              <a:rPr lang="de-DE" sz="2400" dirty="0" smtClean="0">
-                <a:latin typeface="Rockwell" panose="02060603020205020403" pitchFamily="18" charset="0"/>
-              </a:rPr>
-              <a:t> Tools</a:t>
-            </a:r>
-          </a:p>
-          <a:p>
-            <a:endParaRPr lang="de-DE" sz="1400" dirty="0" smtClean="0">
+              <a:rPr lang="de-DE" sz="3200" dirty="0" err="1" smtClean="0">
+                <a:latin typeface="Rockwell" panose="02060603020205020403" pitchFamily="18" charset="0"/>
+              </a:rPr>
+              <a:t>etc</a:t>
+            </a:r>
+            <a:endParaRPr lang="de-DE" dirty="0">
               <a:latin typeface="Rockwell" panose="02060603020205020403" pitchFamily="18" charset="0"/>
             </a:endParaRPr>
           </a:p>
           <a:p>
-            <a:endParaRPr lang="de-DE" sz="1400" dirty="0"/>
-          </a:p>
-        </p:txBody>
-      </p:sp>
-      <p:sp>
-        <p:nvSpPr>
-          <p:cNvPr id="8" name="Textfeld 5"/>
-          <p:cNvSpPr txBox="1"/>
-          <p:nvPr/>
-        </p:nvSpPr>
-        <p:spPr>
-          <a:xfrm>
-            <a:off x="1115616" y="3861048"/>
-            <a:ext cx="6624736" cy="1077218"/>
-          </a:xfrm>
-          <a:prstGeom prst="rect">
-            <a:avLst/>
-          </a:prstGeom>
-          <a:noFill/>
-        </p:spPr>
-        <p:txBody>
-          <a:bodyPr wrap="square" rtlCol="0">
-            <a:spAutoFit/>
-          </a:bodyPr>
-          <a:lstStyle/>
-          <a:p>
-            <a:r>
-              <a:rPr lang="de-DE" sz="2400" dirty="0" smtClean="0">
-                <a:latin typeface="Rockwell" panose="02060603020205020403" pitchFamily="18" charset="0"/>
-              </a:rPr>
-              <a:t>Transportation</a:t>
-            </a:r>
-          </a:p>
-          <a:p>
-            <a:pPr marL="285750" indent="-285750">
-              <a:buFont typeface="Arial" panose="020B0604020202020204" pitchFamily="34" charset="0"/>
-              <a:buChar char="•"/>
-            </a:pPr>
-            <a:r>
-              <a:rPr lang="de-DE" sz="2400" dirty="0" smtClean="0">
-                <a:latin typeface="Rockwell" panose="02060603020205020403" pitchFamily="18" charset="0"/>
-              </a:rPr>
-              <a:t>Movement -&gt; Armada/3rd Party</a:t>
-            </a:r>
-            <a:endParaRPr lang="de-DE" sz="1400" dirty="0" smtClean="0">
-              <a:latin typeface="Rockwell" panose="02060603020205020403" pitchFamily="18" charset="0"/>
-            </a:endParaRPr>
-          </a:p>
-          <a:p>
-            <a:endParaRPr lang="de-DE" sz="1400" dirty="0"/>
+            <a:endParaRPr lang="de-DE" dirty="0"/>
           </a:p>
         </p:txBody>
       </p:sp>
       <p:pic>
         <p:nvPicPr>
-          <p:cNvPr id="9" name="Picture 8" descr="logo.png"/>
+          <p:cNvPr id="8" name="Picture 7" descr="logo.png"/>
           <p:cNvPicPr>
             <a:picLocks noChangeAspect="1"/>
           </p:cNvPicPr>
@@ -8577,7 +8535,7 @@
     </p:spTree>
     <p:extLst>
       <p:ext uri="{BB962C8B-B14F-4D97-AF65-F5344CB8AC3E}">
-        <p14:creationId xmlns:p14="http://schemas.microsoft.com/office/powerpoint/2010/main" val="4252694950"/>
+        <p14:creationId xmlns:p14="http://schemas.microsoft.com/office/powerpoint/2010/main" val="436836040"/>
       </p:ext>
     </p:extLst>
   </p:cSld>
